--- a/Inception.pptx
+++ b/Inception.pptx
@@ -16,7 +16,7 @@
     <p:sldId id="263" r:id="rId11"/>
   </p:sldIdLst>
   <p:sldSz cx="10080625" cy="7559675"/>
-  <p:notesSz cx="7559675" cy="10691812"/>
+  <p:notesSz cx="7772400" cy="10058400"/>
 </p:presentation>
 </file>
 
@@ -61,7 +61,7 @@
       </p:grpSpPr>
       <p:sp>
         <p:nvSpPr>
-          <p:cNvPr id="30" name="PlaceHolder 1"/>
+          <p:cNvPr id="24" name="PlaceHolder 1"/>
           <p:cNvSpPr>
             <a:spLocks noGrp="1"/>
           </p:cNvSpPr>
@@ -71,30 +71,28 @@
         </p:nvSpPr>
         <p:spPr>
           <a:xfrm>
-            <a:off x="360000" y="360000"/>
-            <a:ext cx="9360000" cy="900000"/>
-          </a:xfrm>
-          <a:prstGeom prst="rect">
-            <a:avLst/>
-          </a:prstGeom>
-        </p:spPr>
-        <p:txBody>
-          <a:bodyPr lIns="0" rIns="0" tIns="0" bIns="0" anchor="b">
-            <a:noAutofit/>
-          </a:bodyPr>
-          <a:p>
-            <a:endParaRPr b="1" lang="es-ES" sz="3200" spc="-1" strike="noStrike">
-              <a:solidFill>
-                <a:srgbClr val="ffffff"/>
-              </a:solidFill>
-              <a:latin typeface="Source Sans Pro Black"/>
-            </a:endParaRPr>
-          </a:p>
-        </p:txBody>
-      </p:sp>
-      <p:sp>
-        <p:nvSpPr>
-          <p:cNvPr id="31" name="PlaceHolder 2"/>
+            <a:off x="504000" y="301320"/>
+            <a:ext cx="9072000" cy="1261800"/>
+          </a:xfrm>
+          <a:prstGeom prst="rect">
+            <a:avLst/>
+          </a:prstGeom>
+        </p:spPr>
+        <p:txBody>
+          <a:bodyPr lIns="0" rIns="0" tIns="0" bIns="0" anchor="ctr">
+            <a:spAutoFit/>
+          </a:bodyPr>
+          <a:p>
+            <a:pPr algn="ctr"/>
+            <a:endParaRPr b="0" lang="es-ES" sz="4400" spc="-1" strike="noStrike">
+              <a:latin typeface="Arial"/>
+            </a:endParaRPr>
+          </a:p>
+        </p:txBody>
+      </p:sp>
+      <p:sp>
+        <p:nvSpPr>
+          <p:cNvPr id="25" name="PlaceHolder 2"/>
           <p:cNvSpPr>
             <a:spLocks noGrp="1"/>
           </p:cNvSpPr>
@@ -104,8 +102,8 @@
         </p:nvSpPr>
         <p:spPr>
           <a:xfrm>
-            <a:off x="360000" y="1980000"/>
-            <a:ext cx="9180000" cy="2232000"/>
+            <a:off x="504000" y="1768680"/>
+            <a:ext cx="9072000" cy="2090880"/>
           </a:xfrm>
           <a:prstGeom prst="rect">
             <a:avLst/>
@@ -116,18 +114,15 @@
             <a:normAutofit/>
           </a:bodyPr>
           <a:p>
-            <a:endParaRPr b="1" lang="es-ES" sz="2600" spc="-1" strike="noStrike">
-              <a:solidFill>
-                <a:srgbClr val="1c1c1c"/>
-              </a:solidFill>
-              <a:latin typeface="Source Sans Pro Semibold"/>
-            </a:endParaRPr>
-          </a:p>
-        </p:txBody>
-      </p:sp>
-      <p:sp>
-        <p:nvSpPr>
-          <p:cNvPr id="32" name="PlaceHolder 3"/>
+            <a:endParaRPr b="0" lang="es-ES" sz="3200" spc="-1" strike="noStrike">
+              <a:latin typeface="Arial"/>
+            </a:endParaRPr>
+          </a:p>
+        </p:txBody>
+      </p:sp>
+      <p:sp>
+        <p:nvSpPr>
+          <p:cNvPr id="26" name="PlaceHolder 3"/>
           <p:cNvSpPr>
             <a:spLocks noGrp="1"/>
           </p:cNvSpPr>
@@ -137,8 +132,8 @@
         </p:nvSpPr>
         <p:spPr>
           <a:xfrm>
-            <a:off x="360000" y="4424400"/>
-            <a:ext cx="9180000" cy="2232000"/>
+            <a:off x="504000" y="4058640"/>
+            <a:ext cx="9072000" cy="2090880"/>
           </a:xfrm>
           <a:prstGeom prst="rect">
             <a:avLst/>
@@ -149,11 +144,8 @@
             <a:normAutofit/>
           </a:bodyPr>
           <a:p>
-            <a:endParaRPr b="1" lang="es-ES" sz="2600" spc="-1" strike="noStrike">
-              <a:solidFill>
-                <a:srgbClr val="1c1c1c"/>
-              </a:solidFill>
-              <a:latin typeface="Source Sans Pro Semibold"/>
+            <a:endParaRPr b="0" lang="es-ES" sz="3200" spc="-1" strike="noStrike">
+              <a:latin typeface="Arial"/>
             </a:endParaRPr>
           </a:p>
         </p:txBody>
@@ -182,7 +174,7 @@
       </p:grpSpPr>
       <p:sp>
         <p:nvSpPr>
-          <p:cNvPr id="33" name="PlaceHolder 1"/>
+          <p:cNvPr id="27" name="PlaceHolder 1"/>
           <p:cNvSpPr>
             <a:spLocks noGrp="1"/>
           </p:cNvSpPr>
@@ -192,30 +184,28 @@
         </p:nvSpPr>
         <p:spPr>
           <a:xfrm>
-            <a:off x="360000" y="360000"/>
-            <a:ext cx="9360000" cy="900000"/>
-          </a:xfrm>
-          <a:prstGeom prst="rect">
-            <a:avLst/>
-          </a:prstGeom>
-        </p:spPr>
-        <p:txBody>
-          <a:bodyPr lIns="0" rIns="0" tIns="0" bIns="0" anchor="b">
-            <a:noAutofit/>
-          </a:bodyPr>
-          <a:p>
-            <a:endParaRPr b="1" lang="es-ES" sz="3200" spc="-1" strike="noStrike">
-              <a:solidFill>
-                <a:srgbClr val="ffffff"/>
-              </a:solidFill>
-              <a:latin typeface="Source Sans Pro Black"/>
-            </a:endParaRPr>
-          </a:p>
-        </p:txBody>
-      </p:sp>
-      <p:sp>
-        <p:nvSpPr>
-          <p:cNvPr id="34" name="PlaceHolder 2"/>
+            <a:off x="504000" y="301320"/>
+            <a:ext cx="9072000" cy="1261800"/>
+          </a:xfrm>
+          <a:prstGeom prst="rect">
+            <a:avLst/>
+          </a:prstGeom>
+        </p:spPr>
+        <p:txBody>
+          <a:bodyPr lIns="0" rIns="0" tIns="0" bIns="0" anchor="ctr">
+            <a:spAutoFit/>
+          </a:bodyPr>
+          <a:p>
+            <a:pPr algn="ctr"/>
+            <a:endParaRPr b="0" lang="es-ES" sz="4400" spc="-1" strike="noStrike">
+              <a:latin typeface="Arial"/>
+            </a:endParaRPr>
+          </a:p>
+        </p:txBody>
+      </p:sp>
+      <p:sp>
+        <p:nvSpPr>
+          <p:cNvPr id="28" name="PlaceHolder 2"/>
           <p:cNvSpPr>
             <a:spLocks noGrp="1"/>
           </p:cNvSpPr>
@@ -225,8 +215,8 @@
         </p:nvSpPr>
         <p:spPr>
           <a:xfrm>
-            <a:off x="360000" y="1980000"/>
-            <a:ext cx="4479480" cy="2232000"/>
+            <a:off x="504000" y="1768680"/>
+            <a:ext cx="4426920" cy="2090880"/>
           </a:xfrm>
           <a:prstGeom prst="rect">
             <a:avLst/>
@@ -237,18 +227,15 @@
             <a:normAutofit/>
           </a:bodyPr>
           <a:p>
-            <a:endParaRPr b="1" lang="es-ES" sz="2600" spc="-1" strike="noStrike">
-              <a:solidFill>
-                <a:srgbClr val="1c1c1c"/>
-              </a:solidFill>
-              <a:latin typeface="Source Sans Pro Semibold"/>
-            </a:endParaRPr>
-          </a:p>
-        </p:txBody>
-      </p:sp>
-      <p:sp>
-        <p:nvSpPr>
-          <p:cNvPr id="35" name="PlaceHolder 3"/>
+            <a:endParaRPr b="0" lang="es-ES" sz="3200" spc="-1" strike="noStrike">
+              <a:latin typeface="Arial"/>
+            </a:endParaRPr>
+          </a:p>
+        </p:txBody>
+      </p:sp>
+      <p:sp>
+        <p:nvSpPr>
+          <p:cNvPr id="29" name="PlaceHolder 3"/>
           <p:cNvSpPr>
             <a:spLocks noGrp="1"/>
           </p:cNvSpPr>
@@ -258,8 +245,8 @@
         </p:nvSpPr>
         <p:spPr>
           <a:xfrm>
-            <a:off x="5063760" y="1980000"/>
-            <a:ext cx="4479480" cy="2232000"/>
+            <a:off x="5152680" y="1768680"/>
+            <a:ext cx="4426920" cy="2090880"/>
           </a:xfrm>
           <a:prstGeom prst="rect">
             <a:avLst/>
@@ -270,18 +257,15 @@
             <a:normAutofit/>
           </a:bodyPr>
           <a:p>
-            <a:endParaRPr b="1" lang="es-ES" sz="2600" spc="-1" strike="noStrike">
-              <a:solidFill>
-                <a:srgbClr val="1c1c1c"/>
-              </a:solidFill>
-              <a:latin typeface="Source Sans Pro Semibold"/>
-            </a:endParaRPr>
-          </a:p>
-        </p:txBody>
-      </p:sp>
-      <p:sp>
-        <p:nvSpPr>
-          <p:cNvPr id="36" name="PlaceHolder 4"/>
+            <a:endParaRPr b="0" lang="es-ES" sz="3200" spc="-1" strike="noStrike">
+              <a:latin typeface="Arial"/>
+            </a:endParaRPr>
+          </a:p>
+        </p:txBody>
+      </p:sp>
+      <p:sp>
+        <p:nvSpPr>
+          <p:cNvPr id="30" name="PlaceHolder 4"/>
           <p:cNvSpPr>
             <a:spLocks noGrp="1"/>
           </p:cNvSpPr>
@@ -291,8 +275,8 @@
         </p:nvSpPr>
         <p:spPr>
           <a:xfrm>
-            <a:off x="360000" y="4424400"/>
-            <a:ext cx="4479480" cy="2232000"/>
+            <a:off x="504000" y="4058640"/>
+            <a:ext cx="4426920" cy="2090880"/>
           </a:xfrm>
           <a:prstGeom prst="rect">
             <a:avLst/>
@@ -303,18 +287,15 @@
             <a:normAutofit/>
           </a:bodyPr>
           <a:p>
-            <a:endParaRPr b="1" lang="es-ES" sz="2600" spc="-1" strike="noStrike">
-              <a:solidFill>
-                <a:srgbClr val="1c1c1c"/>
-              </a:solidFill>
-              <a:latin typeface="Source Sans Pro Semibold"/>
-            </a:endParaRPr>
-          </a:p>
-        </p:txBody>
-      </p:sp>
-      <p:sp>
-        <p:nvSpPr>
-          <p:cNvPr id="37" name="PlaceHolder 5"/>
+            <a:endParaRPr b="0" lang="es-ES" sz="3200" spc="-1" strike="noStrike">
+              <a:latin typeface="Arial"/>
+            </a:endParaRPr>
+          </a:p>
+        </p:txBody>
+      </p:sp>
+      <p:sp>
+        <p:nvSpPr>
+          <p:cNvPr id="31" name="PlaceHolder 5"/>
           <p:cNvSpPr>
             <a:spLocks noGrp="1"/>
           </p:cNvSpPr>
@@ -324,8 +305,8 @@
         </p:nvSpPr>
         <p:spPr>
           <a:xfrm>
-            <a:off x="5063760" y="4424400"/>
-            <a:ext cx="4479480" cy="2232000"/>
+            <a:off x="5152680" y="4058640"/>
+            <a:ext cx="4426920" cy="2090880"/>
           </a:xfrm>
           <a:prstGeom prst="rect">
             <a:avLst/>
@@ -336,11 +317,8 @@
             <a:normAutofit/>
           </a:bodyPr>
           <a:p>
-            <a:endParaRPr b="1" lang="es-ES" sz="2600" spc="-1" strike="noStrike">
-              <a:solidFill>
-                <a:srgbClr val="1c1c1c"/>
-              </a:solidFill>
-              <a:latin typeface="Source Sans Pro Semibold"/>
+            <a:endParaRPr b="0" lang="es-ES" sz="3200" spc="-1" strike="noStrike">
+              <a:latin typeface="Arial"/>
             </a:endParaRPr>
           </a:p>
         </p:txBody>
@@ -369,7 +347,7 @@
       </p:grpSpPr>
       <p:sp>
         <p:nvSpPr>
-          <p:cNvPr id="38" name="PlaceHolder 1"/>
+          <p:cNvPr id="32" name="PlaceHolder 1"/>
           <p:cNvSpPr>
             <a:spLocks noGrp="1"/>
           </p:cNvSpPr>
@@ -379,30 +357,28 @@
         </p:nvSpPr>
         <p:spPr>
           <a:xfrm>
-            <a:off x="360000" y="360000"/>
-            <a:ext cx="9360000" cy="900000"/>
-          </a:xfrm>
-          <a:prstGeom prst="rect">
-            <a:avLst/>
-          </a:prstGeom>
-        </p:spPr>
-        <p:txBody>
-          <a:bodyPr lIns="0" rIns="0" tIns="0" bIns="0" anchor="b">
-            <a:noAutofit/>
-          </a:bodyPr>
-          <a:p>
-            <a:endParaRPr b="1" lang="es-ES" sz="3200" spc="-1" strike="noStrike">
-              <a:solidFill>
-                <a:srgbClr val="ffffff"/>
-              </a:solidFill>
-              <a:latin typeface="Source Sans Pro Black"/>
-            </a:endParaRPr>
-          </a:p>
-        </p:txBody>
-      </p:sp>
-      <p:sp>
-        <p:nvSpPr>
-          <p:cNvPr id="39" name="PlaceHolder 2"/>
+            <a:off x="504000" y="301320"/>
+            <a:ext cx="9072000" cy="1261800"/>
+          </a:xfrm>
+          <a:prstGeom prst="rect">
+            <a:avLst/>
+          </a:prstGeom>
+        </p:spPr>
+        <p:txBody>
+          <a:bodyPr lIns="0" rIns="0" tIns="0" bIns="0" anchor="ctr">
+            <a:spAutoFit/>
+          </a:bodyPr>
+          <a:p>
+            <a:pPr algn="ctr"/>
+            <a:endParaRPr b="0" lang="es-ES" sz="4400" spc="-1" strike="noStrike">
+              <a:latin typeface="Arial"/>
+            </a:endParaRPr>
+          </a:p>
+        </p:txBody>
+      </p:sp>
+      <p:sp>
+        <p:nvSpPr>
+          <p:cNvPr id="33" name="PlaceHolder 2"/>
           <p:cNvSpPr>
             <a:spLocks noGrp="1"/>
           </p:cNvSpPr>
@@ -412,8 +388,8 @@
         </p:nvSpPr>
         <p:spPr>
           <a:xfrm>
-            <a:off x="360000" y="1980000"/>
-            <a:ext cx="2955600" cy="2232000"/>
+            <a:off x="504000" y="1768680"/>
+            <a:ext cx="2921040" cy="2090880"/>
           </a:xfrm>
           <a:prstGeom prst="rect">
             <a:avLst/>
@@ -424,18 +400,15 @@
             <a:normAutofit/>
           </a:bodyPr>
           <a:p>
-            <a:endParaRPr b="1" lang="es-ES" sz="2600" spc="-1" strike="noStrike">
-              <a:solidFill>
-                <a:srgbClr val="1c1c1c"/>
-              </a:solidFill>
-              <a:latin typeface="Source Sans Pro Semibold"/>
-            </a:endParaRPr>
-          </a:p>
-        </p:txBody>
-      </p:sp>
-      <p:sp>
-        <p:nvSpPr>
-          <p:cNvPr id="40" name="PlaceHolder 3"/>
+            <a:endParaRPr b="0" lang="es-ES" sz="3200" spc="-1" strike="noStrike">
+              <a:latin typeface="Arial"/>
+            </a:endParaRPr>
+          </a:p>
+        </p:txBody>
+      </p:sp>
+      <p:sp>
+        <p:nvSpPr>
+          <p:cNvPr id="34" name="PlaceHolder 3"/>
           <p:cNvSpPr>
             <a:spLocks noGrp="1"/>
           </p:cNvSpPr>
@@ -445,8 +418,8 @@
         </p:nvSpPr>
         <p:spPr>
           <a:xfrm>
-            <a:off x="3463920" y="1980000"/>
-            <a:ext cx="2955600" cy="2232000"/>
+            <a:off x="3571560" y="1768680"/>
+            <a:ext cx="2921040" cy="2090880"/>
           </a:xfrm>
           <a:prstGeom prst="rect">
             <a:avLst/>
@@ -457,18 +430,15 @@
             <a:normAutofit/>
           </a:bodyPr>
           <a:p>
-            <a:endParaRPr b="1" lang="es-ES" sz="2600" spc="-1" strike="noStrike">
-              <a:solidFill>
-                <a:srgbClr val="1c1c1c"/>
-              </a:solidFill>
-              <a:latin typeface="Source Sans Pro Semibold"/>
-            </a:endParaRPr>
-          </a:p>
-        </p:txBody>
-      </p:sp>
-      <p:sp>
-        <p:nvSpPr>
-          <p:cNvPr id="41" name="PlaceHolder 4"/>
+            <a:endParaRPr b="0" lang="es-ES" sz="3200" spc="-1" strike="noStrike">
+              <a:latin typeface="Arial"/>
+            </a:endParaRPr>
+          </a:p>
+        </p:txBody>
+      </p:sp>
+      <p:sp>
+        <p:nvSpPr>
+          <p:cNvPr id="35" name="PlaceHolder 4"/>
           <p:cNvSpPr>
             <a:spLocks noGrp="1"/>
           </p:cNvSpPr>
@@ -478,8 +448,8 @@
         </p:nvSpPr>
         <p:spPr>
           <a:xfrm>
-            <a:off x="6567480" y="1980000"/>
-            <a:ext cx="2955600" cy="2232000"/>
+            <a:off x="6639120" y="1768680"/>
+            <a:ext cx="2921040" cy="2090880"/>
           </a:xfrm>
           <a:prstGeom prst="rect">
             <a:avLst/>
@@ -490,18 +460,15 @@
             <a:normAutofit/>
           </a:bodyPr>
           <a:p>
-            <a:endParaRPr b="1" lang="es-ES" sz="2600" spc="-1" strike="noStrike">
-              <a:solidFill>
-                <a:srgbClr val="1c1c1c"/>
-              </a:solidFill>
-              <a:latin typeface="Source Sans Pro Semibold"/>
-            </a:endParaRPr>
-          </a:p>
-        </p:txBody>
-      </p:sp>
-      <p:sp>
-        <p:nvSpPr>
-          <p:cNvPr id="42" name="PlaceHolder 5"/>
+            <a:endParaRPr b="0" lang="es-ES" sz="3200" spc="-1" strike="noStrike">
+              <a:latin typeface="Arial"/>
+            </a:endParaRPr>
+          </a:p>
+        </p:txBody>
+      </p:sp>
+      <p:sp>
+        <p:nvSpPr>
+          <p:cNvPr id="36" name="PlaceHolder 5"/>
           <p:cNvSpPr>
             <a:spLocks noGrp="1"/>
           </p:cNvSpPr>
@@ -511,8 +478,8 @@
         </p:nvSpPr>
         <p:spPr>
           <a:xfrm>
-            <a:off x="360000" y="4424400"/>
-            <a:ext cx="2955600" cy="2232000"/>
+            <a:off x="504000" y="4058640"/>
+            <a:ext cx="2921040" cy="2090880"/>
           </a:xfrm>
           <a:prstGeom prst="rect">
             <a:avLst/>
@@ -523,18 +490,15 @@
             <a:normAutofit/>
           </a:bodyPr>
           <a:p>
-            <a:endParaRPr b="1" lang="es-ES" sz="2600" spc="-1" strike="noStrike">
-              <a:solidFill>
-                <a:srgbClr val="1c1c1c"/>
-              </a:solidFill>
-              <a:latin typeface="Source Sans Pro Semibold"/>
-            </a:endParaRPr>
-          </a:p>
-        </p:txBody>
-      </p:sp>
-      <p:sp>
-        <p:nvSpPr>
-          <p:cNvPr id="43" name="PlaceHolder 6"/>
+            <a:endParaRPr b="0" lang="es-ES" sz="3200" spc="-1" strike="noStrike">
+              <a:latin typeface="Arial"/>
+            </a:endParaRPr>
+          </a:p>
+        </p:txBody>
+      </p:sp>
+      <p:sp>
+        <p:nvSpPr>
+          <p:cNvPr id="37" name="PlaceHolder 6"/>
           <p:cNvSpPr>
             <a:spLocks noGrp="1"/>
           </p:cNvSpPr>
@@ -544,8 +508,8 @@
         </p:nvSpPr>
         <p:spPr>
           <a:xfrm>
-            <a:off x="3463920" y="4424400"/>
-            <a:ext cx="2955600" cy="2232000"/>
+            <a:off x="3571560" y="4058640"/>
+            <a:ext cx="2921040" cy="2090880"/>
           </a:xfrm>
           <a:prstGeom prst="rect">
             <a:avLst/>
@@ -556,18 +520,15 @@
             <a:normAutofit/>
           </a:bodyPr>
           <a:p>
-            <a:endParaRPr b="1" lang="es-ES" sz="2600" spc="-1" strike="noStrike">
-              <a:solidFill>
-                <a:srgbClr val="1c1c1c"/>
-              </a:solidFill>
-              <a:latin typeface="Source Sans Pro Semibold"/>
-            </a:endParaRPr>
-          </a:p>
-        </p:txBody>
-      </p:sp>
-      <p:sp>
-        <p:nvSpPr>
-          <p:cNvPr id="44" name="PlaceHolder 7"/>
+            <a:endParaRPr b="0" lang="es-ES" sz="3200" spc="-1" strike="noStrike">
+              <a:latin typeface="Arial"/>
+            </a:endParaRPr>
+          </a:p>
+        </p:txBody>
+      </p:sp>
+      <p:sp>
+        <p:nvSpPr>
+          <p:cNvPr id="38" name="PlaceHolder 7"/>
           <p:cNvSpPr>
             <a:spLocks noGrp="1"/>
           </p:cNvSpPr>
@@ -577,8 +538,8 @@
         </p:nvSpPr>
         <p:spPr>
           <a:xfrm>
-            <a:off x="6567480" y="4424400"/>
-            <a:ext cx="2955600" cy="2232000"/>
+            <a:off x="6639120" y="4058640"/>
+            <a:ext cx="2921040" cy="2090880"/>
           </a:xfrm>
           <a:prstGeom prst="rect">
             <a:avLst/>
@@ -589,11 +550,8 @@
             <a:normAutofit/>
           </a:bodyPr>
           <a:p>
-            <a:endParaRPr b="1" lang="es-ES" sz="2600" spc="-1" strike="noStrike">
-              <a:solidFill>
-                <a:srgbClr val="1c1c1c"/>
-              </a:solidFill>
-              <a:latin typeface="Source Sans Pro Semibold"/>
+            <a:endParaRPr b="0" lang="es-ES" sz="3200" spc="-1" strike="noStrike">
+              <a:latin typeface="Arial"/>
             </a:endParaRPr>
           </a:p>
         </p:txBody>
@@ -644,7 +602,7 @@
       </p:grpSpPr>
       <p:sp>
         <p:nvSpPr>
-          <p:cNvPr id="51" name="PlaceHolder 1"/>
+          <p:cNvPr id="45" name="PlaceHolder 1"/>
           <p:cNvSpPr>
             <a:spLocks noGrp="1"/>
           </p:cNvSpPr>
@@ -654,30 +612,28 @@
         </p:nvSpPr>
         <p:spPr>
           <a:xfrm>
-            <a:off x="360000" y="360000"/>
-            <a:ext cx="9360000" cy="900000"/>
-          </a:xfrm>
-          <a:prstGeom prst="rect">
-            <a:avLst/>
-          </a:prstGeom>
-        </p:spPr>
-        <p:txBody>
-          <a:bodyPr lIns="0" rIns="0" tIns="0" bIns="0" anchor="b">
-            <a:noAutofit/>
-          </a:bodyPr>
-          <a:p>
-            <a:endParaRPr b="1" lang="es-ES" sz="3200" spc="-1" strike="noStrike">
-              <a:solidFill>
-                <a:srgbClr val="ffffff"/>
-              </a:solidFill>
-              <a:latin typeface="Source Sans Pro Black"/>
-            </a:endParaRPr>
-          </a:p>
-        </p:txBody>
-      </p:sp>
-      <p:sp>
-        <p:nvSpPr>
-          <p:cNvPr id="52" name="PlaceHolder 2"/>
+            <a:off x="504000" y="301320"/>
+            <a:ext cx="9072000" cy="1261800"/>
+          </a:xfrm>
+          <a:prstGeom prst="rect">
+            <a:avLst/>
+          </a:prstGeom>
+        </p:spPr>
+        <p:txBody>
+          <a:bodyPr lIns="0" rIns="0" tIns="0" bIns="0" anchor="ctr">
+            <a:spAutoFit/>
+          </a:bodyPr>
+          <a:p>
+            <a:pPr algn="ctr"/>
+            <a:endParaRPr b="0" lang="es-ES" sz="4400" spc="-1" strike="noStrike">
+              <a:latin typeface="Arial"/>
+            </a:endParaRPr>
+          </a:p>
+        </p:txBody>
+      </p:sp>
+      <p:sp>
+        <p:nvSpPr>
+          <p:cNvPr id="46" name="PlaceHolder 2"/>
           <p:cNvSpPr>
             <a:spLocks noGrp="1"/>
           </p:cNvSpPr>
@@ -687,23 +643,21 @@
         </p:nvSpPr>
         <p:spPr>
           <a:xfrm>
-            <a:off x="360000" y="1980000"/>
-            <a:ext cx="9180000" cy="4680000"/>
-          </a:xfrm>
-          <a:prstGeom prst="rect">
-            <a:avLst/>
-          </a:prstGeom>
-        </p:spPr>
-        <p:txBody>
-          <a:bodyPr lIns="0" rIns="0" tIns="0" bIns="0">
-            <a:noAutofit/>
-          </a:bodyPr>
-          <a:p>
-            <a:endParaRPr b="0" lang="es-ES" sz="2600" spc="-1" strike="noStrike">
-              <a:solidFill>
-                <a:srgbClr val="1c1c1c"/>
-              </a:solidFill>
-              <a:latin typeface="Source Sans Pro Light"/>
+            <a:off x="504000" y="1768680"/>
+            <a:ext cx="9072000" cy="4384080"/>
+          </a:xfrm>
+          <a:prstGeom prst="rect">
+            <a:avLst/>
+          </a:prstGeom>
+        </p:spPr>
+        <p:txBody>
+          <a:bodyPr lIns="0" rIns="0" tIns="0" bIns="0" anchor="ctr">
+            <a:spAutoFit/>
+          </a:bodyPr>
+          <a:p>
+            <a:pPr algn="ctr"/>
+            <a:endParaRPr b="0" lang="es-ES" sz="3200" spc="-1" strike="noStrike">
+              <a:latin typeface="Arial"/>
             </a:endParaRPr>
           </a:p>
         </p:txBody>
@@ -732,7 +686,7 @@
       </p:grpSpPr>
       <p:sp>
         <p:nvSpPr>
-          <p:cNvPr id="53" name="PlaceHolder 1"/>
+          <p:cNvPr id="47" name="PlaceHolder 1"/>
           <p:cNvSpPr>
             <a:spLocks noGrp="1"/>
           </p:cNvSpPr>
@@ -742,30 +696,28 @@
         </p:nvSpPr>
         <p:spPr>
           <a:xfrm>
-            <a:off x="360000" y="360000"/>
-            <a:ext cx="9360000" cy="900000"/>
-          </a:xfrm>
-          <a:prstGeom prst="rect">
-            <a:avLst/>
-          </a:prstGeom>
-        </p:spPr>
-        <p:txBody>
-          <a:bodyPr lIns="0" rIns="0" tIns="0" bIns="0" anchor="b">
-            <a:noAutofit/>
-          </a:bodyPr>
-          <a:p>
-            <a:endParaRPr b="1" lang="es-ES" sz="3200" spc="-1" strike="noStrike">
-              <a:solidFill>
-                <a:srgbClr val="ffffff"/>
-              </a:solidFill>
-              <a:latin typeface="Source Sans Pro Black"/>
-            </a:endParaRPr>
-          </a:p>
-        </p:txBody>
-      </p:sp>
-      <p:sp>
-        <p:nvSpPr>
-          <p:cNvPr id="54" name="PlaceHolder 2"/>
+            <a:off x="504000" y="301320"/>
+            <a:ext cx="9072000" cy="1261800"/>
+          </a:xfrm>
+          <a:prstGeom prst="rect">
+            <a:avLst/>
+          </a:prstGeom>
+        </p:spPr>
+        <p:txBody>
+          <a:bodyPr lIns="0" rIns="0" tIns="0" bIns="0" anchor="ctr">
+            <a:spAutoFit/>
+          </a:bodyPr>
+          <a:p>
+            <a:pPr algn="ctr"/>
+            <a:endParaRPr b="0" lang="es-ES" sz="4400" spc="-1" strike="noStrike">
+              <a:latin typeface="Arial"/>
+            </a:endParaRPr>
+          </a:p>
+        </p:txBody>
+      </p:sp>
+      <p:sp>
+        <p:nvSpPr>
+          <p:cNvPr id="48" name="PlaceHolder 2"/>
           <p:cNvSpPr>
             <a:spLocks noGrp="1"/>
           </p:cNvSpPr>
@@ -775,8 +727,8 @@
         </p:nvSpPr>
         <p:spPr>
           <a:xfrm>
-            <a:off x="360000" y="1980000"/>
-            <a:ext cx="9180000" cy="4680000"/>
+            <a:off x="504000" y="1768680"/>
+            <a:ext cx="9072000" cy="4384080"/>
           </a:xfrm>
           <a:prstGeom prst="rect">
             <a:avLst/>
@@ -787,11 +739,8 @@
             <a:normAutofit/>
           </a:bodyPr>
           <a:p>
-            <a:endParaRPr b="1" lang="es-ES" sz="2600" spc="-1" strike="noStrike">
-              <a:solidFill>
-                <a:srgbClr val="1c1c1c"/>
-              </a:solidFill>
-              <a:latin typeface="Source Sans Pro Semibold"/>
+            <a:endParaRPr b="0" lang="es-ES" sz="3200" spc="-1" strike="noStrike">
+              <a:latin typeface="Arial"/>
             </a:endParaRPr>
           </a:p>
         </p:txBody>
@@ -820,7 +769,7 @@
       </p:grpSpPr>
       <p:sp>
         <p:nvSpPr>
-          <p:cNvPr id="55" name="PlaceHolder 1"/>
+          <p:cNvPr id="49" name="PlaceHolder 1"/>
           <p:cNvSpPr>
             <a:spLocks noGrp="1"/>
           </p:cNvSpPr>
@@ -830,30 +779,28 @@
         </p:nvSpPr>
         <p:spPr>
           <a:xfrm>
-            <a:off x="360000" y="360000"/>
-            <a:ext cx="9360000" cy="900000"/>
-          </a:xfrm>
-          <a:prstGeom prst="rect">
-            <a:avLst/>
-          </a:prstGeom>
-        </p:spPr>
-        <p:txBody>
-          <a:bodyPr lIns="0" rIns="0" tIns="0" bIns="0" anchor="b">
-            <a:noAutofit/>
-          </a:bodyPr>
-          <a:p>
-            <a:endParaRPr b="1" lang="es-ES" sz="3200" spc="-1" strike="noStrike">
-              <a:solidFill>
-                <a:srgbClr val="ffffff"/>
-              </a:solidFill>
-              <a:latin typeface="Source Sans Pro Black"/>
-            </a:endParaRPr>
-          </a:p>
-        </p:txBody>
-      </p:sp>
-      <p:sp>
-        <p:nvSpPr>
-          <p:cNvPr id="56" name="PlaceHolder 2"/>
+            <a:off x="504000" y="301320"/>
+            <a:ext cx="9072000" cy="1261800"/>
+          </a:xfrm>
+          <a:prstGeom prst="rect">
+            <a:avLst/>
+          </a:prstGeom>
+        </p:spPr>
+        <p:txBody>
+          <a:bodyPr lIns="0" rIns="0" tIns="0" bIns="0" anchor="ctr">
+            <a:spAutoFit/>
+          </a:bodyPr>
+          <a:p>
+            <a:pPr algn="ctr"/>
+            <a:endParaRPr b="0" lang="es-ES" sz="4400" spc="-1" strike="noStrike">
+              <a:latin typeface="Arial"/>
+            </a:endParaRPr>
+          </a:p>
+        </p:txBody>
+      </p:sp>
+      <p:sp>
+        <p:nvSpPr>
+          <p:cNvPr id="50" name="PlaceHolder 2"/>
           <p:cNvSpPr>
             <a:spLocks noGrp="1"/>
           </p:cNvSpPr>
@@ -863,8 +810,8 @@
         </p:nvSpPr>
         <p:spPr>
           <a:xfrm>
-            <a:off x="360000" y="1980000"/>
-            <a:ext cx="4479480" cy="4680000"/>
+            <a:off x="504000" y="1768680"/>
+            <a:ext cx="4426920" cy="4384080"/>
           </a:xfrm>
           <a:prstGeom prst="rect">
             <a:avLst/>
@@ -875,18 +822,15 @@
             <a:normAutofit/>
           </a:bodyPr>
           <a:p>
-            <a:endParaRPr b="1" lang="es-ES" sz="2600" spc="-1" strike="noStrike">
-              <a:solidFill>
-                <a:srgbClr val="1c1c1c"/>
-              </a:solidFill>
-              <a:latin typeface="Source Sans Pro Semibold"/>
-            </a:endParaRPr>
-          </a:p>
-        </p:txBody>
-      </p:sp>
-      <p:sp>
-        <p:nvSpPr>
-          <p:cNvPr id="57" name="PlaceHolder 3"/>
+            <a:endParaRPr b="0" lang="es-ES" sz="3200" spc="-1" strike="noStrike">
+              <a:latin typeface="Arial"/>
+            </a:endParaRPr>
+          </a:p>
+        </p:txBody>
+      </p:sp>
+      <p:sp>
+        <p:nvSpPr>
+          <p:cNvPr id="51" name="PlaceHolder 3"/>
           <p:cNvSpPr>
             <a:spLocks noGrp="1"/>
           </p:cNvSpPr>
@@ -896,8 +840,8 @@
         </p:nvSpPr>
         <p:spPr>
           <a:xfrm>
-            <a:off x="5063760" y="1980000"/>
-            <a:ext cx="4479480" cy="4680000"/>
+            <a:off x="5152680" y="1768680"/>
+            <a:ext cx="4426920" cy="4384080"/>
           </a:xfrm>
           <a:prstGeom prst="rect">
             <a:avLst/>
@@ -908,11 +852,8 @@
             <a:normAutofit/>
           </a:bodyPr>
           <a:p>
-            <a:endParaRPr b="1" lang="es-ES" sz="2600" spc="-1" strike="noStrike">
-              <a:solidFill>
-                <a:srgbClr val="1c1c1c"/>
-              </a:solidFill>
-              <a:latin typeface="Source Sans Pro Semibold"/>
+            <a:endParaRPr b="0" lang="es-ES" sz="3200" spc="-1" strike="noStrike">
+              <a:latin typeface="Arial"/>
             </a:endParaRPr>
           </a:p>
         </p:txBody>
@@ -941,7 +882,7 @@
       </p:grpSpPr>
       <p:sp>
         <p:nvSpPr>
-          <p:cNvPr id="58" name="PlaceHolder 1"/>
+          <p:cNvPr id="52" name="PlaceHolder 1"/>
           <p:cNvSpPr>
             <a:spLocks noGrp="1"/>
           </p:cNvSpPr>
@@ -951,23 +892,21 @@
         </p:nvSpPr>
         <p:spPr>
           <a:xfrm>
-            <a:off x="360000" y="360000"/>
-            <a:ext cx="9360000" cy="900000"/>
-          </a:xfrm>
-          <a:prstGeom prst="rect">
-            <a:avLst/>
-          </a:prstGeom>
-        </p:spPr>
-        <p:txBody>
-          <a:bodyPr lIns="0" rIns="0" tIns="0" bIns="0" anchor="b">
-            <a:noAutofit/>
-          </a:bodyPr>
-          <a:p>
-            <a:endParaRPr b="1" lang="es-ES" sz="3200" spc="-1" strike="noStrike">
-              <a:solidFill>
-                <a:srgbClr val="ffffff"/>
-              </a:solidFill>
-              <a:latin typeface="Source Sans Pro Black"/>
+            <a:off x="504000" y="301320"/>
+            <a:ext cx="9072000" cy="1261800"/>
+          </a:xfrm>
+          <a:prstGeom prst="rect">
+            <a:avLst/>
+          </a:prstGeom>
+        </p:spPr>
+        <p:txBody>
+          <a:bodyPr lIns="0" rIns="0" tIns="0" bIns="0" anchor="ctr">
+            <a:spAutoFit/>
+          </a:bodyPr>
+          <a:p>
+            <a:pPr algn="ctr"/>
+            <a:endParaRPr b="0" lang="es-ES" sz="4400" spc="-1" strike="noStrike">
+              <a:latin typeface="Arial"/>
             </a:endParaRPr>
           </a:p>
         </p:txBody>
@@ -996,7 +935,7 @@
       </p:grpSpPr>
       <p:sp>
         <p:nvSpPr>
-          <p:cNvPr id="59" name="PlaceHolder 1"/>
+          <p:cNvPr id="53" name="PlaceHolder 1"/>
           <p:cNvSpPr>
             <a:spLocks noGrp="1"/>
           </p:cNvSpPr>
@@ -1006,23 +945,21 @@
         </p:nvSpPr>
         <p:spPr>
           <a:xfrm>
-            <a:off x="360000" y="360000"/>
-            <a:ext cx="9360000" cy="4173120"/>
-          </a:xfrm>
-          <a:prstGeom prst="rect">
-            <a:avLst/>
-          </a:prstGeom>
-        </p:spPr>
-        <p:txBody>
-          <a:bodyPr lIns="0" rIns="0" tIns="0" bIns="0">
-            <a:noAutofit/>
-          </a:bodyPr>
-          <a:p>
-            <a:endParaRPr b="0" lang="es-ES" sz="2600" spc="-1" strike="noStrike">
-              <a:solidFill>
-                <a:srgbClr val="1c1c1c"/>
-              </a:solidFill>
-              <a:latin typeface="Source Sans Pro Light"/>
+            <a:off x="504000" y="301320"/>
+            <a:ext cx="9072000" cy="5850360"/>
+          </a:xfrm>
+          <a:prstGeom prst="rect">
+            <a:avLst/>
+          </a:prstGeom>
+        </p:spPr>
+        <p:txBody>
+          <a:bodyPr lIns="0" rIns="0" tIns="0" bIns="0" anchor="ctr">
+            <a:spAutoFit/>
+          </a:bodyPr>
+          <a:p>
+            <a:pPr algn="ctr"/>
+            <a:endParaRPr b="0" lang="es-ES" sz="3200" spc="-1" strike="noStrike">
+              <a:latin typeface="Arial"/>
             </a:endParaRPr>
           </a:p>
         </p:txBody>
@@ -1051,7 +988,7 @@
       </p:grpSpPr>
       <p:sp>
         <p:nvSpPr>
-          <p:cNvPr id="60" name="PlaceHolder 1"/>
+          <p:cNvPr id="54" name="PlaceHolder 1"/>
           <p:cNvSpPr>
             <a:spLocks noGrp="1"/>
           </p:cNvSpPr>
@@ -1061,30 +998,28 @@
         </p:nvSpPr>
         <p:spPr>
           <a:xfrm>
-            <a:off x="360000" y="360000"/>
-            <a:ext cx="9360000" cy="900000"/>
-          </a:xfrm>
-          <a:prstGeom prst="rect">
-            <a:avLst/>
-          </a:prstGeom>
-        </p:spPr>
-        <p:txBody>
-          <a:bodyPr lIns="0" rIns="0" tIns="0" bIns="0" anchor="b">
-            <a:noAutofit/>
-          </a:bodyPr>
-          <a:p>
-            <a:endParaRPr b="1" lang="es-ES" sz="3200" spc="-1" strike="noStrike">
-              <a:solidFill>
-                <a:srgbClr val="ffffff"/>
-              </a:solidFill>
-              <a:latin typeface="Source Sans Pro Black"/>
-            </a:endParaRPr>
-          </a:p>
-        </p:txBody>
-      </p:sp>
-      <p:sp>
-        <p:nvSpPr>
-          <p:cNvPr id="61" name="PlaceHolder 2"/>
+            <a:off x="504000" y="301320"/>
+            <a:ext cx="9072000" cy="1261800"/>
+          </a:xfrm>
+          <a:prstGeom prst="rect">
+            <a:avLst/>
+          </a:prstGeom>
+        </p:spPr>
+        <p:txBody>
+          <a:bodyPr lIns="0" rIns="0" tIns="0" bIns="0" anchor="ctr">
+            <a:spAutoFit/>
+          </a:bodyPr>
+          <a:p>
+            <a:pPr algn="ctr"/>
+            <a:endParaRPr b="0" lang="es-ES" sz="4400" spc="-1" strike="noStrike">
+              <a:latin typeface="Arial"/>
+            </a:endParaRPr>
+          </a:p>
+        </p:txBody>
+      </p:sp>
+      <p:sp>
+        <p:nvSpPr>
+          <p:cNvPr id="55" name="PlaceHolder 2"/>
           <p:cNvSpPr>
             <a:spLocks noGrp="1"/>
           </p:cNvSpPr>
@@ -1094,8 +1029,8 @@
         </p:nvSpPr>
         <p:spPr>
           <a:xfrm>
-            <a:off x="360000" y="1980000"/>
-            <a:ext cx="4479480" cy="2232000"/>
+            <a:off x="504000" y="1768680"/>
+            <a:ext cx="4426920" cy="2090880"/>
           </a:xfrm>
           <a:prstGeom prst="rect">
             <a:avLst/>
@@ -1106,18 +1041,15 @@
             <a:normAutofit/>
           </a:bodyPr>
           <a:p>
-            <a:endParaRPr b="1" lang="es-ES" sz="2600" spc="-1" strike="noStrike">
-              <a:solidFill>
-                <a:srgbClr val="1c1c1c"/>
-              </a:solidFill>
-              <a:latin typeface="Source Sans Pro Semibold"/>
-            </a:endParaRPr>
-          </a:p>
-        </p:txBody>
-      </p:sp>
-      <p:sp>
-        <p:nvSpPr>
-          <p:cNvPr id="62" name="PlaceHolder 3"/>
+            <a:endParaRPr b="0" lang="es-ES" sz="3200" spc="-1" strike="noStrike">
+              <a:latin typeface="Arial"/>
+            </a:endParaRPr>
+          </a:p>
+        </p:txBody>
+      </p:sp>
+      <p:sp>
+        <p:nvSpPr>
+          <p:cNvPr id="56" name="PlaceHolder 3"/>
           <p:cNvSpPr>
             <a:spLocks noGrp="1"/>
           </p:cNvSpPr>
@@ -1127,8 +1059,8 @@
         </p:nvSpPr>
         <p:spPr>
           <a:xfrm>
-            <a:off x="5063760" y="1980000"/>
-            <a:ext cx="4479480" cy="4680000"/>
+            <a:off x="5152680" y="1768680"/>
+            <a:ext cx="4426920" cy="4384080"/>
           </a:xfrm>
           <a:prstGeom prst="rect">
             <a:avLst/>
@@ -1139,18 +1071,15 @@
             <a:normAutofit/>
           </a:bodyPr>
           <a:p>
-            <a:endParaRPr b="1" lang="es-ES" sz="2600" spc="-1" strike="noStrike">
-              <a:solidFill>
-                <a:srgbClr val="1c1c1c"/>
-              </a:solidFill>
-              <a:latin typeface="Source Sans Pro Semibold"/>
-            </a:endParaRPr>
-          </a:p>
-        </p:txBody>
-      </p:sp>
-      <p:sp>
-        <p:nvSpPr>
-          <p:cNvPr id="63" name="PlaceHolder 4"/>
+            <a:endParaRPr b="0" lang="es-ES" sz="3200" spc="-1" strike="noStrike">
+              <a:latin typeface="Arial"/>
+            </a:endParaRPr>
+          </a:p>
+        </p:txBody>
+      </p:sp>
+      <p:sp>
+        <p:nvSpPr>
+          <p:cNvPr id="57" name="PlaceHolder 4"/>
           <p:cNvSpPr>
             <a:spLocks noGrp="1"/>
           </p:cNvSpPr>
@@ -1160,8 +1089,8 @@
         </p:nvSpPr>
         <p:spPr>
           <a:xfrm>
-            <a:off x="360000" y="4424400"/>
-            <a:ext cx="4479480" cy="2232000"/>
+            <a:off x="504000" y="4058640"/>
+            <a:ext cx="4426920" cy="2090880"/>
           </a:xfrm>
           <a:prstGeom prst="rect">
             <a:avLst/>
@@ -1172,11 +1101,8 @@
             <a:normAutofit/>
           </a:bodyPr>
           <a:p>
-            <a:endParaRPr b="1" lang="es-ES" sz="2600" spc="-1" strike="noStrike">
-              <a:solidFill>
-                <a:srgbClr val="1c1c1c"/>
-              </a:solidFill>
-              <a:latin typeface="Source Sans Pro Semibold"/>
+            <a:endParaRPr b="0" lang="es-ES" sz="3200" spc="-1" strike="noStrike">
+              <a:latin typeface="Arial"/>
             </a:endParaRPr>
           </a:p>
         </p:txBody>
@@ -1205,7 +1131,7 @@
       </p:grpSpPr>
       <p:sp>
         <p:nvSpPr>
-          <p:cNvPr id="9" name="PlaceHolder 1"/>
+          <p:cNvPr id="3" name="PlaceHolder 1"/>
           <p:cNvSpPr>
             <a:spLocks noGrp="1"/>
           </p:cNvSpPr>
@@ -1215,30 +1141,28 @@
         </p:nvSpPr>
         <p:spPr>
           <a:xfrm>
-            <a:off x="360000" y="360000"/>
-            <a:ext cx="9360000" cy="900000"/>
-          </a:xfrm>
-          <a:prstGeom prst="rect">
-            <a:avLst/>
-          </a:prstGeom>
-        </p:spPr>
-        <p:txBody>
-          <a:bodyPr lIns="0" rIns="0" tIns="0" bIns="0" anchor="b">
-            <a:noAutofit/>
-          </a:bodyPr>
-          <a:p>
-            <a:endParaRPr b="1" lang="es-ES" sz="3200" spc="-1" strike="noStrike">
-              <a:solidFill>
-                <a:srgbClr val="ffffff"/>
-              </a:solidFill>
-              <a:latin typeface="Source Sans Pro Black"/>
-            </a:endParaRPr>
-          </a:p>
-        </p:txBody>
-      </p:sp>
-      <p:sp>
-        <p:nvSpPr>
-          <p:cNvPr id="10" name="PlaceHolder 2"/>
+            <a:off x="504000" y="301320"/>
+            <a:ext cx="9072000" cy="1261800"/>
+          </a:xfrm>
+          <a:prstGeom prst="rect">
+            <a:avLst/>
+          </a:prstGeom>
+        </p:spPr>
+        <p:txBody>
+          <a:bodyPr lIns="0" rIns="0" tIns="0" bIns="0" anchor="ctr">
+            <a:spAutoFit/>
+          </a:bodyPr>
+          <a:p>
+            <a:pPr algn="ctr"/>
+            <a:endParaRPr b="0" lang="es-ES" sz="4400" spc="-1" strike="noStrike">
+              <a:latin typeface="Arial"/>
+            </a:endParaRPr>
+          </a:p>
+        </p:txBody>
+      </p:sp>
+      <p:sp>
+        <p:nvSpPr>
+          <p:cNvPr id="4" name="PlaceHolder 2"/>
           <p:cNvSpPr>
             <a:spLocks noGrp="1"/>
           </p:cNvSpPr>
@@ -1248,23 +1172,21 @@
         </p:nvSpPr>
         <p:spPr>
           <a:xfrm>
-            <a:off x="360000" y="1980000"/>
-            <a:ext cx="9180000" cy="4680000"/>
-          </a:xfrm>
-          <a:prstGeom prst="rect">
-            <a:avLst/>
-          </a:prstGeom>
-        </p:spPr>
-        <p:txBody>
-          <a:bodyPr lIns="0" rIns="0" tIns="0" bIns="0">
-            <a:noAutofit/>
-          </a:bodyPr>
-          <a:p>
-            <a:endParaRPr b="0" lang="es-ES" sz="2600" spc="-1" strike="noStrike">
-              <a:solidFill>
-                <a:srgbClr val="1c1c1c"/>
-              </a:solidFill>
-              <a:latin typeface="Source Sans Pro Light"/>
+            <a:off x="504000" y="1768680"/>
+            <a:ext cx="9072000" cy="4384080"/>
+          </a:xfrm>
+          <a:prstGeom prst="rect">
+            <a:avLst/>
+          </a:prstGeom>
+        </p:spPr>
+        <p:txBody>
+          <a:bodyPr lIns="0" rIns="0" tIns="0" bIns="0" anchor="ctr">
+            <a:spAutoFit/>
+          </a:bodyPr>
+          <a:p>
+            <a:pPr algn="ctr"/>
+            <a:endParaRPr b="0" lang="es-ES" sz="3200" spc="-1" strike="noStrike">
+              <a:latin typeface="Arial"/>
             </a:endParaRPr>
           </a:p>
         </p:txBody>
@@ -1293,7 +1215,7 @@
       </p:grpSpPr>
       <p:sp>
         <p:nvSpPr>
-          <p:cNvPr id="64" name="PlaceHolder 1"/>
+          <p:cNvPr id="58" name="PlaceHolder 1"/>
           <p:cNvSpPr>
             <a:spLocks noGrp="1"/>
           </p:cNvSpPr>
@@ -1303,30 +1225,28 @@
         </p:nvSpPr>
         <p:spPr>
           <a:xfrm>
-            <a:off x="360000" y="360000"/>
-            <a:ext cx="9360000" cy="900000"/>
-          </a:xfrm>
-          <a:prstGeom prst="rect">
-            <a:avLst/>
-          </a:prstGeom>
-        </p:spPr>
-        <p:txBody>
-          <a:bodyPr lIns="0" rIns="0" tIns="0" bIns="0" anchor="b">
-            <a:noAutofit/>
-          </a:bodyPr>
-          <a:p>
-            <a:endParaRPr b="1" lang="es-ES" sz="3200" spc="-1" strike="noStrike">
-              <a:solidFill>
-                <a:srgbClr val="ffffff"/>
-              </a:solidFill>
-              <a:latin typeface="Source Sans Pro Black"/>
-            </a:endParaRPr>
-          </a:p>
-        </p:txBody>
-      </p:sp>
-      <p:sp>
-        <p:nvSpPr>
-          <p:cNvPr id="65" name="PlaceHolder 2"/>
+            <a:off x="504000" y="301320"/>
+            <a:ext cx="9072000" cy="1261800"/>
+          </a:xfrm>
+          <a:prstGeom prst="rect">
+            <a:avLst/>
+          </a:prstGeom>
+        </p:spPr>
+        <p:txBody>
+          <a:bodyPr lIns="0" rIns="0" tIns="0" bIns="0" anchor="ctr">
+            <a:spAutoFit/>
+          </a:bodyPr>
+          <a:p>
+            <a:pPr algn="ctr"/>
+            <a:endParaRPr b="0" lang="es-ES" sz="4400" spc="-1" strike="noStrike">
+              <a:latin typeface="Arial"/>
+            </a:endParaRPr>
+          </a:p>
+        </p:txBody>
+      </p:sp>
+      <p:sp>
+        <p:nvSpPr>
+          <p:cNvPr id="59" name="PlaceHolder 2"/>
           <p:cNvSpPr>
             <a:spLocks noGrp="1"/>
           </p:cNvSpPr>
@@ -1336,8 +1256,8 @@
         </p:nvSpPr>
         <p:spPr>
           <a:xfrm>
-            <a:off x="360000" y="1980000"/>
-            <a:ext cx="4479480" cy="4680000"/>
+            <a:off x="504000" y="1768680"/>
+            <a:ext cx="4426920" cy="4384080"/>
           </a:xfrm>
           <a:prstGeom prst="rect">
             <a:avLst/>
@@ -1348,18 +1268,15 @@
             <a:normAutofit/>
           </a:bodyPr>
           <a:p>
-            <a:endParaRPr b="1" lang="es-ES" sz="2600" spc="-1" strike="noStrike">
-              <a:solidFill>
-                <a:srgbClr val="1c1c1c"/>
-              </a:solidFill>
-              <a:latin typeface="Source Sans Pro Semibold"/>
-            </a:endParaRPr>
-          </a:p>
-        </p:txBody>
-      </p:sp>
-      <p:sp>
-        <p:nvSpPr>
-          <p:cNvPr id="66" name="PlaceHolder 3"/>
+            <a:endParaRPr b="0" lang="es-ES" sz="3200" spc="-1" strike="noStrike">
+              <a:latin typeface="Arial"/>
+            </a:endParaRPr>
+          </a:p>
+        </p:txBody>
+      </p:sp>
+      <p:sp>
+        <p:nvSpPr>
+          <p:cNvPr id="60" name="PlaceHolder 3"/>
           <p:cNvSpPr>
             <a:spLocks noGrp="1"/>
           </p:cNvSpPr>
@@ -1369,8 +1286,8 @@
         </p:nvSpPr>
         <p:spPr>
           <a:xfrm>
-            <a:off x="5063760" y="1980000"/>
-            <a:ext cx="4479480" cy="2232000"/>
+            <a:off x="5152680" y="1768680"/>
+            <a:ext cx="4426920" cy="2090880"/>
           </a:xfrm>
           <a:prstGeom prst="rect">
             <a:avLst/>
@@ -1381,18 +1298,15 @@
             <a:normAutofit/>
           </a:bodyPr>
           <a:p>
-            <a:endParaRPr b="1" lang="es-ES" sz="2600" spc="-1" strike="noStrike">
-              <a:solidFill>
-                <a:srgbClr val="1c1c1c"/>
-              </a:solidFill>
-              <a:latin typeface="Source Sans Pro Semibold"/>
-            </a:endParaRPr>
-          </a:p>
-        </p:txBody>
-      </p:sp>
-      <p:sp>
-        <p:nvSpPr>
-          <p:cNvPr id="67" name="PlaceHolder 4"/>
+            <a:endParaRPr b="0" lang="es-ES" sz="3200" spc="-1" strike="noStrike">
+              <a:latin typeface="Arial"/>
+            </a:endParaRPr>
+          </a:p>
+        </p:txBody>
+      </p:sp>
+      <p:sp>
+        <p:nvSpPr>
+          <p:cNvPr id="61" name="PlaceHolder 4"/>
           <p:cNvSpPr>
             <a:spLocks noGrp="1"/>
           </p:cNvSpPr>
@@ -1402,8 +1316,8 @@
         </p:nvSpPr>
         <p:spPr>
           <a:xfrm>
-            <a:off x="5063760" y="4424400"/>
-            <a:ext cx="4479480" cy="2232000"/>
+            <a:off x="5152680" y="4058640"/>
+            <a:ext cx="4426920" cy="2090880"/>
           </a:xfrm>
           <a:prstGeom prst="rect">
             <a:avLst/>
@@ -1414,11 +1328,8 @@
             <a:normAutofit/>
           </a:bodyPr>
           <a:p>
-            <a:endParaRPr b="1" lang="es-ES" sz="2600" spc="-1" strike="noStrike">
-              <a:solidFill>
-                <a:srgbClr val="1c1c1c"/>
-              </a:solidFill>
-              <a:latin typeface="Source Sans Pro Semibold"/>
+            <a:endParaRPr b="0" lang="es-ES" sz="3200" spc="-1" strike="noStrike">
+              <a:latin typeface="Arial"/>
             </a:endParaRPr>
           </a:p>
         </p:txBody>
@@ -1447,7 +1358,7 @@
       </p:grpSpPr>
       <p:sp>
         <p:nvSpPr>
-          <p:cNvPr id="68" name="PlaceHolder 1"/>
+          <p:cNvPr id="62" name="PlaceHolder 1"/>
           <p:cNvSpPr>
             <a:spLocks noGrp="1"/>
           </p:cNvSpPr>
@@ -1457,30 +1368,28 @@
         </p:nvSpPr>
         <p:spPr>
           <a:xfrm>
-            <a:off x="360000" y="360000"/>
-            <a:ext cx="9360000" cy="900000"/>
-          </a:xfrm>
-          <a:prstGeom prst="rect">
-            <a:avLst/>
-          </a:prstGeom>
-        </p:spPr>
-        <p:txBody>
-          <a:bodyPr lIns="0" rIns="0" tIns="0" bIns="0" anchor="b">
-            <a:noAutofit/>
-          </a:bodyPr>
-          <a:p>
-            <a:endParaRPr b="1" lang="es-ES" sz="3200" spc="-1" strike="noStrike">
-              <a:solidFill>
-                <a:srgbClr val="ffffff"/>
-              </a:solidFill>
-              <a:latin typeface="Source Sans Pro Black"/>
-            </a:endParaRPr>
-          </a:p>
-        </p:txBody>
-      </p:sp>
-      <p:sp>
-        <p:nvSpPr>
-          <p:cNvPr id="69" name="PlaceHolder 2"/>
+            <a:off x="504000" y="301320"/>
+            <a:ext cx="9072000" cy="1261800"/>
+          </a:xfrm>
+          <a:prstGeom prst="rect">
+            <a:avLst/>
+          </a:prstGeom>
+        </p:spPr>
+        <p:txBody>
+          <a:bodyPr lIns="0" rIns="0" tIns="0" bIns="0" anchor="ctr">
+            <a:spAutoFit/>
+          </a:bodyPr>
+          <a:p>
+            <a:pPr algn="ctr"/>
+            <a:endParaRPr b="0" lang="es-ES" sz="4400" spc="-1" strike="noStrike">
+              <a:latin typeface="Arial"/>
+            </a:endParaRPr>
+          </a:p>
+        </p:txBody>
+      </p:sp>
+      <p:sp>
+        <p:nvSpPr>
+          <p:cNvPr id="63" name="PlaceHolder 2"/>
           <p:cNvSpPr>
             <a:spLocks noGrp="1"/>
           </p:cNvSpPr>
@@ -1490,8 +1399,8 @@
         </p:nvSpPr>
         <p:spPr>
           <a:xfrm>
-            <a:off x="360000" y="1980000"/>
-            <a:ext cx="4479480" cy="2232000"/>
+            <a:off x="504000" y="1768680"/>
+            <a:ext cx="4426920" cy="2090880"/>
           </a:xfrm>
           <a:prstGeom prst="rect">
             <a:avLst/>
@@ -1502,18 +1411,15 @@
             <a:normAutofit/>
           </a:bodyPr>
           <a:p>
-            <a:endParaRPr b="1" lang="es-ES" sz="2600" spc="-1" strike="noStrike">
-              <a:solidFill>
-                <a:srgbClr val="1c1c1c"/>
-              </a:solidFill>
-              <a:latin typeface="Source Sans Pro Semibold"/>
-            </a:endParaRPr>
-          </a:p>
-        </p:txBody>
-      </p:sp>
-      <p:sp>
-        <p:nvSpPr>
-          <p:cNvPr id="70" name="PlaceHolder 3"/>
+            <a:endParaRPr b="0" lang="es-ES" sz="3200" spc="-1" strike="noStrike">
+              <a:latin typeface="Arial"/>
+            </a:endParaRPr>
+          </a:p>
+        </p:txBody>
+      </p:sp>
+      <p:sp>
+        <p:nvSpPr>
+          <p:cNvPr id="64" name="PlaceHolder 3"/>
           <p:cNvSpPr>
             <a:spLocks noGrp="1"/>
           </p:cNvSpPr>
@@ -1523,8 +1429,8 @@
         </p:nvSpPr>
         <p:spPr>
           <a:xfrm>
-            <a:off x="5063760" y="1980000"/>
-            <a:ext cx="4479480" cy="2232000"/>
+            <a:off x="5152680" y="1768680"/>
+            <a:ext cx="4426920" cy="2090880"/>
           </a:xfrm>
           <a:prstGeom prst="rect">
             <a:avLst/>
@@ -1535,18 +1441,15 @@
             <a:normAutofit/>
           </a:bodyPr>
           <a:p>
-            <a:endParaRPr b="1" lang="es-ES" sz="2600" spc="-1" strike="noStrike">
-              <a:solidFill>
-                <a:srgbClr val="1c1c1c"/>
-              </a:solidFill>
-              <a:latin typeface="Source Sans Pro Semibold"/>
-            </a:endParaRPr>
-          </a:p>
-        </p:txBody>
-      </p:sp>
-      <p:sp>
-        <p:nvSpPr>
-          <p:cNvPr id="71" name="PlaceHolder 4"/>
+            <a:endParaRPr b="0" lang="es-ES" sz="3200" spc="-1" strike="noStrike">
+              <a:latin typeface="Arial"/>
+            </a:endParaRPr>
+          </a:p>
+        </p:txBody>
+      </p:sp>
+      <p:sp>
+        <p:nvSpPr>
+          <p:cNvPr id="65" name="PlaceHolder 4"/>
           <p:cNvSpPr>
             <a:spLocks noGrp="1"/>
           </p:cNvSpPr>
@@ -1556,8 +1459,8 @@
         </p:nvSpPr>
         <p:spPr>
           <a:xfrm>
-            <a:off x="360000" y="4424400"/>
-            <a:ext cx="9180000" cy="2232000"/>
+            <a:off x="504000" y="4058640"/>
+            <a:ext cx="9072000" cy="2090880"/>
           </a:xfrm>
           <a:prstGeom prst="rect">
             <a:avLst/>
@@ -1568,11 +1471,8 @@
             <a:normAutofit/>
           </a:bodyPr>
           <a:p>
-            <a:endParaRPr b="1" lang="es-ES" sz="2600" spc="-1" strike="noStrike">
-              <a:solidFill>
-                <a:srgbClr val="1c1c1c"/>
-              </a:solidFill>
-              <a:latin typeface="Source Sans Pro Semibold"/>
+            <a:endParaRPr b="0" lang="es-ES" sz="3200" spc="-1" strike="noStrike">
+              <a:latin typeface="Arial"/>
             </a:endParaRPr>
           </a:p>
         </p:txBody>
@@ -1601,7 +1501,7 @@
       </p:grpSpPr>
       <p:sp>
         <p:nvSpPr>
-          <p:cNvPr id="72" name="PlaceHolder 1"/>
+          <p:cNvPr id="66" name="PlaceHolder 1"/>
           <p:cNvSpPr>
             <a:spLocks noGrp="1"/>
           </p:cNvSpPr>
@@ -1611,30 +1511,28 @@
         </p:nvSpPr>
         <p:spPr>
           <a:xfrm>
-            <a:off x="360000" y="360000"/>
-            <a:ext cx="9360000" cy="900000"/>
-          </a:xfrm>
-          <a:prstGeom prst="rect">
-            <a:avLst/>
-          </a:prstGeom>
-        </p:spPr>
-        <p:txBody>
-          <a:bodyPr lIns="0" rIns="0" tIns="0" bIns="0" anchor="b">
-            <a:noAutofit/>
-          </a:bodyPr>
-          <a:p>
-            <a:endParaRPr b="1" lang="es-ES" sz="3200" spc="-1" strike="noStrike">
-              <a:solidFill>
-                <a:srgbClr val="ffffff"/>
-              </a:solidFill>
-              <a:latin typeface="Source Sans Pro Black"/>
-            </a:endParaRPr>
-          </a:p>
-        </p:txBody>
-      </p:sp>
-      <p:sp>
-        <p:nvSpPr>
-          <p:cNvPr id="73" name="PlaceHolder 2"/>
+            <a:off x="504000" y="301320"/>
+            <a:ext cx="9072000" cy="1261800"/>
+          </a:xfrm>
+          <a:prstGeom prst="rect">
+            <a:avLst/>
+          </a:prstGeom>
+        </p:spPr>
+        <p:txBody>
+          <a:bodyPr lIns="0" rIns="0" tIns="0" bIns="0" anchor="ctr">
+            <a:spAutoFit/>
+          </a:bodyPr>
+          <a:p>
+            <a:pPr algn="ctr"/>
+            <a:endParaRPr b="0" lang="es-ES" sz="4400" spc="-1" strike="noStrike">
+              <a:latin typeface="Arial"/>
+            </a:endParaRPr>
+          </a:p>
+        </p:txBody>
+      </p:sp>
+      <p:sp>
+        <p:nvSpPr>
+          <p:cNvPr id="67" name="PlaceHolder 2"/>
           <p:cNvSpPr>
             <a:spLocks noGrp="1"/>
           </p:cNvSpPr>
@@ -1644,8 +1542,8 @@
         </p:nvSpPr>
         <p:spPr>
           <a:xfrm>
-            <a:off x="360000" y="1980000"/>
-            <a:ext cx="9180000" cy="2232000"/>
+            <a:off x="504000" y="1768680"/>
+            <a:ext cx="9072000" cy="2090880"/>
           </a:xfrm>
           <a:prstGeom prst="rect">
             <a:avLst/>
@@ -1656,18 +1554,15 @@
             <a:normAutofit/>
           </a:bodyPr>
           <a:p>
-            <a:endParaRPr b="1" lang="es-ES" sz="2600" spc="-1" strike="noStrike">
-              <a:solidFill>
-                <a:srgbClr val="1c1c1c"/>
-              </a:solidFill>
-              <a:latin typeface="Source Sans Pro Semibold"/>
-            </a:endParaRPr>
-          </a:p>
-        </p:txBody>
-      </p:sp>
-      <p:sp>
-        <p:nvSpPr>
-          <p:cNvPr id="74" name="PlaceHolder 3"/>
+            <a:endParaRPr b="0" lang="es-ES" sz="3200" spc="-1" strike="noStrike">
+              <a:latin typeface="Arial"/>
+            </a:endParaRPr>
+          </a:p>
+        </p:txBody>
+      </p:sp>
+      <p:sp>
+        <p:nvSpPr>
+          <p:cNvPr id="68" name="PlaceHolder 3"/>
           <p:cNvSpPr>
             <a:spLocks noGrp="1"/>
           </p:cNvSpPr>
@@ -1677,8 +1572,8 @@
         </p:nvSpPr>
         <p:spPr>
           <a:xfrm>
-            <a:off x="360000" y="4424400"/>
-            <a:ext cx="9180000" cy="2232000"/>
+            <a:off x="504000" y="4058640"/>
+            <a:ext cx="9072000" cy="2090880"/>
           </a:xfrm>
           <a:prstGeom prst="rect">
             <a:avLst/>
@@ -1689,11 +1584,8 @@
             <a:normAutofit/>
           </a:bodyPr>
           <a:p>
-            <a:endParaRPr b="1" lang="es-ES" sz="2600" spc="-1" strike="noStrike">
-              <a:solidFill>
-                <a:srgbClr val="1c1c1c"/>
-              </a:solidFill>
-              <a:latin typeface="Source Sans Pro Semibold"/>
+            <a:endParaRPr b="0" lang="es-ES" sz="3200" spc="-1" strike="noStrike">
+              <a:latin typeface="Arial"/>
             </a:endParaRPr>
           </a:p>
         </p:txBody>
@@ -1722,7 +1614,7 @@
       </p:grpSpPr>
       <p:sp>
         <p:nvSpPr>
-          <p:cNvPr id="75" name="PlaceHolder 1"/>
+          <p:cNvPr id="69" name="PlaceHolder 1"/>
           <p:cNvSpPr>
             <a:spLocks noGrp="1"/>
           </p:cNvSpPr>
@@ -1732,30 +1624,28 @@
         </p:nvSpPr>
         <p:spPr>
           <a:xfrm>
-            <a:off x="360000" y="360000"/>
-            <a:ext cx="9360000" cy="900000"/>
-          </a:xfrm>
-          <a:prstGeom prst="rect">
-            <a:avLst/>
-          </a:prstGeom>
-        </p:spPr>
-        <p:txBody>
-          <a:bodyPr lIns="0" rIns="0" tIns="0" bIns="0" anchor="b">
-            <a:noAutofit/>
-          </a:bodyPr>
-          <a:p>
-            <a:endParaRPr b="1" lang="es-ES" sz="3200" spc="-1" strike="noStrike">
-              <a:solidFill>
-                <a:srgbClr val="ffffff"/>
-              </a:solidFill>
-              <a:latin typeface="Source Sans Pro Black"/>
-            </a:endParaRPr>
-          </a:p>
-        </p:txBody>
-      </p:sp>
-      <p:sp>
-        <p:nvSpPr>
-          <p:cNvPr id="76" name="PlaceHolder 2"/>
+            <a:off x="504000" y="301320"/>
+            <a:ext cx="9072000" cy="1261800"/>
+          </a:xfrm>
+          <a:prstGeom prst="rect">
+            <a:avLst/>
+          </a:prstGeom>
+        </p:spPr>
+        <p:txBody>
+          <a:bodyPr lIns="0" rIns="0" tIns="0" bIns="0" anchor="ctr">
+            <a:spAutoFit/>
+          </a:bodyPr>
+          <a:p>
+            <a:pPr algn="ctr"/>
+            <a:endParaRPr b="0" lang="es-ES" sz="4400" spc="-1" strike="noStrike">
+              <a:latin typeface="Arial"/>
+            </a:endParaRPr>
+          </a:p>
+        </p:txBody>
+      </p:sp>
+      <p:sp>
+        <p:nvSpPr>
+          <p:cNvPr id="70" name="PlaceHolder 2"/>
           <p:cNvSpPr>
             <a:spLocks noGrp="1"/>
           </p:cNvSpPr>
@@ -1765,8 +1655,8 @@
         </p:nvSpPr>
         <p:spPr>
           <a:xfrm>
-            <a:off x="360000" y="1980000"/>
-            <a:ext cx="4479480" cy="2232000"/>
+            <a:off x="504000" y="1768680"/>
+            <a:ext cx="4426920" cy="2090880"/>
           </a:xfrm>
           <a:prstGeom prst="rect">
             <a:avLst/>
@@ -1777,18 +1667,15 @@
             <a:normAutofit/>
           </a:bodyPr>
           <a:p>
-            <a:endParaRPr b="1" lang="es-ES" sz="2600" spc="-1" strike="noStrike">
-              <a:solidFill>
-                <a:srgbClr val="1c1c1c"/>
-              </a:solidFill>
-              <a:latin typeface="Source Sans Pro Semibold"/>
-            </a:endParaRPr>
-          </a:p>
-        </p:txBody>
-      </p:sp>
-      <p:sp>
-        <p:nvSpPr>
-          <p:cNvPr id="77" name="PlaceHolder 3"/>
+            <a:endParaRPr b="0" lang="es-ES" sz="3200" spc="-1" strike="noStrike">
+              <a:latin typeface="Arial"/>
+            </a:endParaRPr>
+          </a:p>
+        </p:txBody>
+      </p:sp>
+      <p:sp>
+        <p:nvSpPr>
+          <p:cNvPr id="71" name="PlaceHolder 3"/>
           <p:cNvSpPr>
             <a:spLocks noGrp="1"/>
           </p:cNvSpPr>
@@ -1798,8 +1685,8 @@
         </p:nvSpPr>
         <p:spPr>
           <a:xfrm>
-            <a:off x="5063760" y="1980000"/>
-            <a:ext cx="4479480" cy="2232000"/>
+            <a:off x="5152680" y="1768680"/>
+            <a:ext cx="4426920" cy="2090880"/>
           </a:xfrm>
           <a:prstGeom prst="rect">
             <a:avLst/>
@@ -1810,18 +1697,15 @@
             <a:normAutofit/>
           </a:bodyPr>
           <a:p>
-            <a:endParaRPr b="1" lang="es-ES" sz="2600" spc="-1" strike="noStrike">
-              <a:solidFill>
-                <a:srgbClr val="1c1c1c"/>
-              </a:solidFill>
-              <a:latin typeface="Source Sans Pro Semibold"/>
-            </a:endParaRPr>
-          </a:p>
-        </p:txBody>
-      </p:sp>
-      <p:sp>
-        <p:nvSpPr>
-          <p:cNvPr id="78" name="PlaceHolder 4"/>
+            <a:endParaRPr b="0" lang="es-ES" sz="3200" spc="-1" strike="noStrike">
+              <a:latin typeface="Arial"/>
+            </a:endParaRPr>
+          </a:p>
+        </p:txBody>
+      </p:sp>
+      <p:sp>
+        <p:nvSpPr>
+          <p:cNvPr id="72" name="PlaceHolder 4"/>
           <p:cNvSpPr>
             <a:spLocks noGrp="1"/>
           </p:cNvSpPr>
@@ -1831,8 +1715,8 @@
         </p:nvSpPr>
         <p:spPr>
           <a:xfrm>
-            <a:off x="360000" y="4424400"/>
-            <a:ext cx="4479480" cy="2232000"/>
+            <a:off x="504000" y="4058640"/>
+            <a:ext cx="4426920" cy="2090880"/>
           </a:xfrm>
           <a:prstGeom prst="rect">
             <a:avLst/>
@@ -1843,18 +1727,15 @@
             <a:normAutofit/>
           </a:bodyPr>
           <a:p>
-            <a:endParaRPr b="1" lang="es-ES" sz="2600" spc="-1" strike="noStrike">
-              <a:solidFill>
-                <a:srgbClr val="1c1c1c"/>
-              </a:solidFill>
-              <a:latin typeface="Source Sans Pro Semibold"/>
-            </a:endParaRPr>
-          </a:p>
-        </p:txBody>
-      </p:sp>
-      <p:sp>
-        <p:nvSpPr>
-          <p:cNvPr id="79" name="PlaceHolder 5"/>
+            <a:endParaRPr b="0" lang="es-ES" sz="3200" spc="-1" strike="noStrike">
+              <a:latin typeface="Arial"/>
+            </a:endParaRPr>
+          </a:p>
+        </p:txBody>
+      </p:sp>
+      <p:sp>
+        <p:nvSpPr>
+          <p:cNvPr id="73" name="PlaceHolder 5"/>
           <p:cNvSpPr>
             <a:spLocks noGrp="1"/>
           </p:cNvSpPr>
@@ -1864,8 +1745,8 @@
         </p:nvSpPr>
         <p:spPr>
           <a:xfrm>
-            <a:off x="5063760" y="4424400"/>
-            <a:ext cx="4479480" cy="2232000"/>
+            <a:off x="5152680" y="4058640"/>
+            <a:ext cx="4426920" cy="2090880"/>
           </a:xfrm>
           <a:prstGeom prst="rect">
             <a:avLst/>
@@ -1876,11 +1757,8 @@
             <a:normAutofit/>
           </a:bodyPr>
           <a:p>
-            <a:endParaRPr b="1" lang="es-ES" sz="2600" spc="-1" strike="noStrike">
-              <a:solidFill>
-                <a:srgbClr val="1c1c1c"/>
-              </a:solidFill>
-              <a:latin typeface="Source Sans Pro Semibold"/>
+            <a:endParaRPr b="0" lang="es-ES" sz="3200" spc="-1" strike="noStrike">
+              <a:latin typeface="Arial"/>
             </a:endParaRPr>
           </a:p>
         </p:txBody>
@@ -1909,7 +1787,7 @@
       </p:grpSpPr>
       <p:sp>
         <p:nvSpPr>
-          <p:cNvPr id="80" name="PlaceHolder 1"/>
+          <p:cNvPr id="74" name="PlaceHolder 1"/>
           <p:cNvSpPr>
             <a:spLocks noGrp="1"/>
           </p:cNvSpPr>
@@ -1919,30 +1797,28 @@
         </p:nvSpPr>
         <p:spPr>
           <a:xfrm>
-            <a:off x="360000" y="360000"/>
-            <a:ext cx="9360000" cy="900000"/>
-          </a:xfrm>
-          <a:prstGeom prst="rect">
-            <a:avLst/>
-          </a:prstGeom>
-        </p:spPr>
-        <p:txBody>
-          <a:bodyPr lIns="0" rIns="0" tIns="0" bIns="0" anchor="b">
-            <a:noAutofit/>
-          </a:bodyPr>
-          <a:p>
-            <a:endParaRPr b="1" lang="es-ES" sz="3200" spc="-1" strike="noStrike">
-              <a:solidFill>
-                <a:srgbClr val="ffffff"/>
-              </a:solidFill>
-              <a:latin typeface="Source Sans Pro Black"/>
-            </a:endParaRPr>
-          </a:p>
-        </p:txBody>
-      </p:sp>
-      <p:sp>
-        <p:nvSpPr>
-          <p:cNvPr id="81" name="PlaceHolder 2"/>
+            <a:off x="504000" y="301320"/>
+            <a:ext cx="9072000" cy="1261800"/>
+          </a:xfrm>
+          <a:prstGeom prst="rect">
+            <a:avLst/>
+          </a:prstGeom>
+        </p:spPr>
+        <p:txBody>
+          <a:bodyPr lIns="0" rIns="0" tIns="0" bIns="0" anchor="ctr">
+            <a:spAutoFit/>
+          </a:bodyPr>
+          <a:p>
+            <a:pPr algn="ctr"/>
+            <a:endParaRPr b="0" lang="es-ES" sz="4400" spc="-1" strike="noStrike">
+              <a:latin typeface="Arial"/>
+            </a:endParaRPr>
+          </a:p>
+        </p:txBody>
+      </p:sp>
+      <p:sp>
+        <p:nvSpPr>
+          <p:cNvPr id="75" name="PlaceHolder 2"/>
           <p:cNvSpPr>
             <a:spLocks noGrp="1"/>
           </p:cNvSpPr>
@@ -1952,8 +1828,8 @@
         </p:nvSpPr>
         <p:spPr>
           <a:xfrm>
-            <a:off x="360000" y="1980000"/>
-            <a:ext cx="2955600" cy="2232000"/>
+            <a:off x="504000" y="1768680"/>
+            <a:ext cx="2921040" cy="2090880"/>
           </a:xfrm>
           <a:prstGeom prst="rect">
             <a:avLst/>
@@ -1964,18 +1840,15 @@
             <a:normAutofit/>
           </a:bodyPr>
           <a:p>
-            <a:endParaRPr b="1" lang="es-ES" sz="2600" spc="-1" strike="noStrike">
-              <a:solidFill>
-                <a:srgbClr val="1c1c1c"/>
-              </a:solidFill>
-              <a:latin typeface="Source Sans Pro Semibold"/>
-            </a:endParaRPr>
-          </a:p>
-        </p:txBody>
-      </p:sp>
-      <p:sp>
-        <p:nvSpPr>
-          <p:cNvPr id="82" name="PlaceHolder 3"/>
+            <a:endParaRPr b="0" lang="es-ES" sz="3200" spc="-1" strike="noStrike">
+              <a:latin typeface="Arial"/>
+            </a:endParaRPr>
+          </a:p>
+        </p:txBody>
+      </p:sp>
+      <p:sp>
+        <p:nvSpPr>
+          <p:cNvPr id="76" name="PlaceHolder 3"/>
           <p:cNvSpPr>
             <a:spLocks noGrp="1"/>
           </p:cNvSpPr>
@@ -1985,8 +1858,8 @@
         </p:nvSpPr>
         <p:spPr>
           <a:xfrm>
-            <a:off x="3463920" y="1980000"/>
-            <a:ext cx="2955600" cy="2232000"/>
+            <a:off x="3571560" y="1768680"/>
+            <a:ext cx="2921040" cy="2090880"/>
           </a:xfrm>
           <a:prstGeom prst="rect">
             <a:avLst/>
@@ -1997,18 +1870,15 @@
             <a:normAutofit/>
           </a:bodyPr>
           <a:p>
-            <a:endParaRPr b="1" lang="es-ES" sz="2600" spc="-1" strike="noStrike">
-              <a:solidFill>
-                <a:srgbClr val="1c1c1c"/>
-              </a:solidFill>
-              <a:latin typeface="Source Sans Pro Semibold"/>
-            </a:endParaRPr>
-          </a:p>
-        </p:txBody>
-      </p:sp>
-      <p:sp>
-        <p:nvSpPr>
-          <p:cNvPr id="83" name="PlaceHolder 4"/>
+            <a:endParaRPr b="0" lang="es-ES" sz="3200" spc="-1" strike="noStrike">
+              <a:latin typeface="Arial"/>
+            </a:endParaRPr>
+          </a:p>
+        </p:txBody>
+      </p:sp>
+      <p:sp>
+        <p:nvSpPr>
+          <p:cNvPr id="77" name="PlaceHolder 4"/>
           <p:cNvSpPr>
             <a:spLocks noGrp="1"/>
           </p:cNvSpPr>
@@ -2018,8 +1888,8 @@
         </p:nvSpPr>
         <p:spPr>
           <a:xfrm>
-            <a:off x="6567480" y="1980000"/>
-            <a:ext cx="2955600" cy="2232000"/>
+            <a:off x="6639120" y="1768680"/>
+            <a:ext cx="2921040" cy="2090880"/>
           </a:xfrm>
           <a:prstGeom prst="rect">
             <a:avLst/>
@@ -2030,18 +1900,15 @@
             <a:normAutofit/>
           </a:bodyPr>
           <a:p>
-            <a:endParaRPr b="1" lang="es-ES" sz="2600" spc="-1" strike="noStrike">
-              <a:solidFill>
-                <a:srgbClr val="1c1c1c"/>
-              </a:solidFill>
-              <a:latin typeface="Source Sans Pro Semibold"/>
-            </a:endParaRPr>
-          </a:p>
-        </p:txBody>
-      </p:sp>
-      <p:sp>
-        <p:nvSpPr>
-          <p:cNvPr id="84" name="PlaceHolder 5"/>
+            <a:endParaRPr b="0" lang="es-ES" sz="3200" spc="-1" strike="noStrike">
+              <a:latin typeface="Arial"/>
+            </a:endParaRPr>
+          </a:p>
+        </p:txBody>
+      </p:sp>
+      <p:sp>
+        <p:nvSpPr>
+          <p:cNvPr id="78" name="PlaceHolder 5"/>
           <p:cNvSpPr>
             <a:spLocks noGrp="1"/>
           </p:cNvSpPr>
@@ -2051,8 +1918,8 @@
         </p:nvSpPr>
         <p:spPr>
           <a:xfrm>
-            <a:off x="360000" y="4424400"/>
-            <a:ext cx="2955600" cy="2232000"/>
+            <a:off x="504000" y="4058640"/>
+            <a:ext cx="2921040" cy="2090880"/>
           </a:xfrm>
           <a:prstGeom prst="rect">
             <a:avLst/>
@@ -2063,18 +1930,15 @@
             <a:normAutofit/>
           </a:bodyPr>
           <a:p>
-            <a:endParaRPr b="1" lang="es-ES" sz="2600" spc="-1" strike="noStrike">
-              <a:solidFill>
-                <a:srgbClr val="1c1c1c"/>
-              </a:solidFill>
-              <a:latin typeface="Source Sans Pro Semibold"/>
-            </a:endParaRPr>
-          </a:p>
-        </p:txBody>
-      </p:sp>
-      <p:sp>
-        <p:nvSpPr>
-          <p:cNvPr id="85" name="PlaceHolder 6"/>
+            <a:endParaRPr b="0" lang="es-ES" sz="3200" spc="-1" strike="noStrike">
+              <a:latin typeface="Arial"/>
+            </a:endParaRPr>
+          </a:p>
+        </p:txBody>
+      </p:sp>
+      <p:sp>
+        <p:nvSpPr>
+          <p:cNvPr id="79" name="PlaceHolder 6"/>
           <p:cNvSpPr>
             <a:spLocks noGrp="1"/>
           </p:cNvSpPr>
@@ -2084,8 +1948,8 @@
         </p:nvSpPr>
         <p:spPr>
           <a:xfrm>
-            <a:off x="3463920" y="4424400"/>
-            <a:ext cx="2955600" cy="2232000"/>
+            <a:off x="3571560" y="4058640"/>
+            <a:ext cx="2921040" cy="2090880"/>
           </a:xfrm>
           <a:prstGeom prst="rect">
             <a:avLst/>
@@ -2096,18 +1960,15 @@
             <a:normAutofit/>
           </a:bodyPr>
           <a:p>
-            <a:endParaRPr b="1" lang="es-ES" sz="2600" spc="-1" strike="noStrike">
-              <a:solidFill>
-                <a:srgbClr val="1c1c1c"/>
-              </a:solidFill>
-              <a:latin typeface="Source Sans Pro Semibold"/>
-            </a:endParaRPr>
-          </a:p>
-        </p:txBody>
-      </p:sp>
-      <p:sp>
-        <p:nvSpPr>
-          <p:cNvPr id="86" name="PlaceHolder 7"/>
+            <a:endParaRPr b="0" lang="es-ES" sz="3200" spc="-1" strike="noStrike">
+              <a:latin typeface="Arial"/>
+            </a:endParaRPr>
+          </a:p>
+        </p:txBody>
+      </p:sp>
+      <p:sp>
+        <p:nvSpPr>
+          <p:cNvPr id="80" name="PlaceHolder 7"/>
           <p:cNvSpPr>
             <a:spLocks noGrp="1"/>
           </p:cNvSpPr>
@@ -2117,8 +1978,8 @@
         </p:nvSpPr>
         <p:spPr>
           <a:xfrm>
-            <a:off x="6567480" y="4424400"/>
-            <a:ext cx="2955600" cy="2232000"/>
+            <a:off x="6639120" y="4058640"/>
+            <a:ext cx="2921040" cy="2090880"/>
           </a:xfrm>
           <a:prstGeom prst="rect">
             <a:avLst/>
@@ -2129,11 +1990,8 @@
             <a:normAutofit/>
           </a:bodyPr>
           <a:p>
-            <a:endParaRPr b="1" lang="es-ES" sz="2600" spc="-1" strike="noStrike">
-              <a:solidFill>
-                <a:srgbClr val="1c1c1c"/>
-              </a:solidFill>
-              <a:latin typeface="Source Sans Pro Semibold"/>
+            <a:endParaRPr b="0" lang="es-ES" sz="3200" spc="-1" strike="noStrike">
+              <a:latin typeface="Arial"/>
             </a:endParaRPr>
           </a:p>
         </p:txBody>
@@ -2162,7 +2020,7 @@
       </p:grpSpPr>
       <p:sp>
         <p:nvSpPr>
-          <p:cNvPr id="11" name="PlaceHolder 1"/>
+          <p:cNvPr id="5" name="PlaceHolder 1"/>
           <p:cNvSpPr>
             <a:spLocks noGrp="1"/>
           </p:cNvSpPr>
@@ -2172,30 +2030,28 @@
         </p:nvSpPr>
         <p:spPr>
           <a:xfrm>
-            <a:off x="360000" y="360000"/>
-            <a:ext cx="9360000" cy="900000"/>
-          </a:xfrm>
-          <a:prstGeom prst="rect">
-            <a:avLst/>
-          </a:prstGeom>
-        </p:spPr>
-        <p:txBody>
-          <a:bodyPr lIns="0" rIns="0" tIns="0" bIns="0" anchor="b">
-            <a:noAutofit/>
-          </a:bodyPr>
-          <a:p>
-            <a:endParaRPr b="1" lang="es-ES" sz="3200" spc="-1" strike="noStrike">
-              <a:solidFill>
-                <a:srgbClr val="ffffff"/>
-              </a:solidFill>
-              <a:latin typeface="Source Sans Pro Black"/>
-            </a:endParaRPr>
-          </a:p>
-        </p:txBody>
-      </p:sp>
-      <p:sp>
-        <p:nvSpPr>
-          <p:cNvPr id="12" name="PlaceHolder 2"/>
+            <a:off x="504000" y="301320"/>
+            <a:ext cx="9072000" cy="1261800"/>
+          </a:xfrm>
+          <a:prstGeom prst="rect">
+            <a:avLst/>
+          </a:prstGeom>
+        </p:spPr>
+        <p:txBody>
+          <a:bodyPr lIns="0" rIns="0" tIns="0" bIns="0" anchor="ctr">
+            <a:spAutoFit/>
+          </a:bodyPr>
+          <a:p>
+            <a:pPr algn="ctr"/>
+            <a:endParaRPr b="0" lang="es-ES" sz="4400" spc="-1" strike="noStrike">
+              <a:latin typeface="Arial"/>
+            </a:endParaRPr>
+          </a:p>
+        </p:txBody>
+      </p:sp>
+      <p:sp>
+        <p:nvSpPr>
+          <p:cNvPr id="6" name="PlaceHolder 2"/>
           <p:cNvSpPr>
             <a:spLocks noGrp="1"/>
           </p:cNvSpPr>
@@ -2205,8 +2061,8 @@
         </p:nvSpPr>
         <p:spPr>
           <a:xfrm>
-            <a:off x="360000" y="1980000"/>
-            <a:ext cx="9180000" cy="4680000"/>
+            <a:off x="504000" y="1768680"/>
+            <a:ext cx="9072000" cy="4384080"/>
           </a:xfrm>
           <a:prstGeom prst="rect">
             <a:avLst/>
@@ -2217,11 +2073,8 @@
             <a:normAutofit/>
           </a:bodyPr>
           <a:p>
-            <a:endParaRPr b="1" lang="es-ES" sz="2600" spc="-1" strike="noStrike">
-              <a:solidFill>
-                <a:srgbClr val="1c1c1c"/>
-              </a:solidFill>
-              <a:latin typeface="Source Sans Pro Semibold"/>
+            <a:endParaRPr b="0" lang="es-ES" sz="3200" spc="-1" strike="noStrike">
+              <a:latin typeface="Arial"/>
             </a:endParaRPr>
           </a:p>
         </p:txBody>
@@ -2250,7 +2103,7 @@
       </p:grpSpPr>
       <p:sp>
         <p:nvSpPr>
-          <p:cNvPr id="13" name="PlaceHolder 1"/>
+          <p:cNvPr id="7" name="PlaceHolder 1"/>
           <p:cNvSpPr>
             <a:spLocks noGrp="1"/>
           </p:cNvSpPr>
@@ -2260,30 +2113,28 @@
         </p:nvSpPr>
         <p:spPr>
           <a:xfrm>
-            <a:off x="360000" y="360000"/>
-            <a:ext cx="9360000" cy="900000"/>
-          </a:xfrm>
-          <a:prstGeom prst="rect">
-            <a:avLst/>
-          </a:prstGeom>
-        </p:spPr>
-        <p:txBody>
-          <a:bodyPr lIns="0" rIns="0" tIns="0" bIns="0" anchor="b">
-            <a:noAutofit/>
-          </a:bodyPr>
-          <a:p>
-            <a:endParaRPr b="1" lang="es-ES" sz="3200" spc="-1" strike="noStrike">
-              <a:solidFill>
-                <a:srgbClr val="ffffff"/>
-              </a:solidFill>
-              <a:latin typeface="Source Sans Pro Black"/>
-            </a:endParaRPr>
-          </a:p>
-        </p:txBody>
-      </p:sp>
-      <p:sp>
-        <p:nvSpPr>
-          <p:cNvPr id="14" name="PlaceHolder 2"/>
+            <a:off x="504000" y="301320"/>
+            <a:ext cx="9072000" cy="1261800"/>
+          </a:xfrm>
+          <a:prstGeom prst="rect">
+            <a:avLst/>
+          </a:prstGeom>
+        </p:spPr>
+        <p:txBody>
+          <a:bodyPr lIns="0" rIns="0" tIns="0" bIns="0" anchor="ctr">
+            <a:spAutoFit/>
+          </a:bodyPr>
+          <a:p>
+            <a:pPr algn="ctr"/>
+            <a:endParaRPr b="0" lang="es-ES" sz="4400" spc="-1" strike="noStrike">
+              <a:latin typeface="Arial"/>
+            </a:endParaRPr>
+          </a:p>
+        </p:txBody>
+      </p:sp>
+      <p:sp>
+        <p:nvSpPr>
+          <p:cNvPr id="8" name="PlaceHolder 2"/>
           <p:cNvSpPr>
             <a:spLocks noGrp="1"/>
           </p:cNvSpPr>
@@ -2293,8 +2144,8 @@
         </p:nvSpPr>
         <p:spPr>
           <a:xfrm>
-            <a:off x="360000" y="1980000"/>
-            <a:ext cx="4479480" cy="4680000"/>
+            <a:off x="504000" y="1768680"/>
+            <a:ext cx="4426920" cy="4384080"/>
           </a:xfrm>
           <a:prstGeom prst="rect">
             <a:avLst/>
@@ -2305,18 +2156,15 @@
             <a:normAutofit/>
           </a:bodyPr>
           <a:p>
-            <a:endParaRPr b="1" lang="es-ES" sz="2600" spc="-1" strike="noStrike">
-              <a:solidFill>
-                <a:srgbClr val="1c1c1c"/>
-              </a:solidFill>
-              <a:latin typeface="Source Sans Pro Semibold"/>
-            </a:endParaRPr>
-          </a:p>
-        </p:txBody>
-      </p:sp>
-      <p:sp>
-        <p:nvSpPr>
-          <p:cNvPr id="15" name="PlaceHolder 3"/>
+            <a:endParaRPr b="0" lang="es-ES" sz="3200" spc="-1" strike="noStrike">
+              <a:latin typeface="Arial"/>
+            </a:endParaRPr>
+          </a:p>
+        </p:txBody>
+      </p:sp>
+      <p:sp>
+        <p:nvSpPr>
+          <p:cNvPr id="9" name="PlaceHolder 3"/>
           <p:cNvSpPr>
             <a:spLocks noGrp="1"/>
           </p:cNvSpPr>
@@ -2326,8 +2174,8 @@
         </p:nvSpPr>
         <p:spPr>
           <a:xfrm>
-            <a:off x="5063760" y="1980000"/>
-            <a:ext cx="4479480" cy="4680000"/>
+            <a:off x="5152680" y="1768680"/>
+            <a:ext cx="4426920" cy="4384080"/>
           </a:xfrm>
           <a:prstGeom prst="rect">
             <a:avLst/>
@@ -2338,11 +2186,8 @@
             <a:normAutofit/>
           </a:bodyPr>
           <a:p>
-            <a:endParaRPr b="1" lang="es-ES" sz="2600" spc="-1" strike="noStrike">
-              <a:solidFill>
-                <a:srgbClr val="1c1c1c"/>
-              </a:solidFill>
-              <a:latin typeface="Source Sans Pro Semibold"/>
+            <a:endParaRPr b="0" lang="es-ES" sz="3200" spc="-1" strike="noStrike">
+              <a:latin typeface="Arial"/>
             </a:endParaRPr>
           </a:p>
         </p:txBody>
@@ -2371,7 +2216,7 @@
       </p:grpSpPr>
       <p:sp>
         <p:nvSpPr>
-          <p:cNvPr id="16" name="PlaceHolder 1"/>
+          <p:cNvPr id="10" name="PlaceHolder 1"/>
           <p:cNvSpPr>
             <a:spLocks noGrp="1"/>
           </p:cNvSpPr>
@@ -2381,23 +2226,21 @@
         </p:nvSpPr>
         <p:spPr>
           <a:xfrm>
-            <a:off x="360000" y="360000"/>
-            <a:ext cx="9360000" cy="900000"/>
-          </a:xfrm>
-          <a:prstGeom prst="rect">
-            <a:avLst/>
-          </a:prstGeom>
-        </p:spPr>
-        <p:txBody>
-          <a:bodyPr lIns="0" rIns="0" tIns="0" bIns="0" anchor="b">
-            <a:noAutofit/>
-          </a:bodyPr>
-          <a:p>
-            <a:endParaRPr b="1" lang="es-ES" sz="3200" spc="-1" strike="noStrike">
-              <a:solidFill>
-                <a:srgbClr val="ffffff"/>
-              </a:solidFill>
-              <a:latin typeface="Source Sans Pro Black"/>
+            <a:off x="504000" y="301320"/>
+            <a:ext cx="9072000" cy="1261800"/>
+          </a:xfrm>
+          <a:prstGeom prst="rect">
+            <a:avLst/>
+          </a:prstGeom>
+        </p:spPr>
+        <p:txBody>
+          <a:bodyPr lIns="0" rIns="0" tIns="0" bIns="0" anchor="ctr">
+            <a:spAutoFit/>
+          </a:bodyPr>
+          <a:p>
+            <a:pPr algn="ctr"/>
+            <a:endParaRPr b="0" lang="es-ES" sz="4400" spc="-1" strike="noStrike">
+              <a:latin typeface="Arial"/>
             </a:endParaRPr>
           </a:p>
         </p:txBody>
@@ -2426,7 +2269,7 @@
       </p:grpSpPr>
       <p:sp>
         <p:nvSpPr>
-          <p:cNvPr id="17" name="PlaceHolder 1"/>
+          <p:cNvPr id="11" name="PlaceHolder 1"/>
           <p:cNvSpPr>
             <a:spLocks noGrp="1"/>
           </p:cNvSpPr>
@@ -2436,23 +2279,21 @@
         </p:nvSpPr>
         <p:spPr>
           <a:xfrm>
-            <a:off x="360000" y="360000"/>
-            <a:ext cx="9360000" cy="4173120"/>
-          </a:xfrm>
-          <a:prstGeom prst="rect">
-            <a:avLst/>
-          </a:prstGeom>
-        </p:spPr>
-        <p:txBody>
-          <a:bodyPr lIns="0" rIns="0" tIns="0" bIns="0">
-            <a:noAutofit/>
-          </a:bodyPr>
-          <a:p>
-            <a:endParaRPr b="0" lang="es-ES" sz="2600" spc="-1" strike="noStrike">
-              <a:solidFill>
-                <a:srgbClr val="1c1c1c"/>
-              </a:solidFill>
-              <a:latin typeface="Source Sans Pro Light"/>
+            <a:off x="504000" y="301320"/>
+            <a:ext cx="9072000" cy="5850360"/>
+          </a:xfrm>
+          <a:prstGeom prst="rect">
+            <a:avLst/>
+          </a:prstGeom>
+        </p:spPr>
+        <p:txBody>
+          <a:bodyPr lIns="0" rIns="0" tIns="0" bIns="0" anchor="ctr">
+            <a:spAutoFit/>
+          </a:bodyPr>
+          <a:p>
+            <a:pPr algn="ctr"/>
+            <a:endParaRPr b="0" lang="es-ES" sz="3200" spc="-1" strike="noStrike">
+              <a:latin typeface="Arial"/>
             </a:endParaRPr>
           </a:p>
         </p:txBody>
@@ -2481,7 +2322,7 @@
       </p:grpSpPr>
       <p:sp>
         <p:nvSpPr>
-          <p:cNvPr id="18" name="PlaceHolder 1"/>
+          <p:cNvPr id="12" name="PlaceHolder 1"/>
           <p:cNvSpPr>
             <a:spLocks noGrp="1"/>
           </p:cNvSpPr>
@@ -2491,30 +2332,28 @@
         </p:nvSpPr>
         <p:spPr>
           <a:xfrm>
-            <a:off x="360000" y="360000"/>
-            <a:ext cx="9360000" cy="900000"/>
-          </a:xfrm>
-          <a:prstGeom prst="rect">
-            <a:avLst/>
-          </a:prstGeom>
-        </p:spPr>
-        <p:txBody>
-          <a:bodyPr lIns="0" rIns="0" tIns="0" bIns="0" anchor="b">
-            <a:noAutofit/>
-          </a:bodyPr>
-          <a:p>
-            <a:endParaRPr b="1" lang="es-ES" sz="3200" spc="-1" strike="noStrike">
-              <a:solidFill>
-                <a:srgbClr val="ffffff"/>
-              </a:solidFill>
-              <a:latin typeface="Source Sans Pro Black"/>
-            </a:endParaRPr>
-          </a:p>
-        </p:txBody>
-      </p:sp>
-      <p:sp>
-        <p:nvSpPr>
-          <p:cNvPr id="19" name="PlaceHolder 2"/>
+            <a:off x="504000" y="301320"/>
+            <a:ext cx="9072000" cy="1261800"/>
+          </a:xfrm>
+          <a:prstGeom prst="rect">
+            <a:avLst/>
+          </a:prstGeom>
+        </p:spPr>
+        <p:txBody>
+          <a:bodyPr lIns="0" rIns="0" tIns="0" bIns="0" anchor="ctr">
+            <a:spAutoFit/>
+          </a:bodyPr>
+          <a:p>
+            <a:pPr algn="ctr"/>
+            <a:endParaRPr b="0" lang="es-ES" sz="4400" spc="-1" strike="noStrike">
+              <a:latin typeface="Arial"/>
+            </a:endParaRPr>
+          </a:p>
+        </p:txBody>
+      </p:sp>
+      <p:sp>
+        <p:nvSpPr>
+          <p:cNvPr id="13" name="PlaceHolder 2"/>
           <p:cNvSpPr>
             <a:spLocks noGrp="1"/>
           </p:cNvSpPr>
@@ -2524,8 +2363,8 @@
         </p:nvSpPr>
         <p:spPr>
           <a:xfrm>
-            <a:off x="360000" y="1980000"/>
-            <a:ext cx="4479480" cy="2232000"/>
+            <a:off x="504000" y="1768680"/>
+            <a:ext cx="4426920" cy="2090880"/>
           </a:xfrm>
           <a:prstGeom prst="rect">
             <a:avLst/>
@@ -2536,18 +2375,15 @@
             <a:normAutofit/>
           </a:bodyPr>
           <a:p>
-            <a:endParaRPr b="1" lang="es-ES" sz="2600" spc="-1" strike="noStrike">
-              <a:solidFill>
-                <a:srgbClr val="1c1c1c"/>
-              </a:solidFill>
-              <a:latin typeface="Source Sans Pro Semibold"/>
-            </a:endParaRPr>
-          </a:p>
-        </p:txBody>
-      </p:sp>
-      <p:sp>
-        <p:nvSpPr>
-          <p:cNvPr id="20" name="PlaceHolder 3"/>
+            <a:endParaRPr b="0" lang="es-ES" sz="3200" spc="-1" strike="noStrike">
+              <a:latin typeface="Arial"/>
+            </a:endParaRPr>
+          </a:p>
+        </p:txBody>
+      </p:sp>
+      <p:sp>
+        <p:nvSpPr>
+          <p:cNvPr id="14" name="PlaceHolder 3"/>
           <p:cNvSpPr>
             <a:spLocks noGrp="1"/>
           </p:cNvSpPr>
@@ -2557,8 +2393,8 @@
         </p:nvSpPr>
         <p:spPr>
           <a:xfrm>
-            <a:off x="5063760" y="1980000"/>
-            <a:ext cx="4479480" cy="4680000"/>
+            <a:off x="5152680" y="1768680"/>
+            <a:ext cx="4426920" cy="4384080"/>
           </a:xfrm>
           <a:prstGeom prst="rect">
             <a:avLst/>
@@ -2569,18 +2405,15 @@
             <a:normAutofit/>
           </a:bodyPr>
           <a:p>
-            <a:endParaRPr b="1" lang="es-ES" sz="2600" spc="-1" strike="noStrike">
-              <a:solidFill>
-                <a:srgbClr val="1c1c1c"/>
-              </a:solidFill>
-              <a:latin typeface="Source Sans Pro Semibold"/>
-            </a:endParaRPr>
-          </a:p>
-        </p:txBody>
-      </p:sp>
-      <p:sp>
-        <p:nvSpPr>
-          <p:cNvPr id="21" name="PlaceHolder 4"/>
+            <a:endParaRPr b="0" lang="es-ES" sz="3200" spc="-1" strike="noStrike">
+              <a:latin typeface="Arial"/>
+            </a:endParaRPr>
+          </a:p>
+        </p:txBody>
+      </p:sp>
+      <p:sp>
+        <p:nvSpPr>
+          <p:cNvPr id="15" name="PlaceHolder 4"/>
           <p:cNvSpPr>
             <a:spLocks noGrp="1"/>
           </p:cNvSpPr>
@@ -2590,8 +2423,8 @@
         </p:nvSpPr>
         <p:spPr>
           <a:xfrm>
-            <a:off x="360000" y="4424400"/>
-            <a:ext cx="4479480" cy="2232000"/>
+            <a:off x="504000" y="4058640"/>
+            <a:ext cx="4426920" cy="2090880"/>
           </a:xfrm>
           <a:prstGeom prst="rect">
             <a:avLst/>
@@ -2602,11 +2435,8 @@
             <a:normAutofit/>
           </a:bodyPr>
           <a:p>
-            <a:endParaRPr b="1" lang="es-ES" sz="2600" spc="-1" strike="noStrike">
-              <a:solidFill>
-                <a:srgbClr val="1c1c1c"/>
-              </a:solidFill>
-              <a:latin typeface="Source Sans Pro Semibold"/>
+            <a:endParaRPr b="0" lang="es-ES" sz="3200" spc="-1" strike="noStrike">
+              <a:latin typeface="Arial"/>
             </a:endParaRPr>
           </a:p>
         </p:txBody>
@@ -2635,7 +2465,7 @@
       </p:grpSpPr>
       <p:sp>
         <p:nvSpPr>
-          <p:cNvPr id="22" name="PlaceHolder 1"/>
+          <p:cNvPr id="16" name="PlaceHolder 1"/>
           <p:cNvSpPr>
             <a:spLocks noGrp="1"/>
           </p:cNvSpPr>
@@ -2645,30 +2475,28 @@
         </p:nvSpPr>
         <p:spPr>
           <a:xfrm>
-            <a:off x="360000" y="360000"/>
-            <a:ext cx="9360000" cy="900000"/>
-          </a:xfrm>
-          <a:prstGeom prst="rect">
-            <a:avLst/>
-          </a:prstGeom>
-        </p:spPr>
-        <p:txBody>
-          <a:bodyPr lIns="0" rIns="0" tIns="0" bIns="0" anchor="b">
-            <a:noAutofit/>
-          </a:bodyPr>
-          <a:p>
-            <a:endParaRPr b="1" lang="es-ES" sz="3200" spc="-1" strike="noStrike">
-              <a:solidFill>
-                <a:srgbClr val="ffffff"/>
-              </a:solidFill>
-              <a:latin typeface="Source Sans Pro Black"/>
-            </a:endParaRPr>
-          </a:p>
-        </p:txBody>
-      </p:sp>
-      <p:sp>
-        <p:nvSpPr>
-          <p:cNvPr id="23" name="PlaceHolder 2"/>
+            <a:off x="504000" y="301320"/>
+            <a:ext cx="9072000" cy="1261800"/>
+          </a:xfrm>
+          <a:prstGeom prst="rect">
+            <a:avLst/>
+          </a:prstGeom>
+        </p:spPr>
+        <p:txBody>
+          <a:bodyPr lIns="0" rIns="0" tIns="0" bIns="0" anchor="ctr">
+            <a:spAutoFit/>
+          </a:bodyPr>
+          <a:p>
+            <a:pPr algn="ctr"/>
+            <a:endParaRPr b="0" lang="es-ES" sz="4400" spc="-1" strike="noStrike">
+              <a:latin typeface="Arial"/>
+            </a:endParaRPr>
+          </a:p>
+        </p:txBody>
+      </p:sp>
+      <p:sp>
+        <p:nvSpPr>
+          <p:cNvPr id="17" name="PlaceHolder 2"/>
           <p:cNvSpPr>
             <a:spLocks noGrp="1"/>
           </p:cNvSpPr>
@@ -2678,8 +2506,8 @@
         </p:nvSpPr>
         <p:spPr>
           <a:xfrm>
-            <a:off x="360000" y="1980000"/>
-            <a:ext cx="4479480" cy="4680000"/>
+            <a:off x="504000" y="1768680"/>
+            <a:ext cx="4426920" cy="4384080"/>
           </a:xfrm>
           <a:prstGeom prst="rect">
             <a:avLst/>
@@ -2690,18 +2518,15 @@
             <a:normAutofit/>
           </a:bodyPr>
           <a:p>
-            <a:endParaRPr b="1" lang="es-ES" sz="2600" spc="-1" strike="noStrike">
-              <a:solidFill>
-                <a:srgbClr val="1c1c1c"/>
-              </a:solidFill>
-              <a:latin typeface="Source Sans Pro Semibold"/>
-            </a:endParaRPr>
-          </a:p>
-        </p:txBody>
-      </p:sp>
-      <p:sp>
-        <p:nvSpPr>
-          <p:cNvPr id="24" name="PlaceHolder 3"/>
+            <a:endParaRPr b="0" lang="es-ES" sz="3200" spc="-1" strike="noStrike">
+              <a:latin typeface="Arial"/>
+            </a:endParaRPr>
+          </a:p>
+        </p:txBody>
+      </p:sp>
+      <p:sp>
+        <p:nvSpPr>
+          <p:cNvPr id="18" name="PlaceHolder 3"/>
           <p:cNvSpPr>
             <a:spLocks noGrp="1"/>
           </p:cNvSpPr>
@@ -2711,8 +2536,8 @@
         </p:nvSpPr>
         <p:spPr>
           <a:xfrm>
-            <a:off x="5063760" y="1980000"/>
-            <a:ext cx="4479480" cy="2232000"/>
+            <a:off x="5152680" y="1768680"/>
+            <a:ext cx="4426920" cy="2090880"/>
           </a:xfrm>
           <a:prstGeom prst="rect">
             <a:avLst/>
@@ -2723,18 +2548,15 @@
             <a:normAutofit/>
           </a:bodyPr>
           <a:p>
-            <a:endParaRPr b="1" lang="es-ES" sz="2600" spc="-1" strike="noStrike">
-              <a:solidFill>
-                <a:srgbClr val="1c1c1c"/>
-              </a:solidFill>
-              <a:latin typeface="Source Sans Pro Semibold"/>
-            </a:endParaRPr>
-          </a:p>
-        </p:txBody>
-      </p:sp>
-      <p:sp>
-        <p:nvSpPr>
-          <p:cNvPr id="25" name="PlaceHolder 4"/>
+            <a:endParaRPr b="0" lang="es-ES" sz="3200" spc="-1" strike="noStrike">
+              <a:latin typeface="Arial"/>
+            </a:endParaRPr>
+          </a:p>
+        </p:txBody>
+      </p:sp>
+      <p:sp>
+        <p:nvSpPr>
+          <p:cNvPr id="19" name="PlaceHolder 4"/>
           <p:cNvSpPr>
             <a:spLocks noGrp="1"/>
           </p:cNvSpPr>
@@ -2744,8 +2566,8 @@
         </p:nvSpPr>
         <p:spPr>
           <a:xfrm>
-            <a:off x="5063760" y="4424400"/>
-            <a:ext cx="4479480" cy="2232000"/>
+            <a:off x="5152680" y="4058640"/>
+            <a:ext cx="4426920" cy="2090880"/>
           </a:xfrm>
           <a:prstGeom prst="rect">
             <a:avLst/>
@@ -2756,11 +2578,8 @@
             <a:normAutofit/>
           </a:bodyPr>
           <a:p>
-            <a:endParaRPr b="1" lang="es-ES" sz="2600" spc="-1" strike="noStrike">
-              <a:solidFill>
-                <a:srgbClr val="1c1c1c"/>
-              </a:solidFill>
-              <a:latin typeface="Source Sans Pro Semibold"/>
+            <a:endParaRPr b="0" lang="es-ES" sz="3200" spc="-1" strike="noStrike">
+              <a:latin typeface="Arial"/>
             </a:endParaRPr>
           </a:p>
         </p:txBody>
@@ -2789,7 +2608,7 @@
       </p:grpSpPr>
       <p:sp>
         <p:nvSpPr>
-          <p:cNvPr id="26" name="PlaceHolder 1"/>
+          <p:cNvPr id="20" name="PlaceHolder 1"/>
           <p:cNvSpPr>
             <a:spLocks noGrp="1"/>
           </p:cNvSpPr>
@@ -2799,30 +2618,28 @@
         </p:nvSpPr>
         <p:spPr>
           <a:xfrm>
-            <a:off x="360000" y="360000"/>
-            <a:ext cx="9360000" cy="900000"/>
-          </a:xfrm>
-          <a:prstGeom prst="rect">
-            <a:avLst/>
-          </a:prstGeom>
-        </p:spPr>
-        <p:txBody>
-          <a:bodyPr lIns="0" rIns="0" tIns="0" bIns="0" anchor="b">
-            <a:noAutofit/>
-          </a:bodyPr>
-          <a:p>
-            <a:endParaRPr b="1" lang="es-ES" sz="3200" spc="-1" strike="noStrike">
-              <a:solidFill>
-                <a:srgbClr val="ffffff"/>
-              </a:solidFill>
-              <a:latin typeface="Source Sans Pro Black"/>
-            </a:endParaRPr>
-          </a:p>
-        </p:txBody>
-      </p:sp>
-      <p:sp>
-        <p:nvSpPr>
-          <p:cNvPr id="27" name="PlaceHolder 2"/>
+            <a:off x="504000" y="301320"/>
+            <a:ext cx="9072000" cy="1261800"/>
+          </a:xfrm>
+          <a:prstGeom prst="rect">
+            <a:avLst/>
+          </a:prstGeom>
+        </p:spPr>
+        <p:txBody>
+          <a:bodyPr lIns="0" rIns="0" tIns="0" bIns="0" anchor="ctr">
+            <a:spAutoFit/>
+          </a:bodyPr>
+          <a:p>
+            <a:pPr algn="ctr"/>
+            <a:endParaRPr b="0" lang="es-ES" sz="4400" spc="-1" strike="noStrike">
+              <a:latin typeface="Arial"/>
+            </a:endParaRPr>
+          </a:p>
+        </p:txBody>
+      </p:sp>
+      <p:sp>
+        <p:nvSpPr>
+          <p:cNvPr id="21" name="PlaceHolder 2"/>
           <p:cNvSpPr>
             <a:spLocks noGrp="1"/>
           </p:cNvSpPr>
@@ -2832,8 +2649,8 @@
         </p:nvSpPr>
         <p:spPr>
           <a:xfrm>
-            <a:off x="360000" y="1980000"/>
-            <a:ext cx="4479480" cy="2232000"/>
+            <a:off x="504000" y="1768680"/>
+            <a:ext cx="4426920" cy="2090880"/>
           </a:xfrm>
           <a:prstGeom prst="rect">
             <a:avLst/>
@@ -2844,18 +2661,15 @@
             <a:normAutofit/>
           </a:bodyPr>
           <a:p>
-            <a:endParaRPr b="1" lang="es-ES" sz="2600" spc="-1" strike="noStrike">
-              <a:solidFill>
-                <a:srgbClr val="1c1c1c"/>
-              </a:solidFill>
-              <a:latin typeface="Source Sans Pro Semibold"/>
-            </a:endParaRPr>
-          </a:p>
-        </p:txBody>
-      </p:sp>
-      <p:sp>
-        <p:nvSpPr>
-          <p:cNvPr id="28" name="PlaceHolder 3"/>
+            <a:endParaRPr b="0" lang="es-ES" sz="3200" spc="-1" strike="noStrike">
+              <a:latin typeface="Arial"/>
+            </a:endParaRPr>
+          </a:p>
+        </p:txBody>
+      </p:sp>
+      <p:sp>
+        <p:nvSpPr>
+          <p:cNvPr id="22" name="PlaceHolder 3"/>
           <p:cNvSpPr>
             <a:spLocks noGrp="1"/>
           </p:cNvSpPr>
@@ -2865,8 +2679,8 @@
         </p:nvSpPr>
         <p:spPr>
           <a:xfrm>
-            <a:off x="5063760" y="1980000"/>
-            <a:ext cx="4479480" cy="2232000"/>
+            <a:off x="5152680" y="1768680"/>
+            <a:ext cx="4426920" cy="2090880"/>
           </a:xfrm>
           <a:prstGeom prst="rect">
             <a:avLst/>
@@ -2877,18 +2691,15 @@
             <a:normAutofit/>
           </a:bodyPr>
           <a:p>
-            <a:endParaRPr b="1" lang="es-ES" sz="2600" spc="-1" strike="noStrike">
-              <a:solidFill>
-                <a:srgbClr val="1c1c1c"/>
-              </a:solidFill>
-              <a:latin typeface="Source Sans Pro Semibold"/>
-            </a:endParaRPr>
-          </a:p>
-        </p:txBody>
-      </p:sp>
-      <p:sp>
-        <p:nvSpPr>
-          <p:cNvPr id="29" name="PlaceHolder 4"/>
+            <a:endParaRPr b="0" lang="es-ES" sz="3200" spc="-1" strike="noStrike">
+              <a:latin typeface="Arial"/>
+            </a:endParaRPr>
+          </a:p>
+        </p:txBody>
+      </p:sp>
+      <p:sp>
+        <p:nvSpPr>
+          <p:cNvPr id="23" name="PlaceHolder 4"/>
           <p:cNvSpPr>
             <a:spLocks noGrp="1"/>
           </p:cNvSpPr>
@@ -2898,8 +2709,8 @@
         </p:nvSpPr>
         <p:spPr>
           <a:xfrm>
-            <a:off x="360000" y="4424400"/>
-            <a:ext cx="9180000" cy="2232000"/>
+            <a:off x="504000" y="4058640"/>
+            <a:ext cx="9072000" cy="2090880"/>
           </a:xfrm>
           <a:prstGeom prst="rect">
             <a:avLst/>
@@ -2910,11 +2721,8 @@
             <a:normAutofit/>
           </a:bodyPr>
           <a:p>
-            <a:endParaRPr b="1" lang="es-ES" sz="2600" spc="-1" strike="noStrike">
-              <a:solidFill>
-                <a:srgbClr val="1c1c1c"/>
-              </a:solidFill>
-              <a:latin typeface="Source Sans Pro Semibold"/>
+            <a:endParaRPr b="0" lang="es-ES" sz="3200" spc="-1" strike="noStrike">
+              <a:latin typeface="Arial"/>
             </a:endParaRPr>
           </a:p>
         </p:txBody>
@@ -2949,8 +2757,8 @@
         </p:nvSpPr>
         <p:spPr>
           <a:xfrm>
-            <a:off x="0" y="180000"/>
-            <a:ext cx="9720000" cy="1260000"/>
+            <a:off x="0" y="3150000"/>
+            <a:ext cx="9719280" cy="1259280"/>
           </a:xfrm>
           <a:prstGeom prst="rect">
             <a:avLst/>
@@ -2958,7 +2766,7 @@
           <a:solidFill>
             <a:srgbClr val="e74c3c"/>
           </a:solidFill>
-          <a:ln w="72000">
+          <a:ln>
             <a:noFill/>
           </a:ln>
         </p:spPr>
@@ -2971,89 +2779,7 @@
       </p:sp>
       <p:sp>
         <p:nvSpPr>
-          <p:cNvPr id="1" name="CustomShape 2"/>
-          <p:cNvSpPr/>
-          <p:nvPr/>
-        </p:nvSpPr>
-        <p:spPr>
-          <a:xfrm>
-            <a:off x="7560000" y="6840000"/>
-            <a:ext cx="2520000" cy="540000"/>
-          </a:xfrm>
-          <a:prstGeom prst="rect">
-            <a:avLst/>
-          </a:prstGeom>
-          <a:solidFill>
-            <a:srgbClr val="e74c3c"/>
-          </a:solidFill>
-          <a:ln w="72000">
-            <a:noFill/>
-          </a:ln>
-        </p:spPr>
-        <p:style>
-          <a:lnRef idx="0"/>
-          <a:fillRef idx="0"/>
-          <a:effectRef idx="0"/>
-          <a:fontRef idx="minor"/>
-        </p:style>
-      </p:sp>
-      <p:sp>
-        <p:nvSpPr>
-          <p:cNvPr id="2" name="CustomShape 3"/>
-          <p:cNvSpPr/>
-          <p:nvPr/>
-        </p:nvSpPr>
-        <p:spPr>
-          <a:xfrm>
-            <a:off x="900000" y="6840000"/>
-            <a:ext cx="6480000" cy="540000"/>
-          </a:xfrm>
-          <a:prstGeom prst="rect">
-            <a:avLst/>
-          </a:prstGeom>
-          <a:solidFill>
-            <a:srgbClr val="bdc3c7"/>
-          </a:solidFill>
-          <a:ln w="72000">
-            <a:noFill/>
-          </a:ln>
-        </p:spPr>
-        <p:style>
-          <a:lnRef idx="0"/>
-          <a:fillRef idx="0"/>
-          <a:effectRef idx="0"/>
-          <a:fontRef idx="minor"/>
-        </p:style>
-      </p:sp>
-      <p:sp>
-        <p:nvSpPr>
-          <p:cNvPr id="3" name="CustomShape 4"/>
-          <p:cNvSpPr/>
-          <p:nvPr/>
-        </p:nvSpPr>
-        <p:spPr>
-          <a:xfrm>
-            <a:off x="180000" y="6840000"/>
-            <a:ext cx="540000" cy="540000"/>
-          </a:xfrm>
-          <a:prstGeom prst="rect">
-            <a:avLst/>
-          </a:prstGeom>
-          <a:noFill/>
-          <a:ln w="72000">
-            <a:noFill/>
-          </a:ln>
-        </p:spPr>
-        <p:style>
-          <a:lnRef idx="0"/>
-          <a:fillRef idx="0"/>
-          <a:effectRef idx="0"/>
-          <a:fontRef idx="minor"/>
-        </p:style>
-      </p:sp>
-      <p:sp>
-        <p:nvSpPr>
-          <p:cNvPr id="4" name="PlaceHolder 5"/>
+          <p:cNvPr id="1" name="PlaceHolder 2"/>
           <p:cNvSpPr>
             <a:spLocks noGrp="1"/>
           </p:cNvSpPr>
@@ -3063,39 +2789,33 @@
         </p:nvSpPr>
         <p:spPr>
           <a:xfrm>
-            <a:off x="360000" y="360000"/>
-            <a:ext cx="9360000" cy="900000"/>
-          </a:xfrm>
-          <a:prstGeom prst="rect">
-            <a:avLst/>
-          </a:prstGeom>
-        </p:spPr>
-        <p:txBody>
-          <a:bodyPr lIns="0" rIns="0" tIns="0" bIns="0" anchor="b">
-            <a:noAutofit/>
+            <a:off x="360000" y="178560"/>
+            <a:ext cx="9359280" cy="1262160"/>
+          </a:xfrm>
+          <a:prstGeom prst="rect">
+            <a:avLst/>
+          </a:prstGeom>
+        </p:spPr>
+        <p:txBody>
+          <a:bodyPr lIns="0" rIns="0" tIns="0" bIns="0" anchor="ctr">
+            <a:spAutoFit/>
           </a:bodyPr>
           <a:p>
             <a:r>
-              <a:rPr b="1" lang="es-ES" sz="3200" spc="-1" strike="noStrike">
-                <a:solidFill>
-                  <a:srgbClr val="ffffff"/>
-                </a:solidFill>
-                <a:latin typeface="Source Sans Pro Black"/>
+              <a:rPr b="0" lang="es-ES" sz="1800" spc="-1" strike="noStrike">
+                <a:latin typeface="Arial"/>
               </a:rPr>
               <a:t>Click to edit the title text format</a:t>
             </a:r>
-            <a:endParaRPr b="1" lang="es-ES" sz="3200" spc="-1" strike="noStrike">
-              <a:solidFill>
-                <a:srgbClr val="ffffff"/>
-              </a:solidFill>
-              <a:latin typeface="Source Sans Pro Black"/>
-            </a:endParaRPr>
-          </a:p>
-        </p:txBody>
-      </p:sp>
-      <p:sp>
-        <p:nvSpPr>
-          <p:cNvPr id="5" name="PlaceHolder 6"/>
+            <a:endParaRPr b="0" lang="es-ES" sz="1800" spc="-1" strike="noStrike">
+              <a:latin typeface="Arial"/>
+            </a:endParaRPr>
+          </a:p>
+        </p:txBody>
+      </p:sp>
+      <p:sp>
+        <p:nvSpPr>
+          <p:cNvPr id="2" name="PlaceHolder 3"/>
           <p:cNvSpPr>
             <a:spLocks noGrp="1"/>
           </p:cNvSpPr>
@@ -3106,7 +2826,7 @@
         <p:spPr>
           <a:xfrm>
             <a:off x="360000" y="1980000"/>
-            <a:ext cx="9180000" cy="4680000"/>
+            <a:ext cx="9179280" cy="4679280"/>
           </a:xfrm>
           <a:prstGeom prst="rect">
             <a:avLst/>
@@ -3117,286 +2837,157 @@
             <a:normAutofit/>
           </a:bodyPr>
           <a:p>
-            <a:pPr>
-              <a:spcAft>
-                <a:spcPts val="1142"/>
-              </a:spcAft>
+            <a:pPr marL="432000" indent="-324000">
+              <a:spcBef>
+                <a:spcPts val="1417"/>
+              </a:spcBef>
+              <a:buClr>
+                <a:srgbClr val="000000"/>
+              </a:buClr>
+              <a:buSzPct val="45000"/>
+              <a:buFont typeface="Wingdings" charset="2"/>
+              <a:buChar char=""/>
             </a:pPr>
             <a:r>
-              <a:rPr b="1" lang="es-ES" sz="2600" spc="-1" strike="noStrike">
-                <a:solidFill>
-                  <a:srgbClr val="1c1c1c"/>
-                </a:solidFill>
-                <a:latin typeface="Source Sans Pro Semibold"/>
+              <a:rPr b="0" lang="es-ES" sz="1800" spc="-1" strike="noStrike">
+                <a:latin typeface="Arial"/>
               </a:rPr>
               <a:t>Click to edit the outline text format</a:t>
             </a:r>
-            <a:endParaRPr b="1" lang="es-ES" sz="2600" spc="-1" strike="noStrike">
-              <a:solidFill>
-                <a:srgbClr val="1c1c1c"/>
-              </a:solidFill>
-              <a:latin typeface="Source Sans Pro Semibold"/>
-            </a:endParaRPr>
-          </a:p>
-          <a:p>
-            <a:pPr lvl="1" marL="288000">
-              <a:spcAft>
+            <a:endParaRPr b="0" lang="es-ES" sz="1800" spc="-1" strike="noStrike">
+              <a:latin typeface="Arial"/>
+            </a:endParaRPr>
+          </a:p>
+          <a:p>
+            <a:pPr lvl="1" marL="864000" indent="-324000">
+              <a:spcBef>
                 <a:spcPts val="1134"/>
-              </a:spcAft>
+              </a:spcBef>
+              <a:buClr>
+                <a:srgbClr val="000000"/>
+              </a:buClr>
+              <a:buSzPct val="75000"/>
+              <a:buFont typeface="Symbol" charset="2"/>
+              <a:buChar char=""/>
             </a:pPr>
             <a:r>
-              <a:rPr b="0" lang="es-ES" sz="2200" spc="-1" strike="noStrike">
-                <a:solidFill>
-                  <a:srgbClr val="1c1c1c"/>
-                </a:solidFill>
-                <a:latin typeface="Source Sans Pro Light"/>
+              <a:rPr b="0" lang="es-ES" sz="1800" spc="-1" strike="noStrike">
+                <a:latin typeface="Arial"/>
               </a:rPr>
               <a:t>Second Outline Level</a:t>
             </a:r>
-            <a:endParaRPr b="0" lang="es-ES" sz="2200" spc="-1" strike="noStrike">
-              <a:solidFill>
-                <a:srgbClr val="1c1c1c"/>
-              </a:solidFill>
-              <a:latin typeface="Source Sans Pro Light"/>
-            </a:endParaRPr>
-          </a:p>
-          <a:p>
-            <a:pPr lvl="2" marL="576000">
-              <a:spcAft>
+            <a:endParaRPr b="0" lang="es-ES" sz="1800" spc="-1" strike="noStrike">
+              <a:latin typeface="Arial"/>
+            </a:endParaRPr>
+          </a:p>
+          <a:p>
+            <a:pPr lvl="2" marL="1296000" indent="-288000">
+              <a:spcBef>
                 <a:spcPts val="850"/>
-              </a:spcAft>
+              </a:spcBef>
+              <a:buClr>
+                <a:srgbClr val="000000"/>
+              </a:buClr>
+              <a:buSzPct val="45000"/>
+              <a:buFont typeface="Wingdings" charset="2"/>
+              <a:buChar char=""/>
             </a:pPr>
             <a:r>
               <a:rPr b="0" lang="es-ES" sz="1800" spc="-1" strike="noStrike">
-                <a:solidFill>
-                  <a:srgbClr val="1c1c1c"/>
-                </a:solidFill>
-                <a:latin typeface="Source Sans Pro Light"/>
+                <a:latin typeface="Arial"/>
               </a:rPr>
               <a:t>Third Outline Level</a:t>
             </a:r>
             <a:endParaRPr b="0" lang="es-ES" sz="1800" spc="-1" strike="noStrike">
-              <a:solidFill>
-                <a:srgbClr val="1c1c1c"/>
-              </a:solidFill>
-              <a:latin typeface="Source Sans Pro Light"/>
-            </a:endParaRPr>
-          </a:p>
-          <a:p>
-            <a:pPr lvl="3" marL="864000">
-              <a:spcAft>
+              <a:latin typeface="Arial"/>
+            </a:endParaRPr>
+          </a:p>
+          <a:p>
+            <a:pPr lvl="3" marL="1728000" indent="-216000">
+              <a:spcBef>
                 <a:spcPts val="567"/>
-              </a:spcAft>
+              </a:spcBef>
+              <a:buClr>
+                <a:srgbClr val="000000"/>
+              </a:buClr>
+              <a:buSzPct val="75000"/>
+              <a:buFont typeface="Symbol" charset="2"/>
+              <a:buChar char=""/>
             </a:pPr>
             <a:r>
-              <a:rPr b="0" lang="es-ES" sz="1600" spc="-1" strike="noStrike">
-                <a:solidFill>
-                  <a:srgbClr val="1c1c1c"/>
-                </a:solidFill>
-                <a:latin typeface="Source Sans Pro Light"/>
+              <a:rPr b="0" lang="es-ES" sz="1800" spc="-1" strike="noStrike">
+                <a:latin typeface="Arial"/>
               </a:rPr>
               <a:t>Fourth Outline Level</a:t>
             </a:r>
-            <a:endParaRPr b="0" lang="es-ES" sz="1600" spc="-1" strike="noStrike">
-              <a:solidFill>
-                <a:srgbClr val="1c1c1c"/>
-              </a:solidFill>
-              <a:latin typeface="Source Sans Pro Light"/>
-            </a:endParaRPr>
-          </a:p>
-          <a:p>
-            <a:pPr lvl="4" marL="1152000">
-              <a:spcAft>
+            <a:endParaRPr b="0" lang="es-ES" sz="1800" spc="-1" strike="noStrike">
+              <a:latin typeface="Arial"/>
+            </a:endParaRPr>
+          </a:p>
+          <a:p>
+            <a:pPr lvl="4" marL="2160000" indent="-216000">
+              <a:spcBef>
                 <a:spcPts val="283"/>
-              </a:spcAft>
+              </a:spcBef>
+              <a:buClr>
+                <a:srgbClr val="000000"/>
+              </a:buClr>
+              <a:buSzPct val="45000"/>
+              <a:buFont typeface="Wingdings" charset="2"/>
+              <a:buChar char=""/>
             </a:pPr>
             <a:r>
-              <a:rPr b="0" lang="es-ES" sz="1600" spc="-1" strike="noStrike">
-                <a:solidFill>
-                  <a:srgbClr val="1c1c1c"/>
-                </a:solidFill>
-                <a:latin typeface="Source Sans Pro Light"/>
+              <a:rPr b="0" lang="es-ES" sz="1800" spc="-1" strike="noStrike">
+                <a:latin typeface="Arial"/>
               </a:rPr>
               <a:t>Fifth Outline Level</a:t>
             </a:r>
-            <a:endParaRPr b="0" lang="es-ES" sz="1600" spc="-1" strike="noStrike">
-              <a:solidFill>
-                <a:srgbClr val="1c1c1c"/>
-              </a:solidFill>
-              <a:latin typeface="Source Sans Pro Light"/>
-            </a:endParaRPr>
-          </a:p>
-          <a:p>
-            <a:pPr lvl="5" marL="1440000">
-              <a:spcAft>
+            <a:endParaRPr b="0" lang="es-ES" sz="1800" spc="-1" strike="noStrike">
+              <a:latin typeface="Arial"/>
+            </a:endParaRPr>
+          </a:p>
+          <a:p>
+            <a:pPr lvl="5" marL="2592000" indent="-216000">
+              <a:spcBef>
                 <a:spcPts val="283"/>
-              </a:spcAft>
+              </a:spcBef>
+              <a:buClr>
+                <a:srgbClr val="000000"/>
+              </a:buClr>
+              <a:buSzPct val="45000"/>
+              <a:buFont typeface="Wingdings" charset="2"/>
+              <a:buChar char=""/>
             </a:pPr>
             <a:r>
-              <a:rPr b="0" lang="es-ES" sz="1600" spc="-1" strike="noStrike">
-                <a:solidFill>
-                  <a:srgbClr val="1c1c1c"/>
-                </a:solidFill>
-                <a:latin typeface="Source Sans Pro Light"/>
+              <a:rPr b="0" lang="es-ES" sz="1800" spc="-1" strike="noStrike">
+                <a:latin typeface="Arial"/>
               </a:rPr>
               <a:t>Sixth Outline Level</a:t>
             </a:r>
-            <a:endParaRPr b="0" lang="es-ES" sz="1600" spc="-1" strike="noStrike">
-              <a:solidFill>
-                <a:srgbClr val="1c1c1c"/>
-              </a:solidFill>
-              <a:latin typeface="Source Sans Pro Light"/>
-            </a:endParaRPr>
-          </a:p>
-          <a:p>
-            <a:pPr lvl="6" marL="1728000">
-              <a:spcAft>
+            <a:endParaRPr b="0" lang="es-ES" sz="1800" spc="-1" strike="noStrike">
+              <a:latin typeface="Arial"/>
+            </a:endParaRPr>
+          </a:p>
+          <a:p>
+            <a:pPr lvl="6" marL="3024000" indent="-216000">
+              <a:spcBef>
                 <a:spcPts val="283"/>
-              </a:spcAft>
+              </a:spcBef>
+              <a:buClr>
+                <a:srgbClr val="000000"/>
+              </a:buClr>
+              <a:buSzPct val="45000"/>
+              <a:buFont typeface="Wingdings" charset="2"/>
+              <a:buChar char=""/>
             </a:pPr>
             <a:r>
-              <a:rPr b="0" lang="es-ES" sz="1600" spc="-1" strike="noStrike">
-                <a:solidFill>
-                  <a:srgbClr val="1c1c1c"/>
-                </a:solidFill>
-                <a:latin typeface="Source Sans Pro Light"/>
+              <a:rPr b="0" lang="es-ES" sz="1800" spc="-1" strike="noStrike">
+                <a:latin typeface="Arial"/>
               </a:rPr>
               <a:t>Seventh Outline Level</a:t>
             </a:r>
-            <a:endParaRPr b="0" lang="es-ES" sz="1600" spc="-1" strike="noStrike">
-              <a:solidFill>
-                <a:srgbClr val="1c1c1c"/>
-              </a:solidFill>
-              <a:latin typeface="Source Sans Pro Light"/>
-            </a:endParaRPr>
-          </a:p>
-        </p:txBody>
-      </p:sp>
-      <p:sp>
-        <p:nvSpPr>
-          <p:cNvPr id="6" name="PlaceHolder 7"/>
-          <p:cNvSpPr>
-            <a:spLocks noGrp="1"/>
-          </p:cNvSpPr>
-          <p:nvPr>
-            <p:ph type="dt"/>
-          </p:nvPr>
-        </p:nvSpPr>
-        <p:spPr>
-          <a:xfrm>
-            <a:off x="7560000" y="6840000"/>
-            <a:ext cx="2340000" cy="521640"/>
-          </a:xfrm>
-          <a:prstGeom prst="rect">
-            <a:avLst/>
-          </a:prstGeom>
-        </p:spPr>
-        <p:txBody>
-          <a:bodyPr lIns="0" rIns="0" tIns="0" bIns="0" anchor="ctr">
-            <a:noAutofit/>
-          </a:bodyPr>
-          <a:p>
-            <a:pPr algn="r"/>
-            <a:r>
-              <a:rPr b="1" lang="es-ES" sz="1800" spc="-1" strike="noStrike">
-                <a:solidFill>
-                  <a:srgbClr val="ffffff"/>
-                </a:solidFill>
-                <a:latin typeface="Source Sans Pro Black"/>
-              </a:rPr>
-              <a:t>&lt;date/time&gt;</a:t>
-            </a:r>
-            <a:endParaRPr b="1" lang="es-ES" sz="1800" spc="-1" strike="noStrike">
-              <a:solidFill>
-                <a:srgbClr val="ffffff"/>
-              </a:solidFill>
-              <a:latin typeface="Source Sans Pro Black"/>
-            </a:endParaRPr>
-          </a:p>
-        </p:txBody>
-      </p:sp>
-      <p:sp>
-        <p:nvSpPr>
-          <p:cNvPr id="7" name="PlaceHolder 8"/>
-          <p:cNvSpPr>
-            <a:spLocks noGrp="1"/>
-          </p:cNvSpPr>
-          <p:nvPr>
-            <p:ph type="ftr"/>
-          </p:nvPr>
-        </p:nvSpPr>
-        <p:spPr>
-          <a:xfrm>
-            <a:off x="1080000" y="6840000"/>
-            <a:ext cx="3240000" cy="540000"/>
-          </a:xfrm>
-          <a:prstGeom prst="rect">
-            <a:avLst/>
-          </a:prstGeom>
-        </p:spPr>
-        <p:txBody>
-          <a:bodyPr lIns="0" rIns="0" tIns="0" bIns="0" anchor="ctr">
-            <a:noAutofit/>
-          </a:bodyPr>
-          <a:p>
-            <a:pPr algn="ctr"/>
-            <a:r>
-              <a:rPr b="1" lang="es-ES" sz="1800" spc="-1" strike="noStrike">
-                <a:solidFill>
-                  <a:srgbClr val="ffffff"/>
-                </a:solidFill>
-                <a:latin typeface="Source Sans Pro Black"/>
-              </a:rPr>
-              <a:t>&lt;footer&gt;</a:t>
-            </a:r>
-            <a:endParaRPr b="1" lang="es-ES" sz="1800" spc="-1" strike="noStrike">
-              <a:solidFill>
-                <a:srgbClr val="ffffff"/>
-              </a:solidFill>
-              <a:latin typeface="Source Sans Pro Black"/>
-            </a:endParaRPr>
-          </a:p>
-        </p:txBody>
-      </p:sp>
-      <p:sp>
-        <p:nvSpPr>
-          <p:cNvPr id="8" name="PlaceHolder 9"/>
-          <p:cNvSpPr>
-            <a:spLocks noGrp="1"/>
-          </p:cNvSpPr>
-          <p:nvPr>
-            <p:ph type="sldNum"/>
-          </p:nvPr>
-        </p:nvSpPr>
-        <p:spPr>
-          <a:xfrm>
-            <a:off x="180000" y="6840000"/>
-            <a:ext cx="540000" cy="540000"/>
-          </a:xfrm>
-          <a:prstGeom prst="rect">
-            <a:avLst/>
-          </a:prstGeom>
-        </p:spPr>
-        <p:txBody>
-          <a:bodyPr lIns="0" rIns="0" tIns="0" bIns="0" anchor="ctr">
-            <a:noAutofit/>
-          </a:bodyPr>
-          <a:p>
-            <a:pPr algn="ctr"/>
-            <a:fld id="{B7508371-27DF-4722-8343-2E3383561E91}" type="slidenum">
-              <a:rPr b="1" lang="es-ES" sz="1800" spc="-1" strike="noStrike">
-                <a:solidFill>
-                  <a:srgbClr val="ffffff"/>
-                </a:solidFill>
-                <a:latin typeface="Source Sans Pro Black"/>
-              </a:rPr>
-              <a:t>&lt;number&gt;</a:t>
-            </a:fld>
-            <a:endParaRPr b="1" lang="es-ES" sz="1800" spc="-1" strike="noStrike">
-              <a:solidFill>
-                <a:srgbClr val="ffffff"/>
-              </a:solidFill>
-              <a:latin typeface="Source Sans Pro Black"/>
+            <a:endParaRPr b="0" lang="es-ES" sz="1800" spc="-1" strike="noStrike">
+              <a:latin typeface="Arial"/>
             </a:endParaRPr>
           </a:p>
         </p:txBody>
@@ -3440,14 +3031,14 @@
       </p:grpSpPr>
       <p:sp>
         <p:nvSpPr>
-          <p:cNvPr id="45" name="CustomShape 1"/>
+          <p:cNvPr id="39" name="CustomShape 1"/>
           <p:cNvSpPr/>
           <p:nvPr/>
         </p:nvSpPr>
         <p:spPr>
           <a:xfrm>
-            <a:off x="0" y="3150000"/>
-            <a:ext cx="9720000" cy="1260000"/>
+            <a:off x="0" y="180000"/>
+            <a:ext cx="9719280" cy="1259280"/>
           </a:xfrm>
           <a:prstGeom prst="rect">
             <a:avLst/>
@@ -3455,7 +3046,7 @@
           <a:solidFill>
             <a:srgbClr val="e74c3c"/>
           </a:solidFill>
-          <a:ln>
+          <a:ln w="72000">
             <a:noFill/>
           </a:ln>
         </p:spPr>
@@ -3468,7 +3059,89 @@
       </p:sp>
       <p:sp>
         <p:nvSpPr>
-          <p:cNvPr id="46" name="PlaceHolder 2"/>
+          <p:cNvPr id="40" name="CustomShape 2"/>
+          <p:cNvSpPr/>
+          <p:nvPr/>
+        </p:nvSpPr>
+        <p:spPr>
+          <a:xfrm>
+            <a:off x="7560000" y="6840000"/>
+            <a:ext cx="2519280" cy="539280"/>
+          </a:xfrm>
+          <a:prstGeom prst="rect">
+            <a:avLst/>
+          </a:prstGeom>
+          <a:solidFill>
+            <a:srgbClr val="e74c3c"/>
+          </a:solidFill>
+          <a:ln w="72000">
+            <a:noFill/>
+          </a:ln>
+        </p:spPr>
+        <p:style>
+          <a:lnRef idx="0"/>
+          <a:fillRef idx="0"/>
+          <a:effectRef idx="0"/>
+          <a:fontRef idx="minor"/>
+        </p:style>
+      </p:sp>
+      <p:sp>
+        <p:nvSpPr>
+          <p:cNvPr id="41" name="CustomShape 3"/>
+          <p:cNvSpPr/>
+          <p:nvPr/>
+        </p:nvSpPr>
+        <p:spPr>
+          <a:xfrm>
+            <a:off x="900000" y="6840000"/>
+            <a:ext cx="6479280" cy="539280"/>
+          </a:xfrm>
+          <a:prstGeom prst="rect">
+            <a:avLst/>
+          </a:prstGeom>
+          <a:solidFill>
+            <a:srgbClr val="bdc3c7"/>
+          </a:solidFill>
+          <a:ln w="72000">
+            <a:noFill/>
+          </a:ln>
+        </p:spPr>
+        <p:style>
+          <a:lnRef idx="0"/>
+          <a:fillRef idx="0"/>
+          <a:effectRef idx="0"/>
+          <a:fontRef idx="minor"/>
+        </p:style>
+      </p:sp>
+      <p:sp>
+        <p:nvSpPr>
+          <p:cNvPr id="42" name="CustomShape 4"/>
+          <p:cNvSpPr/>
+          <p:nvPr/>
+        </p:nvSpPr>
+        <p:spPr>
+          <a:xfrm>
+            <a:off x="180000" y="6840000"/>
+            <a:ext cx="539280" cy="539280"/>
+          </a:xfrm>
+          <a:prstGeom prst="rect">
+            <a:avLst/>
+          </a:prstGeom>
+          <a:noFill/>
+          <a:ln w="72000">
+            <a:noFill/>
+          </a:ln>
+        </p:spPr>
+        <p:style>
+          <a:lnRef idx="0"/>
+          <a:fillRef idx="0"/>
+          <a:effectRef idx="0"/>
+          <a:fontRef idx="minor"/>
+        </p:style>
+      </p:sp>
+      <p:sp>
+        <p:nvSpPr>
+          <p:cNvPr id="43" name="PlaceHolder 5"/>
           <p:cNvSpPr>
             <a:spLocks noGrp="1"/>
           </p:cNvSpPr>
@@ -3478,39 +3151,34 @@
         </p:nvSpPr>
         <p:spPr>
           <a:xfrm>
-            <a:off x="360000" y="3330000"/>
-            <a:ext cx="9360000" cy="900000"/>
-          </a:xfrm>
-          <a:prstGeom prst="rect">
-            <a:avLst/>
-          </a:prstGeom>
-        </p:spPr>
-        <p:txBody>
-          <a:bodyPr lIns="0" rIns="0" tIns="0" bIns="0" anchor="b">
+            <a:off x="504000" y="301320"/>
+            <a:ext cx="9072000" cy="1261800"/>
+          </a:xfrm>
+          <a:prstGeom prst="rect">
+            <a:avLst/>
+          </a:prstGeom>
+        </p:spPr>
+        <p:txBody>
+          <a:bodyPr lIns="0" rIns="0" tIns="0" bIns="0" anchor="ctr">
             <a:noAutofit/>
           </a:bodyPr>
           <a:p>
+            <a:pPr algn="ctr"/>
             <a:r>
-              <a:rPr b="1" lang="es-ES" sz="3200" spc="-1" strike="noStrike">
-                <a:solidFill>
-                  <a:srgbClr val="ffffff"/>
-                </a:solidFill>
-                <a:latin typeface="Source Sans Pro Black"/>
+              <a:rPr b="0" lang="es-ES" sz="4400" spc="-1" strike="noStrike">
+                <a:latin typeface="Arial"/>
               </a:rPr>
               <a:t>Click to edit the title text format</a:t>
             </a:r>
-            <a:endParaRPr b="1" lang="es-ES" sz="3200" spc="-1" strike="noStrike">
-              <a:solidFill>
-                <a:srgbClr val="ffffff"/>
-              </a:solidFill>
-              <a:latin typeface="Source Sans Pro Black"/>
-            </a:endParaRPr>
-          </a:p>
-        </p:txBody>
-      </p:sp>
-      <p:sp>
-        <p:nvSpPr>
-          <p:cNvPr id="47" name="PlaceHolder 3"/>
+            <a:endParaRPr b="0" lang="es-ES" sz="4400" spc="-1" strike="noStrike">
+              <a:latin typeface="Arial"/>
+            </a:endParaRPr>
+          </a:p>
+        </p:txBody>
+      </p:sp>
+      <p:sp>
+        <p:nvSpPr>
+          <p:cNvPr id="44" name="PlaceHolder 6"/>
           <p:cNvSpPr>
             <a:spLocks noGrp="1"/>
           </p:cNvSpPr>
@@ -3520,8 +3188,8 @@
         </p:nvSpPr>
         <p:spPr>
           <a:xfrm>
-            <a:off x="540000" y="4680000"/>
-            <a:ext cx="9180000" cy="2520000"/>
+            <a:off x="504000" y="1768680"/>
+            <a:ext cx="9072000" cy="4384080"/>
           </a:xfrm>
           <a:prstGeom prst="rect">
             <a:avLst/>
@@ -3529,288 +3197,160 @@
         </p:spPr>
         <p:txBody>
           <a:bodyPr lIns="0" rIns="0" tIns="0" bIns="0">
-            <a:normAutofit fontScale="94000"/>
-          </a:bodyPr>
-          <a:p>
-            <a:pPr>
-              <a:spcAft>
-                <a:spcPts val="1142"/>
-              </a:spcAft>
+            <a:normAutofit/>
+          </a:bodyPr>
+          <a:p>
+            <a:pPr marL="432000" indent="-324000">
+              <a:spcBef>
+                <a:spcPts val="1417"/>
+              </a:spcBef>
+              <a:buClr>
+                <a:srgbClr val="000000"/>
+              </a:buClr>
+              <a:buSzPct val="45000"/>
+              <a:buFont typeface="Wingdings" charset="2"/>
+              <a:buChar char=""/>
             </a:pPr>
             <a:r>
-              <a:rPr b="1" lang="es-ES" sz="2600" spc="-1" strike="noStrike">
-                <a:solidFill>
-                  <a:srgbClr val="1c1c1c"/>
-                </a:solidFill>
-                <a:latin typeface="Source Sans Pro Semibold"/>
+              <a:rPr b="0" lang="es-ES" sz="3200" spc="-1" strike="noStrike">
+                <a:latin typeface="Arial"/>
               </a:rPr>
               <a:t>Click to edit the outline text format</a:t>
             </a:r>
-            <a:endParaRPr b="1" lang="es-ES" sz="2600" spc="-1" strike="noStrike">
-              <a:solidFill>
-                <a:srgbClr val="1c1c1c"/>
-              </a:solidFill>
-              <a:latin typeface="Source Sans Pro Semibold"/>
-            </a:endParaRPr>
-          </a:p>
-          <a:p>
-            <a:pPr lvl="1" marL="288000">
-              <a:spcAft>
-                <a:spcPts val="1131"/>
-              </a:spcAft>
+            <a:endParaRPr b="0" lang="es-ES" sz="3200" spc="-1" strike="noStrike">
+              <a:latin typeface="Arial"/>
+            </a:endParaRPr>
+          </a:p>
+          <a:p>
+            <a:pPr lvl="1" marL="864000" indent="-324000">
+              <a:spcBef>
+                <a:spcPts val="1134"/>
+              </a:spcBef>
+              <a:buClr>
+                <a:srgbClr val="000000"/>
+              </a:buClr>
+              <a:buSzPct val="75000"/>
+              <a:buFont typeface="Symbol" charset="2"/>
+              <a:buChar char=""/>
             </a:pPr>
             <a:r>
-              <a:rPr b="0" lang="es-ES" sz="2200" spc="-1" strike="noStrike">
-                <a:solidFill>
-                  <a:srgbClr val="1c1c1c"/>
-                </a:solidFill>
-                <a:latin typeface="Source Sans Pro Light"/>
+              <a:rPr b="0" lang="es-ES" sz="2800" spc="-1" strike="noStrike">
+                <a:latin typeface="Arial"/>
               </a:rPr>
               <a:t>Second Outline Level</a:t>
             </a:r>
-            <a:endParaRPr b="0" lang="es-ES" sz="2200" spc="-1" strike="noStrike">
-              <a:solidFill>
-                <a:srgbClr val="1c1c1c"/>
-              </a:solidFill>
-              <a:latin typeface="Source Sans Pro Light"/>
-            </a:endParaRPr>
-          </a:p>
-          <a:p>
-            <a:pPr lvl="2" marL="576000">
-              <a:spcAft>
+            <a:endParaRPr b="0" lang="es-ES" sz="2800" spc="-1" strike="noStrike">
+              <a:latin typeface="Arial"/>
+            </a:endParaRPr>
+          </a:p>
+          <a:p>
+            <a:pPr lvl="2" marL="1296000" indent="-288000">
+              <a:spcBef>
                 <a:spcPts val="850"/>
-              </a:spcAft>
+              </a:spcBef>
+              <a:buClr>
+                <a:srgbClr val="000000"/>
+              </a:buClr>
+              <a:buSzPct val="45000"/>
+              <a:buFont typeface="Wingdings" charset="2"/>
+              <a:buChar char=""/>
             </a:pPr>
             <a:r>
-              <a:rPr b="0" lang="es-ES" sz="1800" spc="-1" strike="noStrike">
-                <a:solidFill>
-                  <a:srgbClr val="1c1c1c"/>
-                </a:solidFill>
-                <a:latin typeface="Source Sans Pro Light"/>
+              <a:rPr b="0" lang="es-ES" sz="2400" spc="-1" strike="noStrike">
+                <a:latin typeface="Arial"/>
               </a:rPr>
               <a:t>Third Outline Level</a:t>
             </a:r>
-            <a:endParaRPr b="0" lang="es-ES" sz="1800" spc="-1" strike="noStrike">
-              <a:solidFill>
-                <a:srgbClr val="1c1c1c"/>
-              </a:solidFill>
-              <a:latin typeface="Source Sans Pro Light"/>
-            </a:endParaRPr>
-          </a:p>
-          <a:p>
-            <a:pPr lvl="3" marL="864000">
-              <a:spcAft>
+            <a:endParaRPr b="0" lang="es-ES" sz="2400" spc="-1" strike="noStrike">
+              <a:latin typeface="Arial"/>
+            </a:endParaRPr>
+          </a:p>
+          <a:p>
+            <a:pPr lvl="3" marL="1728000" indent="-216000">
+              <a:spcBef>
                 <a:spcPts val="567"/>
-              </a:spcAft>
+              </a:spcBef>
+              <a:buClr>
+                <a:srgbClr val="000000"/>
+              </a:buClr>
+              <a:buSzPct val="75000"/>
+              <a:buFont typeface="Symbol" charset="2"/>
+              <a:buChar char=""/>
             </a:pPr>
             <a:r>
-              <a:rPr b="0" lang="es-ES" sz="1600" spc="-1" strike="noStrike">
-                <a:solidFill>
-                  <a:srgbClr val="1c1c1c"/>
-                </a:solidFill>
-                <a:latin typeface="Source Sans Pro Light"/>
+              <a:rPr b="0" lang="es-ES" sz="2000" spc="-1" strike="noStrike">
+                <a:latin typeface="Arial"/>
               </a:rPr>
               <a:t>Fourth Outline Level</a:t>
             </a:r>
-            <a:endParaRPr b="0" lang="es-ES" sz="1600" spc="-1" strike="noStrike">
-              <a:solidFill>
-                <a:srgbClr val="1c1c1c"/>
-              </a:solidFill>
-              <a:latin typeface="Source Sans Pro Light"/>
-            </a:endParaRPr>
-          </a:p>
-          <a:p>
-            <a:pPr lvl="4" marL="1152000">
-              <a:spcAft>
+            <a:endParaRPr b="0" lang="es-ES" sz="2000" spc="-1" strike="noStrike">
+              <a:latin typeface="Arial"/>
+            </a:endParaRPr>
+          </a:p>
+          <a:p>
+            <a:pPr lvl="4" marL="2160000" indent="-216000">
+              <a:spcBef>
                 <a:spcPts val="283"/>
-              </a:spcAft>
+              </a:spcBef>
+              <a:buClr>
+                <a:srgbClr val="000000"/>
+              </a:buClr>
+              <a:buSzPct val="45000"/>
+              <a:buFont typeface="Wingdings" charset="2"/>
+              <a:buChar char=""/>
             </a:pPr>
             <a:r>
-              <a:rPr b="0" lang="es-ES" sz="1600" spc="-1" strike="noStrike">
-                <a:solidFill>
-                  <a:srgbClr val="1c1c1c"/>
-                </a:solidFill>
-                <a:latin typeface="Source Sans Pro Light"/>
+              <a:rPr b="0" lang="es-ES" sz="2000" spc="-1" strike="noStrike">
+                <a:latin typeface="Arial"/>
               </a:rPr>
               <a:t>Fifth Outline Level</a:t>
             </a:r>
-            <a:endParaRPr b="0" lang="es-ES" sz="1600" spc="-1" strike="noStrike">
-              <a:solidFill>
-                <a:srgbClr val="1c1c1c"/>
-              </a:solidFill>
-              <a:latin typeface="Source Sans Pro Light"/>
-            </a:endParaRPr>
-          </a:p>
-          <a:p>
-            <a:pPr lvl="5" marL="1440000">
-              <a:spcAft>
+            <a:endParaRPr b="0" lang="es-ES" sz="2000" spc="-1" strike="noStrike">
+              <a:latin typeface="Arial"/>
+            </a:endParaRPr>
+          </a:p>
+          <a:p>
+            <a:pPr lvl="5" marL="2592000" indent="-216000">
+              <a:spcBef>
                 <a:spcPts val="283"/>
-              </a:spcAft>
+              </a:spcBef>
+              <a:buClr>
+                <a:srgbClr val="000000"/>
+              </a:buClr>
+              <a:buSzPct val="45000"/>
+              <a:buFont typeface="Wingdings" charset="2"/>
+              <a:buChar char=""/>
             </a:pPr>
             <a:r>
-              <a:rPr b="0" lang="es-ES" sz="1600" spc="-1" strike="noStrike">
-                <a:solidFill>
-                  <a:srgbClr val="1c1c1c"/>
-                </a:solidFill>
-                <a:latin typeface="Source Sans Pro Light"/>
+              <a:rPr b="0" lang="es-ES" sz="2000" spc="-1" strike="noStrike">
+                <a:latin typeface="Arial"/>
               </a:rPr>
               <a:t>Sixth Outline Level</a:t>
             </a:r>
-            <a:endParaRPr b="0" lang="es-ES" sz="1600" spc="-1" strike="noStrike">
-              <a:solidFill>
-                <a:srgbClr val="1c1c1c"/>
-              </a:solidFill>
-              <a:latin typeface="Source Sans Pro Light"/>
-            </a:endParaRPr>
-          </a:p>
-          <a:p>
-            <a:pPr lvl="6" marL="1728000">
-              <a:spcAft>
+            <a:endParaRPr b="0" lang="es-ES" sz="2000" spc="-1" strike="noStrike">
+              <a:latin typeface="Arial"/>
+            </a:endParaRPr>
+          </a:p>
+          <a:p>
+            <a:pPr lvl="6" marL="3024000" indent="-216000">
+              <a:spcBef>
                 <a:spcPts val="283"/>
-              </a:spcAft>
+              </a:spcBef>
+              <a:buClr>
+                <a:srgbClr val="000000"/>
+              </a:buClr>
+              <a:buSzPct val="45000"/>
+              <a:buFont typeface="Wingdings" charset="2"/>
+              <a:buChar char=""/>
             </a:pPr>
             <a:r>
-              <a:rPr b="0" lang="es-ES" sz="1600" spc="-1" strike="noStrike">
-                <a:solidFill>
-                  <a:srgbClr val="1c1c1c"/>
-                </a:solidFill>
-                <a:latin typeface="Source Sans Pro Light"/>
+              <a:rPr b="0" lang="es-ES" sz="2000" spc="-1" strike="noStrike">
+                <a:latin typeface="Arial"/>
               </a:rPr>
               <a:t>Seventh Outline Level</a:t>
             </a:r>
-            <a:endParaRPr b="0" lang="es-ES" sz="1600" spc="-1" strike="noStrike">
-              <a:solidFill>
-                <a:srgbClr val="1c1c1c"/>
-              </a:solidFill>
-              <a:latin typeface="Source Sans Pro Light"/>
-            </a:endParaRPr>
-          </a:p>
-        </p:txBody>
-      </p:sp>
-      <p:sp>
-        <p:nvSpPr>
-          <p:cNvPr id="48" name="PlaceHolder 4"/>
-          <p:cNvSpPr>
-            <a:spLocks noGrp="1"/>
-          </p:cNvSpPr>
-          <p:nvPr>
-            <p:ph type="dt"/>
-          </p:nvPr>
-        </p:nvSpPr>
-        <p:spPr>
-          <a:xfrm>
-            <a:off x="7560000" y="6840000"/>
-            <a:ext cx="2340000" cy="540000"/>
-          </a:xfrm>
-          <a:prstGeom prst="rect">
-            <a:avLst/>
-          </a:prstGeom>
-        </p:spPr>
-        <p:txBody>
-          <a:bodyPr lIns="0" rIns="0" tIns="0" bIns="0" anchor="ctr">
-            <a:noAutofit/>
-          </a:bodyPr>
-          <a:p>
-            <a:r>
-              <a:rPr b="1" lang="es-ES" sz="1800" spc="-1" strike="noStrike">
-                <a:solidFill>
-                  <a:srgbClr val="e74c3c"/>
-                </a:solidFill>
-                <a:latin typeface="Source Sans Pro Black"/>
-              </a:rPr>
-              <a:t>&lt;date/time&gt;</a:t>
-            </a:r>
-            <a:endParaRPr b="1" lang="es-ES" sz="1800" spc="-1" strike="noStrike">
-              <a:solidFill>
-                <a:srgbClr val="e74c3c"/>
-              </a:solidFill>
-              <a:latin typeface="Source Sans Pro Black"/>
-            </a:endParaRPr>
-          </a:p>
-        </p:txBody>
-      </p:sp>
-      <p:sp>
-        <p:nvSpPr>
-          <p:cNvPr id="49" name="PlaceHolder 5"/>
-          <p:cNvSpPr>
-            <a:spLocks noGrp="1"/>
-          </p:cNvSpPr>
-          <p:nvPr>
-            <p:ph type="ftr"/>
-          </p:nvPr>
-        </p:nvSpPr>
-        <p:spPr>
-          <a:xfrm>
-            <a:off x="1080000" y="6840000"/>
-            <a:ext cx="3240000" cy="540000"/>
-          </a:xfrm>
-          <a:prstGeom prst="rect">
-            <a:avLst/>
-          </a:prstGeom>
-        </p:spPr>
-        <p:txBody>
-          <a:bodyPr lIns="0" rIns="0" tIns="0" bIns="0" anchor="ctr">
-            <a:noAutofit/>
-          </a:bodyPr>
-          <a:p>
-            <a:pPr algn="ctr"/>
-            <a:r>
-              <a:rPr b="1" lang="es-ES" sz="1800" spc="-1" strike="noStrike">
-                <a:solidFill>
-                  <a:srgbClr val="e74c3c"/>
-                </a:solidFill>
-                <a:latin typeface="Source Sans Pro Black"/>
-              </a:rPr>
-              <a:t>&lt;footer&gt;</a:t>
-            </a:r>
-            <a:endParaRPr b="1" lang="es-ES" sz="1800" spc="-1" strike="noStrike">
-              <a:solidFill>
-                <a:srgbClr val="e74c3c"/>
-              </a:solidFill>
-              <a:latin typeface="Source Sans Pro Black"/>
-            </a:endParaRPr>
-          </a:p>
-        </p:txBody>
-      </p:sp>
-      <p:sp>
-        <p:nvSpPr>
-          <p:cNvPr id="50" name="PlaceHolder 6"/>
-          <p:cNvSpPr>
-            <a:spLocks noGrp="1"/>
-          </p:cNvSpPr>
-          <p:nvPr>
-            <p:ph type="sldNum"/>
-          </p:nvPr>
-        </p:nvSpPr>
-        <p:spPr>
-          <a:xfrm>
-            <a:off x="180000" y="6840000"/>
-            <a:ext cx="540000" cy="540000"/>
-          </a:xfrm>
-          <a:prstGeom prst="rect">
-            <a:avLst/>
-          </a:prstGeom>
-        </p:spPr>
-        <p:txBody>
-          <a:bodyPr lIns="0" rIns="0" tIns="0" bIns="0">
-            <a:noAutofit/>
-          </a:bodyPr>
-          <a:p>
-            <a:pPr algn="r"/>
-            <a:fld id="{E8EEC5DD-7256-45B5-8AD5-4B44DA71A0FD}" type="slidenum">
-              <a:rPr b="1" lang="es-ES" sz="1800" spc="-1" strike="noStrike">
-                <a:solidFill>
-                  <a:srgbClr val="e74c3c"/>
-                </a:solidFill>
-                <a:latin typeface="Source Sans Pro Black"/>
-              </a:rPr>
-              <a:t>&lt;number&gt;</a:t>
-            </a:fld>
-            <a:endParaRPr b="1" lang="es-ES" sz="1800" spc="-1" strike="noStrike">
-              <a:solidFill>
-                <a:srgbClr val="e74c3c"/>
-              </a:solidFill>
-              <a:latin typeface="Source Sans Pro Black"/>
+            <a:endParaRPr b="0" lang="es-ES" sz="2000" spc="-1" strike="noStrike">
+              <a:latin typeface="Arial"/>
             </a:endParaRPr>
           </a:p>
         </p:txBody>
@@ -3854,14 +3394,14 @@
       </p:grpSpPr>
       <p:sp>
         <p:nvSpPr>
-          <p:cNvPr id="87" name="TextShape 1"/>
-          <p:cNvSpPr txBox="1"/>
+          <p:cNvPr id="81" name="CustomShape 1"/>
+          <p:cNvSpPr/>
           <p:nvPr/>
         </p:nvSpPr>
         <p:spPr>
           <a:xfrm>
             <a:off x="360000" y="3330000"/>
-            <a:ext cx="9360000" cy="900000"/>
+            <a:ext cx="9359280" cy="899280"/>
           </a:xfrm>
           <a:prstGeom prst="rect">
             <a:avLst/>
@@ -3871,39 +3411,48 @@
             <a:noFill/>
           </a:ln>
         </p:spPr>
+        <p:style>
+          <a:lnRef idx="0"/>
+          <a:fillRef idx="0"/>
+          <a:effectRef idx="0"/>
+          <a:fontRef idx="minor"/>
+        </p:style>
         <p:txBody>
           <a:bodyPr lIns="0" rIns="0" tIns="0" bIns="0" anchor="b">
             <a:noAutofit/>
           </a:bodyPr>
           <a:p>
+            <a:pPr>
+              <a:lnSpc>
+                <a:spcPct val="100000"/>
+              </a:lnSpc>
+            </a:pPr>
             <a:r>
               <a:rPr b="1" lang="es-ES" sz="3200" spc="-1" strike="noStrike">
                 <a:solidFill>
                   <a:srgbClr val="ffffff"/>
                 </a:solidFill>
                 <a:latin typeface="Source Sans Pro Black"/>
+                <a:ea typeface="DejaVu Sans"/>
               </a:rPr>
               <a:t>Inception</a:t>
             </a:r>
-            <a:endParaRPr b="1" lang="es-ES" sz="3200" spc="-1" strike="noStrike">
-              <a:solidFill>
-                <a:srgbClr val="ffffff"/>
-              </a:solidFill>
-              <a:latin typeface="Source Sans Pro Black"/>
-            </a:endParaRPr>
-          </a:p>
-        </p:txBody>
-      </p:sp>
-      <p:sp>
-        <p:nvSpPr>
-          <p:cNvPr id="88" name="TextShape 2"/>
-          <p:cNvSpPr txBox="1"/>
+            <a:endParaRPr b="0" lang="es-ES" sz="3200" spc="-1" strike="noStrike">
+              <a:latin typeface="Arial"/>
+            </a:endParaRPr>
+          </a:p>
+        </p:txBody>
+      </p:sp>
+      <p:sp>
+        <p:nvSpPr>
+          <p:cNvPr id="82" name="CustomShape 2"/>
+          <p:cNvSpPr/>
           <p:nvPr/>
         </p:nvSpPr>
         <p:spPr>
           <a:xfrm>
             <a:off x="6647760" y="5235840"/>
-            <a:ext cx="3044880" cy="1073520"/>
+            <a:ext cx="3044160" cy="1072800"/>
           </a:xfrm>
           <a:prstGeom prst="rect">
             <a:avLst/>
@@ -3913,101 +3462,124 @@
             <a:noFill/>
           </a:ln>
         </p:spPr>
+        <p:style>
+          <a:lnRef idx="0"/>
+          <a:fillRef idx="0"/>
+          <a:effectRef idx="0"/>
+          <a:fontRef idx="minor"/>
+        </p:style>
         <p:txBody>
           <a:bodyPr lIns="0" rIns="0" tIns="0" bIns="0">
             <a:noAutofit/>
           </a:bodyPr>
           <a:p>
+            <a:pPr>
+              <a:lnSpc>
+                <a:spcPct val="100000"/>
+              </a:lnSpc>
+            </a:pPr>
             <a:r>
               <a:rPr b="0" lang="es-ES" sz="2200" spc="-1" strike="noStrike">
                 <a:solidFill>
                   <a:srgbClr val="1c1c1c"/>
                 </a:solidFill>
                 <a:latin typeface="Source Sans Pro Light"/>
+                <a:ea typeface="DejaVu Sans"/>
               </a:rPr>
               <a:t>Andrew Fuentes</a:t>
             </a:r>
             <a:endParaRPr b="0" lang="es-ES" sz="2200" spc="-1" strike="noStrike">
-              <a:solidFill>
-                <a:srgbClr val="1c1c1c"/>
-              </a:solidFill>
-              <a:latin typeface="Source Sans Pro Light"/>
-            </a:endParaRPr>
-          </a:p>
-          <a:p>
+              <a:latin typeface="Arial"/>
+            </a:endParaRPr>
+          </a:p>
+          <a:p>
+            <a:pPr>
+              <a:lnSpc>
+                <a:spcPct val="100000"/>
+              </a:lnSpc>
+            </a:pPr>
             <a:r>
               <a:rPr b="0" lang="es-ES" sz="2200" spc="-1" strike="noStrike">
                 <a:solidFill>
                   <a:srgbClr val="1c1c1c"/>
                 </a:solidFill>
                 <a:latin typeface="Source Sans Pro Light"/>
+                <a:ea typeface="DejaVu Sans"/>
               </a:rPr>
               <a:t>Heider Delgado</a:t>
             </a:r>
             <a:endParaRPr b="0" lang="es-ES" sz="2200" spc="-1" strike="noStrike">
-              <a:solidFill>
-                <a:srgbClr val="1c1c1c"/>
-              </a:solidFill>
-              <a:latin typeface="Source Sans Pro Light"/>
-            </a:endParaRPr>
-          </a:p>
-          <a:p>
+              <a:latin typeface="Arial"/>
+            </a:endParaRPr>
+          </a:p>
+          <a:p>
+            <a:pPr>
+              <a:lnSpc>
+                <a:spcPct val="100000"/>
+              </a:lnSpc>
+            </a:pPr>
             <a:r>
               <a:rPr b="0" lang="es-ES" sz="2200" spc="-1" strike="noStrike">
                 <a:solidFill>
                   <a:srgbClr val="1c1c1c"/>
                 </a:solidFill>
                 <a:latin typeface="Source Sans Pro Light"/>
+                <a:ea typeface="DejaVu Sans"/>
               </a:rPr>
               <a:t>Katherine Colina</a:t>
             </a:r>
             <a:endParaRPr b="0" lang="es-ES" sz="2200" spc="-1" strike="noStrike">
-              <a:solidFill>
-                <a:srgbClr val="1c1c1c"/>
-              </a:solidFill>
-              <a:latin typeface="Source Sans Pro Light"/>
-            </a:endParaRPr>
-          </a:p>
-          <a:p>
+              <a:latin typeface="Arial"/>
+            </a:endParaRPr>
+          </a:p>
+          <a:p>
+            <a:pPr>
+              <a:lnSpc>
+                <a:spcPct val="100000"/>
+              </a:lnSpc>
+            </a:pPr>
             <a:r>
               <a:rPr b="0" lang="es-ES" sz="2200" spc="-1" strike="noStrike">
                 <a:solidFill>
                   <a:srgbClr val="1c1c1c"/>
                 </a:solidFill>
                 <a:latin typeface="Source Sans Pro Light"/>
+                <a:ea typeface="DejaVu Sans"/>
               </a:rPr>
               <a:t>Yesenia Gil</a:t>
             </a:r>
             <a:endParaRPr b="0" lang="es-ES" sz="2200" spc="-1" strike="noStrike">
-              <a:solidFill>
-                <a:srgbClr val="1c1c1c"/>
-              </a:solidFill>
-              <a:latin typeface="Source Sans Pro Light"/>
-            </a:endParaRPr>
-          </a:p>
-          <a:p>
+              <a:latin typeface="Arial"/>
+            </a:endParaRPr>
+          </a:p>
+          <a:p>
+            <a:pPr>
+              <a:lnSpc>
+                <a:spcPct val="100000"/>
+              </a:lnSpc>
+            </a:pPr>
             <a:r>
               <a:rPr b="0" lang="es-ES" sz="2200" spc="-1" strike="noStrike">
                 <a:solidFill>
                   <a:srgbClr val="1c1c1c"/>
                 </a:solidFill>
                 <a:latin typeface="Source Sans Pro Light"/>
+                <a:ea typeface="DejaVu Sans"/>
               </a:rPr>
               <a:t>Zulay Pineda</a:t>
             </a:r>
             <a:endParaRPr b="0" lang="es-ES" sz="2200" spc="-1" strike="noStrike">
-              <a:solidFill>
-                <a:srgbClr val="1c1c1c"/>
-              </a:solidFill>
-              <a:latin typeface="Source Sans Pro Light"/>
-            </a:endParaRPr>
-          </a:p>
-          <a:p>
+              <a:latin typeface="Arial"/>
+            </a:endParaRPr>
+          </a:p>
+          <a:p>
+            <a:pPr>
+              <a:lnSpc>
+                <a:spcPct val="100000"/>
+              </a:lnSpc>
+            </a:pPr>
             <a:endParaRPr b="0" lang="es-ES" sz="2200" spc="-1" strike="noStrike">
-              <a:solidFill>
-                <a:srgbClr val="1c1c1c"/>
-              </a:solidFill>
-              <a:latin typeface="Source Sans Pro Light"/>
+              <a:latin typeface="Arial"/>
             </a:endParaRPr>
           </a:p>
         </p:txBody>
@@ -4044,14 +3616,14 @@
       </p:grpSpPr>
       <p:sp>
         <p:nvSpPr>
-          <p:cNvPr id="89" name="TextShape 1"/>
-          <p:cNvSpPr txBox="1"/>
+          <p:cNvPr id="83" name="CustomShape 1"/>
+          <p:cNvSpPr/>
           <p:nvPr/>
         </p:nvSpPr>
         <p:spPr>
           <a:xfrm>
             <a:off x="360000" y="360000"/>
-            <a:ext cx="9360000" cy="900000"/>
+            <a:ext cx="9359280" cy="899280"/>
           </a:xfrm>
           <a:prstGeom prst="rect">
             <a:avLst/>
@@ -4061,32 +3633,41 @@
             <a:noFill/>
           </a:ln>
         </p:spPr>
+        <p:style>
+          <a:lnRef idx="0"/>
+          <a:fillRef idx="0"/>
+          <a:effectRef idx="0"/>
+          <a:fontRef idx="minor"/>
+        </p:style>
         <p:txBody>
           <a:bodyPr lIns="0" rIns="0" tIns="0" bIns="0" anchor="b">
             <a:noAutofit/>
           </a:bodyPr>
           <a:p>
+            <a:pPr>
+              <a:lnSpc>
+                <a:spcPct val="100000"/>
+              </a:lnSpc>
+            </a:pPr>
             <a:r>
               <a:rPr b="1" lang="es-ES" sz="3200" spc="-1" strike="noStrike">
                 <a:solidFill>
                   <a:srgbClr val="ffffff"/>
                 </a:solidFill>
                 <a:latin typeface="Source Sans Pro Black"/>
+                <a:ea typeface="DejaVu Sans"/>
               </a:rPr>
               <a:t>Modelo de datos</a:t>
             </a:r>
-            <a:endParaRPr b="1" lang="es-ES" sz="3200" spc="-1" strike="noStrike">
-              <a:solidFill>
-                <a:srgbClr val="ffffff"/>
-              </a:solidFill>
-              <a:latin typeface="Source Sans Pro Black"/>
+            <a:endParaRPr b="0" lang="es-ES" sz="3200" spc="-1" strike="noStrike">
+              <a:latin typeface="Arial"/>
             </a:endParaRPr>
           </a:p>
         </p:txBody>
       </p:sp>
       <p:pic>
         <p:nvPicPr>
-          <p:cNvPr id="90" name="" descr=""/>
+          <p:cNvPr id="84" name="" descr=""/>
           <p:cNvPicPr/>
           <p:nvPr/>
         </p:nvPicPr>
@@ -4097,7 +3678,7 @@
         <p:spPr>
           <a:xfrm>
             <a:off x="349560" y="1980000"/>
-            <a:ext cx="9190440" cy="4680000"/>
+            <a:ext cx="9189720" cy="4679280"/>
           </a:xfrm>
           <a:prstGeom prst="rect">
             <a:avLst/>
@@ -4139,14 +3720,14 @@
       </p:grpSpPr>
       <p:sp>
         <p:nvSpPr>
-          <p:cNvPr id="91" name="TextShape 1"/>
-          <p:cNvSpPr txBox="1"/>
+          <p:cNvPr id="85" name="CustomShape 1"/>
+          <p:cNvSpPr/>
           <p:nvPr/>
         </p:nvSpPr>
         <p:spPr>
           <a:xfrm>
             <a:off x="360000" y="360000"/>
-            <a:ext cx="9360000" cy="900000"/>
+            <a:ext cx="9359280" cy="899280"/>
           </a:xfrm>
           <a:prstGeom prst="rect">
             <a:avLst/>
@@ -4156,39 +3737,48 @@
             <a:noFill/>
           </a:ln>
         </p:spPr>
+        <p:style>
+          <a:lnRef idx="0"/>
+          <a:fillRef idx="0"/>
+          <a:effectRef idx="0"/>
+          <a:fontRef idx="minor"/>
+        </p:style>
         <p:txBody>
           <a:bodyPr lIns="0" rIns="0" tIns="0" bIns="0" anchor="b">
             <a:noAutofit/>
           </a:bodyPr>
           <a:p>
+            <a:pPr>
+              <a:lnSpc>
+                <a:spcPct val="100000"/>
+              </a:lnSpc>
+            </a:pPr>
             <a:r>
               <a:rPr b="1" lang="es-ES" sz="3200" spc="-1" strike="noStrike">
                 <a:solidFill>
                   <a:srgbClr val="ffffff"/>
                 </a:solidFill>
                 <a:latin typeface="Source Sans Pro Black"/>
+                <a:ea typeface="DejaVu Sans"/>
               </a:rPr>
               <a:t>Arquitectura</a:t>
             </a:r>
-            <a:endParaRPr b="1" lang="es-ES" sz="3200" spc="-1" strike="noStrike">
-              <a:solidFill>
-                <a:srgbClr val="ffffff"/>
-              </a:solidFill>
-              <a:latin typeface="Source Sans Pro Black"/>
-            </a:endParaRPr>
-          </a:p>
-        </p:txBody>
-      </p:sp>
-      <p:sp>
-        <p:nvSpPr>
-          <p:cNvPr id="92" name="TextShape 2"/>
-          <p:cNvSpPr txBox="1"/>
+            <a:endParaRPr b="0" lang="es-ES" sz="3200" spc="-1" strike="noStrike">
+              <a:latin typeface="Arial"/>
+            </a:endParaRPr>
+          </a:p>
+        </p:txBody>
+      </p:sp>
+      <p:sp>
+        <p:nvSpPr>
+          <p:cNvPr id="86" name="CustomShape 2"/>
+          <p:cNvSpPr/>
           <p:nvPr/>
         </p:nvSpPr>
         <p:spPr>
           <a:xfrm>
             <a:off x="360000" y="1980000"/>
-            <a:ext cx="9180000" cy="4680000"/>
+            <a:ext cx="9179280" cy="4679280"/>
           </a:xfrm>
           <a:prstGeom prst="rect">
             <a:avLst/>
@@ -4198,20 +3788,782 @@
             <a:noFill/>
           </a:ln>
         </p:spPr>
-        <p:txBody>
-          <a:bodyPr lIns="0" rIns="0" tIns="0" bIns="0">
-            <a:normAutofit/>
-          </a:bodyPr>
-          <a:p>
-            <a:endParaRPr b="1" lang="es-ES" sz="2600" spc="-1" strike="noStrike">
-              <a:solidFill>
-                <a:srgbClr val="1c1c1c"/>
-              </a:solidFill>
-              <a:latin typeface="Source Sans Pro Semibold"/>
-            </a:endParaRPr>
-          </a:p>
-        </p:txBody>
-      </p:sp>
+        <p:style>
+          <a:lnRef idx="0"/>
+          <a:fillRef idx="0"/>
+          <a:effectRef idx="0"/>
+          <a:fontRef idx="minor"/>
+        </p:style>
+      </p:sp>
+      <p:sp>
+        <p:nvSpPr>
+          <p:cNvPr id="87" name="CustomShape 3"/>
+          <p:cNvSpPr/>
+          <p:nvPr/>
+        </p:nvSpPr>
+        <p:spPr>
+          <a:xfrm>
+            <a:off x="91440" y="1463040"/>
+            <a:ext cx="3283920" cy="5577480"/>
+          </a:xfrm>
+          <a:prstGeom prst="rect">
+            <a:avLst/>
+          </a:prstGeom>
+          <a:solidFill>
+            <a:srgbClr val="e74c3c"/>
+          </a:solidFill>
+          <a:ln>
+            <a:noFill/>
+          </a:ln>
+        </p:spPr>
+        <p:style>
+          <a:lnRef idx="0"/>
+          <a:fillRef idx="0"/>
+          <a:effectRef idx="0"/>
+          <a:fontRef idx="minor"/>
+        </p:style>
+        <p:txBody>
+          <a:bodyPr lIns="90000" rIns="90000" tIns="45000" bIns="45000" anchor="ctr">
+            <a:noAutofit/>
+          </a:bodyPr>
+          <a:p>
+            <a:pPr algn="ctr">
+              <a:lnSpc>
+                <a:spcPct val="90000"/>
+              </a:lnSpc>
+            </a:pPr>
+            <a:r>
+              <a:rPr b="1" lang="es-ES" sz="3200" spc="-1" strike="noStrike">
+                <a:solidFill>
+                  <a:srgbClr val="000000"/>
+                </a:solidFill>
+                <a:latin typeface="Calibri"/>
+              </a:rPr>
+              <a:t>ESTRUCTURA </a:t>
+            </a:r>
+            <a:br/>
+            <a:r>
+              <a:rPr b="1" lang="es-ES" sz="3200" spc="-1" strike="noStrike">
+                <a:solidFill>
+                  <a:srgbClr val="000000"/>
+                </a:solidFill>
+                <a:latin typeface="Calibri"/>
+              </a:rPr>
+              <a:t>MVC</a:t>
+            </a:r>
+            <a:endParaRPr b="0" lang="es-ES" sz="3200" spc="-1" strike="noStrike">
+              <a:latin typeface="Arial"/>
+            </a:endParaRPr>
+          </a:p>
+        </p:txBody>
+      </p:sp>
+      <p:graphicFrame>
+        <p:nvGraphicFramePr>
+          <p:cNvPr id="88" name="Table 4"/>
+          <p:cNvGraphicFramePr/>
+          <p:nvPr/>
+        </p:nvGraphicFramePr>
+        <p:xfrm>
+          <a:off x="3376080" y="1463040"/>
+          <a:ext cx="6499440" cy="5388480"/>
+        </p:xfrm>
+        <a:graphic>
+          <a:graphicData uri="http://schemas.openxmlformats.org/drawingml/2006/table">
+            <a:tbl>
+              <a:tblPr/>
+              <a:tblGrid>
+                <a:gridCol w="1978920"/>
+                <a:gridCol w="4520880"/>
+              </a:tblGrid>
+              <a:tr h="1728360">
+                <a:tc>
+                  <a:txBody>
+                    <a:bodyPr>
+                      <a:noAutofit/>
+                    </a:bodyPr>
+                    <a:p>
+                      <a:pPr algn="ctr">
+                        <a:lnSpc>
+                          <a:spcPct val="100000"/>
+                        </a:lnSpc>
+                      </a:pPr>
+                      <a:r>
+                        <a:rPr b="1" lang="es-ES" sz="1800" spc="-1" strike="noStrike">
+                          <a:solidFill>
+                            <a:srgbClr val="000000"/>
+                          </a:solidFill>
+                          <a:latin typeface="Calibri"/>
+                        </a:rPr>
+                        <a:t>MODELO</a:t>
+                      </a:r>
+                      <a:endParaRPr b="0" lang="es-ES" sz="1800" spc="-1" strike="noStrike">
+                        <a:latin typeface="Arial"/>
+                      </a:endParaRPr>
+                    </a:p>
+                  </a:txBody>
+                  <a:tcPr marL="91440" marR="91440">
+                    <a:lnL w="12240">
+                      <a:solidFill>
+                        <a:srgbClr val="ffffff"/>
+                      </a:solidFill>
+                    </a:lnL>
+                    <a:lnR w="12240">
+                      <a:solidFill>
+                        <a:srgbClr val="ffffff"/>
+                      </a:solidFill>
+                    </a:lnR>
+                    <a:lnT w="12240">
+                      <a:solidFill>
+                        <a:srgbClr val="ffffff"/>
+                      </a:solidFill>
+                    </a:lnT>
+                    <a:lnB w="38160">
+                      <a:solidFill>
+                        <a:srgbClr val="ffffff"/>
+                      </a:solidFill>
+                    </a:lnB>
+                    <a:solidFill>
+                      <a:srgbClr val="e74c3c"/>
+                    </a:solidFill>
+                  </a:tcPr>
+                </a:tc>
+                <a:tc>
+                  <a:txBody>
+                    <a:bodyPr>
+                      <a:noAutofit/>
+                    </a:bodyPr>
+                    <a:p>
+                      <a:pPr>
+                        <a:lnSpc>
+                          <a:spcPct val="100000"/>
+                        </a:lnSpc>
+                      </a:pPr>
+                      <a:r>
+                        <a:rPr b="0" lang="es-ES" sz="1800" spc="-1" strike="noStrike">
+                          <a:solidFill>
+                            <a:srgbClr val="000000"/>
+                          </a:solidFill>
+                          <a:latin typeface="Calibri"/>
+                        </a:rPr>
+                        <a:t>Para la implementación del modelo de datos previamente planteado se utilizara la herramienta </a:t>
+                      </a:r>
+                      <a:br/>
+                      <a:endParaRPr b="0" lang="es-ES" sz="1800" spc="-1" strike="noStrike">
+                        <a:latin typeface="Arial"/>
+                      </a:endParaRPr>
+                    </a:p>
+                    <a:p>
+                      <a:pPr>
+                        <a:lnSpc>
+                          <a:spcPct val="100000"/>
+                        </a:lnSpc>
+                      </a:pPr>
+                      <a:r>
+                        <a:rPr b="0" lang="es-ES" sz="1800" spc="-1" strike="noStrike">
+                          <a:solidFill>
+                            <a:srgbClr val="000000"/>
+                          </a:solidFill>
+                          <a:latin typeface="Calibri"/>
+                        </a:rPr>
+                        <a:t>MongoDB </a:t>
+                      </a:r>
+                      <a:endParaRPr b="0" lang="es-ES" sz="1800" spc="-1" strike="noStrike">
+                        <a:latin typeface="Arial"/>
+                      </a:endParaRPr>
+                    </a:p>
+                  </a:txBody>
+                  <a:tcPr marL="91440" marR="91440">
+                    <a:lnL w="12240">
+                      <a:solidFill>
+                        <a:srgbClr val="ffffff"/>
+                      </a:solidFill>
+                    </a:lnL>
+                    <a:lnR w="12240">
+                      <a:solidFill>
+                        <a:srgbClr val="ffffff"/>
+                      </a:solidFill>
+                    </a:lnR>
+                    <a:lnT w="12240">
+                      <a:solidFill>
+                        <a:srgbClr val="ffffff"/>
+                      </a:solidFill>
+                    </a:lnT>
+                    <a:lnB w="38160">
+                      <a:solidFill>
+                        <a:srgbClr val="ffffff"/>
+                      </a:solidFill>
+                    </a:lnB>
+                    <a:solidFill>
+                      <a:srgbClr val="e74c3c"/>
+                    </a:solidFill>
+                  </a:tcPr>
+                </a:tc>
+              </a:tr>
+              <a:tr h="1728360">
+                <a:tc>
+                  <a:txBody>
+                    <a:bodyPr>
+                      <a:noAutofit/>
+                    </a:bodyPr>
+                    <a:p>
+                      <a:pPr algn="ctr">
+                        <a:lnSpc>
+                          <a:spcPct val="100000"/>
+                        </a:lnSpc>
+                      </a:pPr>
+                      <a:r>
+                        <a:rPr b="1" lang="es-ES" sz="1800" spc="-1" strike="noStrike">
+                          <a:solidFill>
+                            <a:srgbClr val="000000"/>
+                          </a:solidFill>
+                          <a:latin typeface="Calibri"/>
+                        </a:rPr>
+                        <a:t>VISTA</a:t>
+                      </a:r>
+                      <a:endParaRPr b="0" lang="es-ES" sz="1800" spc="-1" strike="noStrike">
+                        <a:latin typeface="Arial"/>
+                      </a:endParaRPr>
+                    </a:p>
+                  </a:txBody>
+                  <a:tcPr marL="91440" marR="91440">
+                    <a:lnL w="12240">
+                      <a:solidFill>
+                        <a:srgbClr val="ffffff"/>
+                      </a:solidFill>
+                    </a:lnL>
+                    <a:lnR w="12240">
+                      <a:solidFill>
+                        <a:srgbClr val="ffffff"/>
+                      </a:solidFill>
+                    </a:lnR>
+                    <a:lnT w="12240">
+                      <a:solidFill>
+                        <a:srgbClr val="ffffff"/>
+                      </a:solidFill>
+                    </a:lnT>
+                    <a:lnB w="12240">
+                      <a:solidFill>
+                        <a:srgbClr val="ffffff"/>
+                      </a:solidFill>
+                    </a:lnB>
+                    <a:solidFill>
+                      <a:srgbClr val="ef7d71"/>
+                    </a:solidFill>
+                  </a:tcPr>
+                </a:tc>
+                <a:tc>
+                  <a:txBody>
+                    <a:bodyPr>
+                      <a:noAutofit/>
+                    </a:bodyPr>
+                    <a:p>
+                      <a:pPr>
+                        <a:lnSpc>
+                          <a:spcPct val="100000"/>
+                        </a:lnSpc>
+                      </a:pPr>
+                      <a:r>
+                        <a:rPr b="0" lang="es-ES" sz="1800" spc="-1" strike="noStrike">
+                          <a:solidFill>
+                            <a:srgbClr val="000000"/>
+                          </a:solidFill>
+                          <a:latin typeface="Calibri"/>
+                        </a:rPr>
+                        <a:t>Para el diseño e implementación de las interfaces de la aplicación web se utilizaran las siguientes herramientas:</a:t>
+                      </a:r>
+                      <a:endParaRPr b="0" lang="es-ES" sz="1800" spc="-1" strike="noStrike">
+                        <a:latin typeface="Arial"/>
+                      </a:endParaRPr>
+                    </a:p>
+                    <a:p>
+                      <a:pPr marL="285840" indent="-285120">
+                        <a:lnSpc>
+                          <a:spcPct val="100000"/>
+                        </a:lnSpc>
+                        <a:buClr>
+                          <a:srgbClr val="000000"/>
+                        </a:buClr>
+                        <a:buFont typeface="Arial"/>
+                        <a:buChar char="•"/>
+                      </a:pPr>
+                      <a:r>
+                        <a:rPr b="0" lang="es-ES" sz="1800" spc="-1" strike="noStrike">
+                          <a:solidFill>
+                            <a:srgbClr val="000000"/>
+                          </a:solidFill>
+                          <a:latin typeface="Calibri"/>
+                        </a:rPr>
+                        <a:t>HTML</a:t>
+                      </a:r>
+                      <a:endParaRPr b="0" lang="es-ES" sz="1800" spc="-1" strike="noStrike">
+                        <a:latin typeface="Arial"/>
+                      </a:endParaRPr>
+                    </a:p>
+                    <a:p>
+                      <a:pPr marL="285840" indent="-285120">
+                        <a:lnSpc>
+                          <a:spcPct val="100000"/>
+                        </a:lnSpc>
+                        <a:buClr>
+                          <a:srgbClr val="000000"/>
+                        </a:buClr>
+                        <a:buFont typeface="Arial"/>
+                        <a:buChar char="•"/>
+                      </a:pPr>
+                      <a:r>
+                        <a:rPr b="0" lang="es-ES" sz="1800" spc="-1" strike="noStrike">
+                          <a:solidFill>
+                            <a:srgbClr val="000000"/>
+                          </a:solidFill>
+                          <a:latin typeface="Calibri"/>
+                        </a:rPr>
+                        <a:t>CSS</a:t>
+                      </a:r>
+                      <a:endParaRPr b="0" lang="es-ES" sz="1800" spc="-1" strike="noStrike">
+                        <a:latin typeface="Arial"/>
+                      </a:endParaRPr>
+                    </a:p>
+                    <a:p>
+                      <a:pPr marL="285840" indent="-285120">
+                        <a:lnSpc>
+                          <a:spcPct val="100000"/>
+                        </a:lnSpc>
+                        <a:buClr>
+                          <a:srgbClr val="000000"/>
+                        </a:buClr>
+                        <a:buFont typeface="Arial"/>
+                        <a:buChar char="•"/>
+                      </a:pPr>
+                      <a:r>
+                        <a:rPr b="0" lang="es-ES" sz="1800" spc="-1" strike="noStrike">
+                          <a:solidFill>
+                            <a:srgbClr val="000000"/>
+                          </a:solidFill>
+                          <a:latin typeface="Calibri"/>
+                        </a:rPr>
+                        <a:t>JavaScript</a:t>
+                      </a:r>
+                      <a:endParaRPr b="0" lang="es-ES" sz="1800" spc="-1" strike="noStrike">
+                        <a:latin typeface="Arial"/>
+                      </a:endParaRPr>
+                    </a:p>
+                  </a:txBody>
+                  <a:tcPr marL="91440" marR="91440">
+                    <a:lnL w="12240">
+                      <a:solidFill>
+                        <a:srgbClr val="ffffff"/>
+                      </a:solidFill>
+                    </a:lnL>
+                    <a:lnR w="12240">
+                      <a:solidFill>
+                        <a:srgbClr val="ffffff"/>
+                      </a:solidFill>
+                    </a:lnR>
+                    <a:lnT w="12240">
+                      <a:solidFill>
+                        <a:srgbClr val="ffffff"/>
+                      </a:solidFill>
+                    </a:lnT>
+                    <a:lnB w="12240">
+                      <a:solidFill>
+                        <a:srgbClr val="ffffff"/>
+                      </a:solidFill>
+                    </a:lnB>
+                    <a:solidFill>
+                      <a:srgbClr val="ef7d71"/>
+                    </a:solidFill>
+                  </a:tcPr>
+                </a:tc>
+              </a:tr>
+              <a:tr h="1932120">
+                <a:tc>
+                  <a:txBody>
+                    <a:bodyPr>
+                      <a:noAutofit/>
+                    </a:bodyPr>
+                    <a:p>
+                      <a:pPr algn="ctr">
+                        <a:lnSpc>
+                          <a:spcPct val="100000"/>
+                        </a:lnSpc>
+                      </a:pPr>
+                      <a:r>
+                        <a:rPr b="1" lang="es-ES" sz="1800" spc="-1" strike="noStrike">
+                          <a:solidFill>
+                            <a:srgbClr val="000000"/>
+                          </a:solidFill>
+                          <a:latin typeface="Calibri"/>
+                        </a:rPr>
+                        <a:t>CONTROLADOR</a:t>
+                      </a:r>
+                      <a:endParaRPr b="0" lang="es-ES" sz="1800" spc="-1" strike="noStrike">
+                        <a:latin typeface="Arial"/>
+                      </a:endParaRPr>
+                    </a:p>
+                  </a:txBody>
+                  <a:tcPr marL="91440" marR="91440">
+                    <a:lnL w="12240">
+                      <a:solidFill>
+                        <a:srgbClr val="ffffff"/>
+                      </a:solidFill>
+                    </a:lnL>
+                    <a:lnR w="12240">
+                      <a:solidFill>
+                        <a:srgbClr val="ffffff"/>
+                      </a:solidFill>
+                    </a:lnR>
+                    <a:lnT w="12240">
+                      <a:solidFill>
+                        <a:srgbClr val="ffffff"/>
+                      </a:solidFill>
+                    </a:lnT>
+                    <a:lnB w="12240">
+                      <a:solidFill>
+                        <a:srgbClr val="ffffff"/>
+                      </a:solidFill>
+                    </a:lnB>
+                    <a:solidFill>
+                      <a:srgbClr val="f6d7d4"/>
+                    </a:solidFill>
+                  </a:tcPr>
+                </a:tc>
+                <a:tc>
+                  <a:txBody>
+                    <a:bodyPr>
+                      <a:noAutofit/>
+                    </a:bodyPr>
+                    <a:p>
+                      <a:pPr>
+                        <a:lnSpc>
+                          <a:spcPct val="100000"/>
+                        </a:lnSpc>
+                      </a:pPr>
+                      <a:r>
+                        <a:rPr b="0" lang="es-ES" sz="1800" spc="-1" strike="noStrike">
+                          <a:solidFill>
+                            <a:srgbClr val="000000"/>
+                          </a:solidFill>
+                          <a:latin typeface="Calibri"/>
+                        </a:rPr>
+                        <a:t>Para la interacción con la base de datos, desarrollar funcionalidades de la aplicación y generar pruebas se utilizaran las herramientas:</a:t>
+                      </a:r>
+                      <a:endParaRPr b="0" lang="es-ES" sz="1800" spc="-1" strike="noStrike">
+                        <a:latin typeface="Arial"/>
+                      </a:endParaRPr>
+                    </a:p>
+                    <a:p>
+                      <a:pPr marL="285840" indent="-285120">
+                        <a:lnSpc>
+                          <a:spcPct val="100000"/>
+                        </a:lnSpc>
+                        <a:buClr>
+                          <a:srgbClr val="000000"/>
+                        </a:buClr>
+                        <a:buFont typeface="Arial"/>
+                        <a:buChar char="•"/>
+                      </a:pPr>
+                      <a:r>
+                        <a:rPr b="0" lang="es-ES" sz="1800" spc="-1" strike="noStrike">
+                          <a:solidFill>
+                            <a:srgbClr val="000000"/>
+                          </a:solidFill>
+                          <a:latin typeface="Calibri"/>
+                        </a:rPr>
+                        <a:t>Python</a:t>
+                      </a:r>
+                      <a:endParaRPr b="0" lang="es-ES" sz="1800" spc="-1" strike="noStrike">
+                        <a:latin typeface="Arial"/>
+                      </a:endParaRPr>
+                    </a:p>
+                    <a:p>
+                      <a:pPr marL="285840" indent="-285120">
+                        <a:lnSpc>
+                          <a:spcPct val="100000"/>
+                        </a:lnSpc>
+                        <a:buClr>
+                          <a:srgbClr val="000000"/>
+                        </a:buClr>
+                        <a:buFont typeface="Arial"/>
+                        <a:buChar char="•"/>
+                      </a:pPr>
+                      <a:r>
+                        <a:rPr b="0" lang="es-ES" sz="1800" spc="-1" strike="noStrike">
+                          <a:solidFill>
+                            <a:srgbClr val="000000"/>
+                          </a:solidFill>
+                          <a:latin typeface="Calibri"/>
+                        </a:rPr>
+                        <a:t>PyMongo</a:t>
+                      </a:r>
+                      <a:endParaRPr b="0" lang="es-ES" sz="1800" spc="-1" strike="noStrike">
+                        <a:latin typeface="Arial"/>
+                      </a:endParaRPr>
+                    </a:p>
+                    <a:p>
+                      <a:pPr marL="285840" indent="-285120">
+                        <a:lnSpc>
+                          <a:spcPct val="100000"/>
+                        </a:lnSpc>
+                        <a:buClr>
+                          <a:srgbClr val="000000"/>
+                        </a:buClr>
+                        <a:buFont typeface="Arial"/>
+                        <a:buChar char="•"/>
+                      </a:pPr>
+                      <a:r>
+                        <a:rPr b="0" lang="es-ES" sz="1800" spc="-1" strike="noStrike">
+                          <a:solidFill>
+                            <a:srgbClr val="000000"/>
+                          </a:solidFill>
+                          <a:latin typeface="Calibri"/>
+                        </a:rPr>
+                        <a:t>Micro framework web Flask</a:t>
+                      </a:r>
+                      <a:endParaRPr b="0" lang="es-ES" sz="1800" spc="-1" strike="noStrike">
+                        <a:latin typeface="Arial"/>
+                      </a:endParaRPr>
+                    </a:p>
+                    <a:p>
+                      <a:pPr marL="285840" indent="-285120">
+                        <a:lnSpc>
+                          <a:spcPct val="100000"/>
+                        </a:lnSpc>
+                        <a:buClr>
+                          <a:srgbClr val="000000"/>
+                        </a:buClr>
+                        <a:buFont typeface="Arial"/>
+                        <a:buChar char="•"/>
+                      </a:pPr>
+                      <a:r>
+                        <a:rPr b="0" lang="es-ES" sz="1800" spc="-1" strike="noStrike">
+                          <a:solidFill>
+                            <a:srgbClr val="000000"/>
+                          </a:solidFill>
+                          <a:latin typeface="Calibri"/>
+                        </a:rPr>
+                        <a:t>Selenium</a:t>
+                      </a:r>
+                      <a:endParaRPr b="0" lang="es-ES" sz="1800" spc="-1" strike="noStrike">
+                        <a:latin typeface="Arial"/>
+                      </a:endParaRPr>
+                    </a:p>
+                  </a:txBody>
+                  <a:tcPr marL="91440" marR="91440">
+                    <a:lnL w="12240">
+                      <a:solidFill>
+                        <a:srgbClr val="ffffff"/>
+                      </a:solidFill>
+                    </a:lnL>
+                    <a:lnR w="12240">
+                      <a:solidFill>
+                        <a:srgbClr val="ffffff"/>
+                      </a:solidFill>
+                    </a:lnR>
+                    <a:lnT w="12240">
+                      <a:solidFill>
+                        <a:srgbClr val="ffffff"/>
+                      </a:solidFill>
+                    </a:lnT>
+                    <a:lnB w="12240">
+                      <a:solidFill>
+                        <a:srgbClr val="ffffff"/>
+                      </a:solidFill>
+                    </a:lnB>
+                    <a:solidFill>
+                      <a:srgbClr val="f6d7d4"/>
+                    </a:solidFill>
+                  </a:tcPr>
+                </a:tc>
+              </a:tr>
+            </a:tbl>
+          </a:graphicData>
+        </a:graphic>
+      </p:graphicFrame>
+      <p:pic>
+        <p:nvPicPr>
+          <p:cNvPr id="89" name="Marcador de posición de imagen 11" descr=""/>
+          <p:cNvPicPr/>
+          <p:nvPr/>
+        </p:nvPicPr>
+        <p:blipFill>
+          <a:blip r:embed="rId1"/>
+          <a:srcRect l="0" t="6796" r="0" b="6796"/>
+          <a:stretch/>
+        </p:blipFill>
+        <p:spPr>
+          <a:xfrm>
+            <a:off x="8615880" y="2105640"/>
+            <a:ext cx="1063440" cy="886680"/>
+          </a:xfrm>
+          <a:prstGeom prst="rect">
+            <a:avLst/>
+          </a:prstGeom>
+          <a:ln>
+            <a:noFill/>
+          </a:ln>
+        </p:spPr>
+      </p:pic>
+      <p:pic>
+        <p:nvPicPr>
+          <p:cNvPr id="90" name="Imagen 8" descr=""/>
+          <p:cNvPicPr/>
+          <p:nvPr/>
+        </p:nvPicPr>
+        <p:blipFill>
+          <a:blip r:embed="rId2"/>
+          <a:stretch/>
+        </p:blipFill>
+        <p:spPr>
+          <a:xfrm>
+            <a:off x="8788320" y="6026760"/>
+            <a:ext cx="311400" cy="418680"/>
+          </a:xfrm>
+          <a:prstGeom prst="rect">
+            <a:avLst/>
+          </a:prstGeom>
+          <a:ln>
+            <a:noFill/>
+          </a:ln>
+        </p:spPr>
+      </p:pic>
+      <p:pic>
+        <p:nvPicPr>
+          <p:cNvPr id="91" name="Imagen 9" descr=""/>
+          <p:cNvPicPr/>
+          <p:nvPr/>
+        </p:nvPicPr>
+        <p:blipFill>
+          <a:blip r:embed="rId3"/>
+          <a:stretch/>
+        </p:blipFill>
+        <p:spPr>
+          <a:xfrm>
+            <a:off x="9073800" y="6132240"/>
+            <a:ext cx="304200" cy="321120"/>
+          </a:xfrm>
+          <a:prstGeom prst="rect">
+            <a:avLst/>
+          </a:prstGeom>
+          <a:ln>
+            <a:noFill/>
+          </a:ln>
+        </p:spPr>
+      </p:pic>
+      <p:pic>
+        <p:nvPicPr>
+          <p:cNvPr id="92" name="Imagen 10" descr=""/>
+          <p:cNvPicPr/>
+          <p:nvPr/>
+        </p:nvPicPr>
+        <p:blipFill>
+          <a:blip r:embed="rId4"/>
+          <a:stretch/>
+        </p:blipFill>
+        <p:spPr>
+          <a:xfrm>
+            <a:off x="9135360" y="6454080"/>
+            <a:ext cx="398520" cy="345600"/>
+          </a:xfrm>
+          <a:prstGeom prst="rect">
+            <a:avLst/>
+          </a:prstGeom>
+          <a:ln>
+            <a:noFill/>
+          </a:ln>
+        </p:spPr>
+      </p:pic>
+      <p:pic>
+        <p:nvPicPr>
+          <p:cNvPr id="93" name="Imagen 11" descr=""/>
+          <p:cNvPicPr/>
+          <p:nvPr/>
+        </p:nvPicPr>
+        <p:blipFill>
+          <a:blip r:embed="rId5"/>
+          <a:stretch/>
+        </p:blipFill>
+        <p:spPr>
+          <a:xfrm>
+            <a:off x="8701920" y="6362280"/>
+            <a:ext cx="408240" cy="377640"/>
+          </a:xfrm>
+          <a:prstGeom prst="rect">
+            <a:avLst/>
+          </a:prstGeom>
+          <a:ln>
+            <a:noFill/>
+          </a:ln>
+        </p:spPr>
+      </p:pic>
+      <p:pic>
+        <p:nvPicPr>
+          <p:cNvPr id="94" name="Imagen 12" descr=""/>
+          <p:cNvPicPr/>
+          <p:nvPr/>
+        </p:nvPicPr>
+        <p:blipFill>
+          <a:blip r:embed="rId6"/>
+          <a:stretch/>
+        </p:blipFill>
+        <p:spPr>
+          <a:xfrm>
+            <a:off x="8575920" y="3876120"/>
+            <a:ext cx="497160" cy="524880"/>
+          </a:xfrm>
+          <a:prstGeom prst="rect">
+            <a:avLst/>
+          </a:prstGeom>
+          <a:ln>
+            <a:noFill/>
+          </a:ln>
+        </p:spPr>
+      </p:pic>
+      <p:pic>
+        <p:nvPicPr>
+          <p:cNvPr id="95" name="Imagen 13" descr=""/>
+          <p:cNvPicPr/>
+          <p:nvPr/>
+        </p:nvPicPr>
+        <p:blipFill>
+          <a:blip r:embed="rId7"/>
+          <a:stretch/>
+        </p:blipFill>
+        <p:spPr>
+          <a:xfrm>
+            <a:off x="8360280" y="4137840"/>
+            <a:ext cx="712800" cy="752760"/>
+          </a:xfrm>
+          <a:prstGeom prst="rect">
+            <a:avLst/>
+          </a:prstGeom>
+          <a:ln>
+            <a:noFill/>
+          </a:ln>
+        </p:spPr>
+      </p:pic>
+      <p:pic>
+        <p:nvPicPr>
+          <p:cNvPr id="96" name="Imagen 14" descr=""/>
+          <p:cNvPicPr/>
+          <p:nvPr/>
+        </p:nvPicPr>
+        <p:blipFill>
+          <a:blip r:embed="rId8"/>
+          <a:stretch/>
+        </p:blipFill>
+        <p:spPr>
+          <a:xfrm>
+            <a:off x="7935840" y="3973680"/>
+            <a:ext cx="763920" cy="807120"/>
+          </a:xfrm>
+          <a:prstGeom prst="rect">
+            <a:avLst/>
+          </a:prstGeom>
+          <a:ln>
+            <a:noFill/>
+          </a:ln>
+        </p:spPr>
+      </p:pic>
     </p:spTree>
   </p:cSld>
   <mc:AlternateContent>
@@ -4244,14 +4596,14 @@
       </p:grpSpPr>
       <p:sp>
         <p:nvSpPr>
-          <p:cNvPr id="93" name="TextShape 1"/>
-          <p:cNvSpPr txBox="1"/>
+          <p:cNvPr id="97" name="CustomShape 1"/>
+          <p:cNvSpPr/>
           <p:nvPr/>
         </p:nvSpPr>
         <p:spPr>
           <a:xfrm>
             <a:off x="360000" y="360000"/>
-            <a:ext cx="9360000" cy="900000"/>
+            <a:ext cx="9359280" cy="899280"/>
           </a:xfrm>
           <a:prstGeom prst="rect">
             <a:avLst/>
@@ -4261,39 +4613,48 @@
             <a:noFill/>
           </a:ln>
         </p:spPr>
+        <p:style>
+          <a:lnRef idx="0"/>
+          <a:fillRef idx="0"/>
+          <a:effectRef idx="0"/>
+          <a:fontRef idx="minor"/>
+        </p:style>
         <p:txBody>
           <a:bodyPr lIns="0" rIns="0" tIns="0" bIns="0" anchor="b">
             <a:noAutofit/>
           </a:bodyPr>
           <a:p>
+            <a:pPr>
+              <a:lnSpc>
+                <a:spcPct val="100000"/>
+              </a:lnSpc>
+            </a:pPr>
             <a:r>
               <a:rPr b="1" lang="es-ES" sz="3200" spc="-1" strike="noStrike">
                 <a:solidFill>
                   <a:srgbClr val="ffffff"/>
                 </a:solidFill>
                 <a:latin typeface="Source Sans Pro Black"/>
+                <a:ea typeface="DejaVu Sans"/>
               </a:rPr>
               <a:t>Arquitectura</a:t>
             </a:r>
-            <a:endParaRPr b="1" lang="es-ES" sz="3200" spc="-1" strike="noStrike">
-              <a:solidFill>
-                <a:srgbClr val="ffffff"/>
-              </a:solidFill>
-              <a:latin typeface="Source Sans Pro Black"/>
-            </a:endParaRPr>
-          </a:p>
-        </p:txBody>
-      </p:sp>
-      <p:sp>
-        <p:nvSpPr>
-          <p:cNvPr id="94" name="TextShape 2"/>
-          <p:cNvSpPr txBox="1"/>
+            <a:endParaRPr b="0" lang="es-ES" sz="3200" spc="-1" strike="noStrike">
+              <a:latin typeface="Arial"/>
+            </a:endParaRPr>
+          </a:p>
+        </p:txBody>
+      </p:sp>
+      <p:sp>
+        <p:nvSpPr>
+          <p:cNvPr id="98" name="CustomShape 2"/>
+          <p:cNvSpPr/>
           <p:nvPr/>
         </p:nvSpPr>
         <p:spPr>
           <a:xfrm>
             <a:off x="360000" y="1980000"/>
-            <a:ext cx="9180000" cy="4680000"/>
+            <a:ext cx="9179280" cy="4679280"/>
           </a:xfrm>
           <a:prstGeom prst="rect">
             <a:avLst/>
@@ -4303,16 +4664,83 @@
             <a:noFill/>
           </a:ln>
         </p:spPr>
-        <p:txBody>
-          <a:bodyPr lIns="0" rIns="0" tIns="0" bIns="0">
-            <a:normAutofit/>
-          </a:bodyPr>
-          <a:p>
-            <a:endParaRPr b="1" lang="es-ES" sz="2600" spc="-1" strike="noStrike">
-              <a:solidFill>
-                <a:srgbClr val="1c1c1c"/>
-              </a:solidFill>
-              <a:latin typeface="Source Sans Pro Semibold"/>
+        <p:style>
+          <a:lnRef idx="0"/>
+          <a:fillRef idx="0"/>
+          <a:effectRef idx="0"/>
+          <a:fontRef idx="minor"/>
+        </p:style>
+      </p:sp>
+      <p:pic>
+        <p:nvPicPr>
+          <p:cNvPr id="99" name="Imagen 42" descr=""/>
+          <p:cNvPicPr/>
+          <p:nvPr/>
+        </p:nvPicPr>
+        <p:blipFill>
+          <a:blip r:embed="rId1"/>
+          <a:stretch/>
+        </p:blipFill>
+        <p:spPr>
+          <a:xfrm>
+            <a:off x="843120" y="1903320"/>
+            <a:ext cx="7990560" cy="5228640"/>
+          </a:xfrm>
+          <a:prstGeom prst="rect">
+            <a:avLst/>
+          </a:prstGeom>
+          <a:ln>
+            <a:noFill/>
+          </a:ln>
+        </p:spPr>
+      </p:pic>
+      <p:sp>
+        <p:nvSpPr>
+          <p:cNvPr id="100" name="CustomShape 3"/>
+          <p:cNvSpPr/>
+          <p:nvPr/>
+        </p:nvSpPr>
+        <p:spPr>
+          <a:xfrm>
+            <a:off x="182880" y="1253160"/>
+            <a:ext cx="9005040" cy="516600"/>
+          </a:xfrm>
+          <a:prstGeom prst="rect">
+            <a:avLst/>
+          </a:prstGeom>
+          <a:noFill/>
+          <a:ln>
+            <a:noFill/>
+          </a:ln>
+        </p:spPr>
+        <p:style>
+          <a:lnRef idx="0"/>
+          <a:fillRef idx="0"/>
+          <a:effectRef idx="0"/>
+          <a:fontRef idx="minor"/>
+        </p:style>
+        <p:txBody>
+          <a:bodyPr lIns="90000" rIns="90000" tIns="45000" bIns="45000">
+            <a:spAutoFit/>
+          </a:bodyPr>
+          <a:p>
+            <a:pPr algn="ctr">
+              <a:lnSpc>
+                <a:spcPct val="100000"/>
+              </a:lnSpc>
+            </a:pPr>
+            <a:r>
+              <a:rPr b="0" lang="es-ES" sz="2800" spc="-1" strike="noStrike">
+                <a:solidFill>
+                  <a:srgbClr val="000000"/>
+                </a:solidFill>
+                <a:latin typeface="Calibri"/>
+                <a:ea typeface="DejaVu Sans"/>
+              </a:rPr>
+              <a:t>Arquitectura 3 capas</a:t>
+            </a:r>
+            <a:endParaRPr b="0" lang="es-ES" sz="2800" spc="-1" strike="noStrike">
+              <a:latin typeface="Arial"/>
             </a:endParaRPr>
           </a:p>
         </p:txBody>
@@ -4349,14 +4777,14 @@
       </p:grpSpPr>
       <p:sp>
         <p:nvSpPr>
-          <p:cNvPr id="95" name="TextShape 1"/>
-          <p:cNvSpPr txBox="1"/>
+          <p:cNvPr id="101" name="CustomShape 1"/>
+          <p:cNvSpPr/>
           <p:nvPr/>
         </p:nvSpPr>
         <p:spPr>
           <a:xfrm>
             <a:off x="360000" y="360000"/>
-            <a:ext cx="9360000" cy="900000"/>
+            <a:ext cx="9359280" cy="899280"/>
           </a:xfrm>
           <a:prstGeom prst="rect">
             <a:avLst/>
@@ -4366,32 +4794,41 @@
             <a:noFill/>
           </a:ln>
         </p:spPr>
+        <p:style>
+          <a:lnRef idx="0"/>
+          <a:fillRef idx="0"/>
+          <a:effectRef idx="0"/>
+          <a:fontRef idx="minor"/>
+        </p:style>
         <p:txBody>
           <a:bodyPr lIns="0" rIns="0" tIns="0" bIns="0" anchor="b">
             <a:noAutofit/>
           </a:bodyPr>
           <a:p>
+            <a:pPr>
+              <a:lnSpc>
+                <a:spcPct val="100000"/>
+              </a:lnSpc>
+            </a:pPr>
             <a:r>
               <a:rPr b="1" lang="es-ES" sz="3200" spc="-1" strike="noStrike">
                 <a:solidFill>
                   <a:srgbClr val="ffffff"/>
                 </a:solidFill>
                 <a:latin typeface="Source Sans Pro Black"/>
+                <a:ea typeface="DejaVu Sans"/>
               </a:rPr>
               <a:t>Mapa de navegación</a:t>
             </a:r>
-            <a:endParaRPr b="1" lang="es-ES" sz="3200" spc="-1" strike="noStrike">
-              <a:solidFill>
-                <a:srgbClr val="ffffff"/>
-              </a:solidFill>
-              <a:latin typeface="Source Sans Pro Black"/>
+            <a:endParaRPr b="0" lang="es-ES" sz="3200" spc="-1" strike="noStrike">
+              <a:latin typeface="Arial"/>
             </a:endParaRPr>
           </a:p>
         </p:txBody>
       </p:sp>
       <p:pic>
         <p:nvPicPr>
-          <p:cNvPr id="96" name="" descr=""/>
+          <p:cNvPr id="102" name="" descr=""/>
           <p:cNvPicPr/>
           <p:nvPr/>
         </p:nvPicPr>
@@ -4402,7 +4839,7 @@
         <p:spPr>
           <a:xfrm>
             <a:off x="124200" y="1522800"/>
-            <a:ext cx="9748080" cy="4969440"/>
+            <a:ext cx="9747360" cy="4968720"/>
           </a:xfrm>
           <a:prstGeom prst="rect">
             <a:avLst/>
@@ -4444,14 +4881,14 @@
       </p:grpSpPr>
       <p:sp>
         <p:nvSpPr>
-          <p:cNvPr id="97" name="TextShape 1"/>
-          <p:cNvSpPr txBox="1"/>
+          <p:cNvPr id="103" name="CustomShape 1"/>
+          <p:cNvSpPr/>
           <p:nvPr/>
         </p:nvSpPr>
         <p:spPr>
           <a:xfrm>
             <a:off x="360000" y="360000"/>
-            <a:ext cx="9360000" cy="900000"/>
+            <a:ext cx="9359280" cy="899280"/>
           </a:xfrm>
           <a:prstGeom prst="rect">
             <a:avLst/>
@@ -4461,32 +4898,41 @@
             <a:noFill/>
           </a:ln>
         </p:spPr>
+        <p:style>
+          <a:lnRef idx="0"/>
+          <a:fillRef idx="0"/>
+          <a:effectRef idx="0"/>
+          <a:fontRef idx="minor"/>
+        </p:style>
         <p:txBody>
           <a:bodyPr lIns="0" rIns="0" tIns="0" bIns="0" anchor="b">
             <a:noAutofit/>
           </a:bodyPr>
           <a:p>
+            <a:pPr>
+              <a:lnSpc>
+                <a:spcPct val="100000"/>
+              </a:lnSpc>
+            </a:pPr>
             <a:r>
               <a:rPr b="1" lang="es-ES" sz="3200" spc="-1" strike="noStrike">
                 <a:solidFill>
                   <a:srgbClr val="ffffff"/>
                 </a:solidFill>
                 <a:latin typeface="Source Sans Pro Black"/>
+                <a:ea typeface="DejaVu Sans"/>
               </a:rPr>
               <a:t>Modelo de ventanas</a:t>
             </a:r>
-            <a:endParaRPr b="1" lang="es-ES" sz="3200" spc="-1" strike="noStrike">
-              <a:solidFill>
-                <a:srgbClr val="ffffff"/>
-              </a:solidFill>
-              <a:latin typeface="Source Sans Pro Black"/>
+            <a:endParaRPr b="0" lang="es-ES" sz="3200" spc="-1" strike="noStrike">
+              <a:latin typeface="Arial"/>
             </a:endParaRPr>
           </a:p>
         </p:txBody>
       </p:sp>
       <p:pic>
         <p:nvPicPr>
-          <p:cNvPr id="98" name="" descr=""/>
+          <p:cNvPr id="104" name="" descr=""/>
           <p:cNvPicPr/>
           <p:nvPr/>
         </p:nvPicPr>
@@ -4497,7 +4943,7 @@
         <p:spPr>
           <a:xfrm>
             <a:off x="4572000" y="215640"/>
-            <a:ext cx="5120640" cy="7099560"/>
+            <a:ext cx="5119920" cy="7098840"/>
           </a:xfrm>
           <a:prstGeom prst="rect">
             <a:avLst/>
@@ -4539,14 +4985,14 @@
       </p:grpSpPr>
       <p:sp>
         <p:nvSpPr>
-          <p:cNvPr id="99" name="TextShape 1"/>
-          <p:cNvSpPr txBox="1"/>
+          <p:cNvPr id="105" name="CustomShape 1"/>
+          <p:cNvSpPr/>
           <p:nvPr/>
         </p:nvSpPr>
         <p:spPr>
           <a:xfrm>
             <a:off x="360000" y="360000"/>
-            <a:ext cx="9360000" cy="900000"/>
+            <a:ext cx="9359280" cy="899280"/>
           </a:xfrm>
           <a:prstGeom prst="rect">
             <a:avLst/>
@@ -4556,32 +5002,41 @@
             <a:noFill/>
           </a:ln>
         </p:spPr>
+        <p:style>
+          <a:lnRef idx="0"/>
+          <a:fillRef idx="0"/>
+          <a:effectRef idx="0"/>
+          <a:fontRef idx="minor"/>
+        </p:style>
         <p:txBody>
           <a:bodyPr lIns="0" rIns="0" tIns="0" bIns="0" anchor="b">
             <a:noAutofit/>
           </a:bodyPr>
           <a:p>
+            <a:pPr>
+              <a:lnSpc>
+                <a:spcPct val="100000"/>
+              </a:lnSpc>
+            </a:pPr>
             <a:r>
               <a:rPr b="1" lang="es-ES" sz="3200" spc="-1" strike="noStrike">
                 <a:solidFill>
                   <a:srgbClr val="ffffff"/>
                 </a:solidFill>
                 <a:latin typeface="Source Sans Pro Black"/>
+                <a:ea typeface="DejaVu Sans"/>
               </a:rPr>
               <a:t>Modelo de ventanas</a:t>
             </a:r>
-            <a:endParaRPr b="1" lang="es-ES" sz="3200" spc="-1" strike="noStrike">
-              <a:solidFill>
-                <a:srgbClr val="ffffff"/>
-              </a:solidFill>
-              <a:latin typeface="Source Sans Pro Black"/>
+            <a:endParaRPr b="0" lang="es-ES" sz="3200" spc="-1" strike="noStrike">
+              <a:latin typeface="Arial"/>
             </a:endParaRPr>
           </a:p>
         </p:txBody>
       </p:sp>
       <p:pic>
         <p:nvPicPr>
-          <p:cNvPr id="100" name="" descr=""/>
+          <p:cNvPr id="106" name="" descr=""/>
           <p:cNvPicPr/>
           <p:nvPr/>
         </p:nvPicPr>
@@ -4592,7 +5047,7 @@
         <p:spPr>
           <a:xfrm>
             <a:off x="4206240" y="274320"/>
-            <a:ext cx="5807880" cy="6675120"/>
+            <a:ext cx="5807160" cy="6674400"/>
           </a:xfrm>
           <a:prstGeom prst="rect">
             <a:avLst/>
@@ -4634,14 +5089,14 @@
       </p:grpSpPr>
       <p:sp>
         <p:nvSpPr>
-          <p:cNvPr id="101" name="TextShape 1"/>
-          <p:cNvSpPr txBox="1"/>
+          <p:cNvPr id="107" name="CustomShape 1"/>
+          <p:cNvSpPr/>
           <p:nvPr/>
         </p:nvSpPr>
         <p:spPr>
           <a:xfrm>
             <a:off x="360000" y="360000"/>
-            <a:ext cx="9360000" cy="900000"/>
+            <a:ext cx="9359280" cy="899280"/>
           </a:xfrm>
           <a:prstGeom prst="rect">
             <a:avLst/>
@@ -4651,32 +5106,41 @@
             <a:noFill/>
           </a:ln>
         </p:spPr>
+        <p:style>
+          <a:lnRef idx="0"/>
+          <a:fillRef idx="0"/>
+          <a:effectRef idx="0"/>
+          <a:fontRef idx="minor"/>
+        </p:style>
         <p:txBody>
           <a:bodyPr lIns="0" rIns="0" tIns="0" bIns="0" anchor="b">
             <a:noAutofit/>
           </a:bodyPr>
           <a:p>
+            <a:pPr>
+              <a:lnSpc>
+                <a:spcPct val="100000"/>
+              </a:lnSpc>
+            </a:pPr>
             <a:r>
               <a:rPr b="1" lang="es-ES" sz="3200" spc="-1" strike="noStrike">
                 <a:solidFill>
                   <a:srgbClr val="ffffff"/>
                 </a:solidFill>
                 <a:latin typeface="Source Sans Pro Black"/>
+                <a:ea typeface="DejaVu Sans"/>
               </a:rPr>
               <a:t>Modelo de ventanas</a:t>
             </a:r>
-            <a:endParaRPr b="1" lang="es-ES" sz="3200" spc="-1" strike="noStrike">
-              <a:solidFill>
-                <a:srgbClr val="ffffff"/>
-              </a:solidFill>
-              <a:latin typeface="Source Sans Pro Black"/>
+            <a:endParaRPr b="0" lang="es-ES" sz="3200" spc="-1" strike="noStrike">
+              <a:latin typeface="Arial"/>
             </a:endParaRPr>
           </a:p>
         </p:txBody>
       </p:sp>
       <p:pic>
         <p:nvPicPr>
-          <p:cNvPr id="102" name="" descr=""/>
+          <p:cNvPr id="108" name="" descr=""/>
           <p:cNvPicPr/>
           <p:nvPr/>
         </p:nvPicPr>
@@ -4687,7 +5151,7 @@
         <p:spPr>
           <a:xfrm>
             <a:off x="4106880" y="457200"/>
-            <a:ext cx="5867640" cy="6766560"/>
+            <a:ext cx="5866920" cy="6765840"/>
           </a:xfrm>
           <a:prstGeom prst="rect">
             <a:avLst/>
